--- a/docs/articles/assets/pptx/example.pptx
+++ b/docs/articles/assets/pptx/example.pptx
@@ -2199,7 +2199,7 @@
 
 <file path=ppt/slides/slide1.xml><?xml version="1.0" encoding="utf-8"?>
 <p:sld xmlns:a="http://schemas.openxmlformats.org/drawingml/2006/main" xmlns:r="http://schemas.openxmlformats.org/officeDocument/2006/relationships" xmlns:p="http://schemas.openxmlformats.org/presentationml/2006/main">
-  <p:cSld name="Title and Content">
+  <p:cSld>
     <p:spTree>
       <p:nvGrpSpPr>
         <p:cNvPr id="1" name=""/>
@@ -2243,7 +2243,7 @@
                 <a:gridCol w="427436"/>
                 <a:gridCol w="427436"/>
               </a:tblGrid>
-              <a:tr h="276847">
+              <a:tr h="276810">
                 <a:tc>
                   <a:txBody>
                     <a:bodyPr/>
@@ -2850,7 +2850,7 @@
                   </a:tcPr>
                 </a:tc>
               </a:tr>
-              <a:tr h="252042">
+              <a:tr h="252067">
                 <a:tc>
                   <a:txBody>
                     <a:bodyPr/>
@@ -3457,7 +3457,7 @@
                   </a:tcPr>
                 </a:tc>
               </a:tr>
-              <a:tr h="252042">
+              <a:tr h="252067">
                 <a:tc>
                   <a:txBody>
                     <a:bodyPr/>
@@ -4064,7 +4064,7 @@
                   </a:tcPr>
                 </a:tc>
               </a:tr>
-              <a:tr h="252042">
+              <a:tr h="252067">
                 <a:tc>
                   <a:txBody>
                     <a:bodyPr/>
@@ -4671,7 +4671,7 @@
                   </a:tcPr>
                 </a:tc>
               </a:tr>
-              <a:tr h="252042">
+              <a:tr h="252067">
                 <a:tc>
                   <a:txBody>
                     <a:bodyPr/>
@@ -5278,7 +5278,7 @@
                   </a:tcPr>
                 </a:tc>
               </a:tr>
-              <a:tr h="252042">
+              <a:tr h="252067">
                 <a:tc>
                   <a:txBody>
                     <a:bodyPr/>
@@ -5885,7 +5885,7 @@
                   </a:tcPr>
                 </a:tc>
               </a:tr>
-              <a:tr h="252042">
+              <a:tr h="252067">
                 <a:tc>
                   <a:txBody>
                     <a:bodyPr/>
@@ -6497,11 +6497,6 @@
         </a:graphic>
       </p:graphicFrame>
     </p:spTree>
-    <p:extLst>
-      <p:ext uri="{BB962C8B-B14F-4D97-AF65-F5344CB8AC3E}">
-        <p14:creationId xmlns:p14="http://schemas.microsoft.com/office/powerpoint/2010/main" val="271576982"/>
-      </p:ext>
-    </p:extLst>
   </p:cSld>
   <p:clrMapOvr>
     <a:masterClrMapping/>

--- a/docs/articles/assets/pptx/example.pptx
+++ b/docs/articles/assets/pptx/example.pptx
@@ -2231,17 +2231,17 @@
             <a:tbl>
               <a:tblPr/>
               <a:tblGrid>
-                <a:gridCol w="427250"/>
-                <a:gridCol w="335721"/>
-                <a:gridCol w="420243"/>
-                <a:gridCol w="371067"/>
-                <a:gridCol w="406352"/>
+                <a:gridCol w="547615"/>
+                <a:gridCol w="476983"/>
+                <a:gridCol w="618246"/>
+                <a:gridCol w="618246"/>
                 <a:gridCol w="476983"/>
                 <a:gridCol w="476983"/>
-                <a:gridCol w="300436"/>
-                <a:gridCol w="342728"/>
-                <a:gridCol w="427436"/>
-                <a:gridCol w="427436"/>
+                <a:gridCol w="547615"/>
+                <a:gridCol w="476983"/>
+                <a:gridCol w="476983"/>
+                <a:gridCol w="476983"/>
+                <a:gridCol w="476983"/>
               </a:tblGrid>
               <a:tr h="276810">
                 <a:tc>
@@ -2875,7 +2875,7 @@
                           <a:latin typeface="Arial"/>
                           <a:cs typeface="Arial"/>
                         </a:rPr>
-                        <a:t>21.0</a:t>
+                        <a:t>21.000</a:t>
                       </a:r>
                     </a:p>
                   </a:txBody>
@@ -2930,7 +2930,7 @@
                           <a:latin typeface="Arial"/>
                           <a:cs typeface="Arial"/>
                         </a:rPr>
-                        <a:t>6</a:t>
+                        <a:t>6.000</a:t>
                       </a:r>
                     </a:p>
                   </a:txBody>
@@ -2985,7 +2985,7 @@
                           <a:latin typeface="Arial"/>
                           <a:cs typeface="Arial"/>
                         </a:rPr>
-                        <a:t>160</a:t>
+                        <a:t>160.000</a:t>
                       </a:r>
                     </a:p>
                   </a:txBody>
@@ -3040,7 +3040,7 @@
                           <a:latin typeface="Arial"/>
                           <a:cs typeface="Arial"/>
                         </a:rPr>
-                        <a:t>110</a:t>
+                        <a:t>110.000</a:t>
                       </a:r>
                     </a:p>
                   </a:txBody>
@@ -3095,7 +3095,7 @@
                           <a:latin typeface="Arial"/>
                           <a:cs typeface="Arial"/>
                         </a:rPr>
-                        <a:t>3.90</a:t>
+                        <a:t>3.900</a:t>
                       </a:r>
                     </a:p>
                   </a:txBody>
@@ -3205,7 +3205,7 @@
                           <a:latin typeface="Arial"/>
                           <a:cs typeface="Arial"/>
                         </a:rPr>
-                        <a:t>16.46</a:t>
+                        <a:t>16.460</a:t>
                       </a:r>
                     </a:p>
                   </a:txBody>
@@ -3260,7 +3260,7 @@
                           <a:latin typeface="Arial"/>
                           <a:cs typeface="Arial"/>
                         </a:rPr>
-                        <a:t>0</a:t>
+                        <a:t>0.000</a:t>
                       </a:r>
                     </a:p>
                   </a:txBody>
@@ -3315,7 +3315,7 @@
                           <a:latin typeface="Arial"/>
                           <a:cs typeface="Arial"/>
                         </a:rPr>
-                        <a:t>1</a:t>
+                        <a:t>1.000</a:t>
                       </a:r>
                     </a:p>
                   </a:txBody>
@@ -3370,7 +3370,7 @@
                           <a:latin typeface="Arial"/>
                           <a:cs typeface="Arial"/>
                         </a:rPr>
-                        <a:t>4</a:t>
+                        <a:t>4.000</a:t>
                       </a:r>
                     </a:p>
                   </a:txBody>
@@ -3425,7 +3425,7 @@
                           <a:latin typeface="Arial"/>
                           <a:cs typeface="Arial"/>
                         </a:rPr>
-                        <a:t>4</a:t>
+                        <a:t>4.000</a:t>
                       </a:r>
                     </a:p>
                   </a:txBody>
@@ -3482,7 +3482,7 @@
                           <a:latin typeface="Arial"/>
                           <a:cs typeface="Arial"/>
                         </a:rPr>
-                        <a:t>21.0</a:t>
+                        <a:t>21.000</a:t>
                       </a:r>
                     </a:p>
                   </a:txBody>
@@ -3537,7 +3537,7 @@
                           <a:latin typeface="Arial"/>
                           <a:cs typeface="Arial"/>
                         </a:rPr>
-                        <a:t>6</a:t>
+                        <a:t>6.000</a:t>
                       </a:r>
                     </a:p>
                   </a:txBody>
@@ -3592,7 +3592,7 @@
                           <a:latin typeface="Arial"/>
                           <a:cs typeface="Arial"/>
                         </a:rPr>
-                        <a:t>160</a:t>
+                        <a:t>160.000</a:t>
                       </a:r>
                     </a:p>
                   </a:txBody>
@@ -3647,7 +3647,7 @@
                           <a:latin typeface="Arial"/>
                           <a:cs typeface="Arial"/>
                         </a:rPr>
-                        <a:t>110</a:t>
+                        <a:t>110.000</a:t>
                       </a:r>
                     </a:p>
                   </a:txBody>
@@ -3702,7 +3702,7 @@
                           <a:latin typeface="Arial"/>
                           <a:cs typeface="Arial"/>
                         </a:rPr>
-                        <a:t>3.90</a:t>
+                        <a:t>3.900</a:t>
                       </a:r>
                     </a:p>
                   </a:txBody>
@@ -3812,7 +3812,7 @@
                           <a:latin typeface="Arial"/>
                           <a:cs typeface="Arial"/>
                         </a:rPr>
-                        <a:t>17.02</a:t>
+                        <a:t>17.020</a:t>
                       </a:r>
                     </a:p>
                   </a:txBody>
@@ -3867,7 +3867,7 @@
                           <a:latin typeface="Arial"/>
                           <a:cs typeface="Arial"/>
                         </a:rPr>
-                        <a:t>0</a:t>
+                        <a:t>0.000</a:t>
                       </a:r>
                     </a:p>
                   </a:txBody>
@@ -3922,7 +3922,7 @@
                           <a:latin typeface="Arial"/>
                           <a:cs typeface="Arial"/>
                         </a:rPr>
-                        <a:t>1</a:t>
+                        <a:t>1.000</a:t>
                       </a:r>
                     </a:p>
                   </a:txBody>
@@ -3977,7 +3977,7 @@
                           <a:latin typeface="Arial"/>
                           <a:cs typeface="Arial"/>
                         </a:rPr>
-                        <a:t>4</a:t>
+                        <a:t>4.000</a:t>
                       </a:r>
                     </a:p>
                   </a:txBody>
@@ -4032,7 +4032,7 @@
                           <a:latin typeface="Arial"/>
                           <a:cs typeface="Arial"/>
                         </a:rPr>
-                        <a:t>4</a:t>
+                        <a:t>4.000</a:t>
                       </a:r>
                     </a:p>
                   </a:txBody>
@@ -4089,7 +4089,7 @@
                           <a:latin typeface="Arial"/>
                           <a:cs typeface="Arial"/>
                         </a:rPr>
-                        <a:t>22.8</a:t>
+                        <a:t>22.800</a:t>
                       </a:r>
                     </a:p>
                   </a:txBody>
@@ -4144,7 +4144,7 @@
                           <a:latin typeface="Arial"/>
                           <a:cs typeface="Arial"/>
                         </a:rPr>
-                        <a:t>4</a:t>
+                        <a:t>4.000</a:t>
                       </a:r>
                     </a:p>
                   </a:txBody>
@@ -4199,7 +4199,7 @@
                           <a:latin typeface="Arial"/>
                           <a:cs typeface="Arial"/>
                         </a:rPr>
-                        <a:t>108</a:t>
+                        <a:t>108.000</a:t>
                       </a:r>
                     </a:p>
                   </a:txBody>
@@ -4254,7 +4254,7 @@
                           <a:latin typeface="Arial"/>
                           <a:cs typeface="Arial"/>
                         </a:rPr>
-                        <a:t>93</a:t>
+                        <a:t>93.000</a:t>
                       </a:r>
                     </a:p>
                   </a:txBody>
@@ -4309,7 +4309,7 @@
                           <a:latin typeface="Arial"/>
                           <a:cs typeface="Arial"/>
                         </a:rPr>
-                        <a:t>3.85</a:t>
+                        <a:t>3.850</a:t>
                       </a:r>
                     </a:p>
                   </a:txBody>
@@ -4419,7 +4419,7 @@
                           <a:latin typeface="Arial"/>
                           <a:cs typeface="Arial"/>
                         </a:rPr>
-                        <a:t>18.61</a:t>
+                        <a:t>18.610</a:t>
                       </a:r>
                     </a:p>
                   </a:txBody>
@@ -4474,7 +4474,7 @@
                           <a:latin typeface="Arial"/>
                           <a:cs typeface="Arial"/>
                         </a:rPr>
-                        <a:t>1</a:t>
+                        <a:t>1.000</a:t>
                       </a:r>
                     </a:p>
                   </a:txBody>
@@ -4529,7 +4529,7 @@
                           <a:latin typeface="Arial"/>
                           <a:cs typeface="Arial"/>
                         </a:rPr>
-                        <a:t>1</a:t>
+                        <a:t>1.000</a:t>
                       </a:r>
                     </a:p>
                   </a:txBody>
@@ -4584,7 +4584,7 @@
                           <a:latin typeface="Arial"/>
                           <a:cs typeface="Arial"/>
                         </a:rPr>
-                        <a:t>4</a:t>
+                        <a:t>4.000</a:t>
                       </a:r>
                     </a:p>
                   </a:txBody>
@@ -4639,7 +4639,7 @@
                           <a:latin typeface="Arial"/>
                           <a:cs typeface="Arial"/>
                         </a:rPr>
-                        <a:t>1</a:t>
+                        <a:t>1.000</a:t>
                       </a:r>
                     </a:p>
                   </a:txBody>
@@ -4696,7 +4696,7 @@
                           <a:latin typeface="Arial"/>
                           <a:cs typeface="Arial"/>
                         </a:rPr>
-                        <a:t>21.4</a:t>
+                        <a:t>21.400</a:t>
                       </a:r>
                     </a:p>
                   </a:txBody>
@@ -4751,7 +4751,7 @@
                           <a:latin typeface="Arial"/>
                           <a:cs typeface="Arial"/>
                         </a:rPr>
-                        <a:t>6</a:t>
+                        <a:t>6.000</a:t>
                       </a:r>
                     </a:p>
                   </a:txBody>
@@ -4806,7 +4806,7 @@
                           <a:latin typeface="Arial"/>
                           <a:cs typeface="Arial"/>
                         </a:rPr>
-                        <a:t>258</a:t>
+                        <a:t>258.000</a:t>
                       </a:r>
                     </a:p>
                   </a:txBody>
@@ -4861,7 +4861,7 @@
                           <a:latin typeface="Arial"/>
                           <a:cs typeface="Arial"/>
                         </a:rPr>
-                        <a:t>110</a:t>
+                        <a:t>110.000</a:t>
                       </a:r>
                     </a:p>
                   </a:txBody>
@@ -4916,7 +4916,7 @@
                           <a:latin typeface="Arial"/>
                           <a:cs typeface="Arial"/>
                         </a:rPr>
-                        <a:t>3.08</a:t>
+                        <a:t>3.080</a:t>
                       </a:r>
                     </a:p>
                   </a:txBody>
@@ -5026,7 +5026,7 @@
                           <a:latin typeface="Arial"/>
                           <a:cs typeface="Arial"/>
                         </a:rPr>
-                        <a:t>19.44</a:t>
+                        <a:t>19.440</a:t>
                       </a:r>
                     </a:p>
                   </a:txBody>
@@ -5081,7 +5081,7 @@
                           <a:latin typeface="Arial"/>
                           <a:cs typeface="Arial"/>
                         </a:rPr>
-                        <a:t>1</a:t>
+                        <a:t>1.000</a:t>
                       </a:r>
                     </a:p>
                   </a:txBody>
@@ -5136,7 +5136,7 @@
                           <a:latin typeface="Arial"/>
                           <a:cs typeface="Arial"/>
                         </a:rPr>
-                        <a:t>0</a:t>
+                        <a:t>0.000</a:t>
                       </a:r>
                     </a:p>
                   </a:txBody>
@@ -5191,7 +5191,7 @@
                           <a:latin typeface="Arial"/>
                           <a:cs typeface="Arial"/>
                         </a:rPr>
-                        <a:t>3</a:t>
+                        <a:t>3.000</a:t>
                       </a:r>
                     </a:p>
                   </a:txBody>
@@ -5246,7 +5246,7 @@
                           <a:latin typeface="Arial"/>
                           <a:cs typeface="Arial"/>
                         </a:rPr>
-                        <a:t>1</a:t>
+                        <a:t>1.000</a:t>
                       </a:r>
                     </a:p>
                   </a:txBody>
@@ -5303,7 +5303,7 @@
                           <a:latin typeface="Arial"/>
                           <a:cs typeface="Arial"/>
                         </a:rPr>
-                        <a:t>18.7</a:t>
+                        <a:t>18.700</a:t>
                       </a:r>
                     </a:p>
                   </a:txBody>
@@ -5358,7 +5358,7 @@
                           <a:latin typeface="Arial"/>
                           <a:cs typeface="Arial"/>
                         </a:rPr>
-                        <a:t>8</a:t>
+                        <a:t>8.000</a:t>
                       </a:r>
                     </a:p>
                   </a:txBody>
@@ -5413,7 +5413,7 @@
                           <a:latin typeface="Arial"/>
                           <a:cs typeface="Arial"/>
                         </a:rPr>
-                        <a:t>360</a:t>
+                        <a:t>360.000</a:t>
                       </a:r>
                     </a:p>
                   </a:txBody>
@@ -5468,7 +5468,7 @@
                           <a:latin typeface="Arial"/>
                           <a:cs typeface="Arial"/>
                         </a:rPr>
-                        <a:t>175</a:t>
+                        <a:t>175.000</a:t>
                       </a:r>
                     </a:p>
                   </a:txBody>
@@ -5523,7 +5523,7 @@
                           <a:latin typeface="Arial"/>
                           <a:cs typeface="Arial"/>
                         </a:rPr>
-                        <a:t>3.15</a:t>
+                        <a:t>3.150</a:t>
                       </a:r>
                     </a:p>
                   </a:txBody>
@@ -5633,7 +5633,7 @@
                           <a:latin typeface="Arial"/>
                           <a:cs typeface="Arial"/>
                         </a:rPr>
-                        <a:t>17.02</a:t>
+                        <a:t>17.020</a:t>
                       </a:r>
                     </a:p>
                   </a:txBody>
@@ -5688,7 +5688,7 @@
                           <a:latin typeface="Arial"/>
                           <a:cs typeface="Arial"/>
                         </a:rPr>
-                        <a:t>0</a:t>
+                        <a:t>0.000</a:t>
                       </a:r>
                     </a:p>
                   </a:txBody>
@@ -5743,7 +5743,7 @@
                           <a:latin typeface="Arial"/>
                           <a:cs typeface="Arial"/>
                         </a:rPr>
-                        <a:t>0</a:t>
+                        <a:t>0.000</a:t>
                       </a:r>
                     </a:p>
                   </a:txBody>
@@ -5798,7 +5798,7 @@
                           <a:latin typeface="Arial"/>
                           <a:cs typeface="Arial"/>
                         </a:rPr>
-                        <a:t>3</a:t>
+                        <a:t>3.000</a:t>
                       </a:r>
                     </a:p>
                   </a:txBody>
@@ -5853,7 +5853,7 @@
                           <a:latin typeface="Arial"/>
                           <a:cs typeface="Arial"/>
                         </a:rPr>
-                        <a:t>2</a:t>
+                        <a:t>2.000</a:t>
                       </a:r>
                     </a:p>
                   </a:txBody>
@@ -5910,7 +5910,7 @@
                           <a:latin typeface="Arial"/>
                           <a:cs typeface="Arial"/>
                         </a:rPr>
-                        <a:t>18.1</a:t>
+                        <a:t>18.100</a:t>
                       </a:r>
                     </a:p>
                   </a:txBody>
@@ -5965,7 +5965,7 @@
                           <a:latin typeface="Arial"/>
                           <a:cs typeface="Arial"/>
                         </a:rPr>
-                        <a:t>6</a:t>
+                        <a:t>6.000</a:t>
                       </a:r>
                     </a:p>
                   </a:txBody>
@@ -6020,7 +6020,7 @@
                           <a:latin typeface="Arial"/>
                           <a:cs typeface="Arial"/>
                         </a:rPr>
-                        <a:t>225</a:t>
+                        <a:t>225.000</a:t>
                       </a:r>
                     </a:p>
                   </a:txBody>
@@ -6075,7 +6075,7 @@
                           <a:latin typeface="Arial"/>
                           <a:cs typeface="Arial"/>
                         </a:rPr>
-                        <a:t>105</a:t>
+                        <a:t>105.000</a:t>
                       </a:r>
                     </a:p>
                   </a:txBody>
@@ -6130,7 +6130,7 @@
                           <a:latin typeface="Arial"/>
                           <a:cs typeface="Arial"/>
                         </a:rPr>
-                        <a:t>2.76</a:t>
+                        <a:t>2.760</a:t>
                       </a:r>
                     </a:p>
                   </a:txBody>
@@ -6240,7 +6240,7 @@
                           <a:latin typeface="Arial"/>
                           <a:cs typeface="Arial"/>
                         </a:rPr>
-                        <a:t>20.22</a:t>
+                        <a:t>20.220</a:t>
                       </a:r>
                     </a:p>
                   </a:txBody>
@@ -6295,7 +6295,7 @@
                           <a:latin typeface="Arial"/>
                           <a:cs typeface="Arial"/>
                         </a:rPr>
-                        <a:t>1</a:t>
+                        <a:t>1.000</a:t>
                       </a:r>
                     </a:p>
                   </a:txBody>
@@ -6350,7 +6350,7 @@
                           <a:latin typeface="Arial"/>
                           <a:cs typeface="Arial"/>
                         </a:rPr>
-                        <a:t>0</a:t>
+                        <a:t>0.000</a:t>
                       </a:r>
                     </a:p>
                   </a:txBody>
@@ -6405,7 +6405,7 @@
                           <a:latin typeface="Arial"/>
                           <a:cs typeface="Arial"/>
                         </a:rPr>
-                        <a:t>3</a:t>
+                        <a:t>3.000</a:t>
                       </a:r>
                     </a:p>
                   </a:txBody>
@@ -6460,7 +6460,7 @@
                           <a:latin typeface="Arial"/>
                           <a:cs typeface="Arial"/>
                         </a:rPr>
-                        <a:t>1</a:t>
+                        <a:t>1.000</a:t>
                       </a:r>
                     </a:p>
                   </a:txBody>

--- a/docs/articles/assets/pptx/example.pptx
+++ b/docs/articles/assets/pptx/example.pptx
@@ -2216,7 +2216,7 @@
       </p:grpSpPr>
       <p:graphicFrame xmlns:a="http://schemas.openxmlformats.org/drawingml/2006/main" xmlns:r="http://schemas.openxmlformats.org/officeDocument/2006/relationships" xmlns:p="http://schemas.openxmlformats.org/presentationml/2006/main">
         <p:nvGraphicFramePr>
-          <p:cNvPr name="" id="2"/>
+          <p:cNvPr id="2" name=""/>
           <p:cNvGraphicFramePr>
             <a:graphicFrameLocks noGrp="true"/>
           </p:cNvGraphicFramePr>
@@ -2243,23 +2243,23 @@
                 <a:gridCol w="476983"/>
                 <a:gridCol w="476983"/>
               </a:tblGrid>
-              <a:tr h="276810">
-                <a:tc>
-                  <a:txBody>
-                    <a:bodyPr/>
-                    <a:lstStyle/>
-                    <a:p>
-                      <a:pPr algn="r" marL="25400" marR="25400">
-                        <a:spcBef>
-                          <a:spcPts val="200"/>
-                        </a:spcBef>
-                        <a:spcAft>
-                          <a:spcPts val="200"/>
-                        </a:spcAft>
-                        <a:buNone/>
-                      </a:pPr>
-                      <a:r>
-                        <a:rPr sz="1000" b="1">
+              <a:tr h="276847">
+                <a:tc>
+                  <a:txBody>
+                    <a:bodyPr/>
+                    <a:lstStyle/>
+                    <a:p>
+                      <a:pPr algn="r" marL="25400" marR="25400">
+                        <a:spcBef>
+                          <a:spcPts val="200"/>
+                        </a:spcBef>
+                        <a:spcAft>
+                          <a:spcPts val="200"/>
+                        </a:spcAft>
+                        <a:buNone/>
+                      </a:pPr>
+                      <a:r>
+                        <a:rPr sz="1000">
                           <a:solidFill>
                             <a:srgbClr val="000000">
                               <a:alpha val="100000"/>
@@ -2273,11 +2273,11 @@
                     </a:p>
                   </a:txBody>
                   <a:tcPr anchor="ctr" marB="0" marT="0" marR="0" marL="0">
-                    <a:lnL algn="ctr" cmpd="sng" cap="flat" w="0">
-                      <a:noFill/>
-                      <a:prstDash val="solid"/>
-                    </a:lnL>
-                    <a:lnR algn="ctr" cmpd="sng" cap="flat" w="0">
+                    <a:lnL algn="ctr" cmpd="sng" cap="flat" w="12700">
+                      <a:noFill/>
+                      <a:prstDash val="solid"/>
+                    </a:lnL>
+                    <a:lnR algn="ctr" cmpd="sng" cap="flat" w="12700">
                       <a:noFill/>
                       <a:prstDash val="solid"/>
                     </a:lnR>
@@ -2314,7 +2314,7 @@
                         <a:buNone/>
                       </a:pPr>
                       <a:r>
-                        <a:rPr sz="1000" b="1">
+                        <a:rPr sz="1000">
                           <a:solidFill>
                             <a:srgbClr val="000000">
                               <a:alpha val="100000"/>
@@ -2328,11 +2328,11 @@
                     </a:p>
                   </a:txBody>
                   <a:tcPr anchor="ctr" marB="0" marT="0" marR="0" marL="0">
-                    <a:lnL algn="ctr" cmpd="sng" cap="flat" w="0">
-                      <a:noFill/>
-                      <a:prstDash val="solid"/>
-                    </a:lnL>
-                    <a:lnR algn="ctr" cmpd="sng" cap="flat" w="0">
+                    <a:lnL algn="ctr" cmpd="sng" cap="flat" w="12700">
+                      <a:noFill/>
+                      <a:prstDash val="solid"/>
+                    </a:lnL>
+                    <a:lnR algn="ctr" cmpd="sng" cap="flat" w="12700">
                       <a:noFill/>
                       <a:prstDash val="solid"/>
                     </a:lnR>
@@ -2369,7 +2369,7 @@
                         <a:buNone/>
                       </a:pPr>
                       <a:r>
-                        <a:rPr sz="1000" b="1">
+                        <a:rPr sz="1000">
                           <a:solidFill>
                             <a:srgbClr val="000000">
                               <a:alpha val="100000"/>
@@ -2383,11 +2383,11 @@
                     </a:p>
                   </a:txBody>
                   <a:tcPr anchor="ctr" marB="0" marT="0" marR="0" marL="0">
-                    <a:lnL algn="ctr" cmpd="sng" cap="flat" w="0">
-                      <a:noFill/>
-                      <a:prstDash val="solid"/>
-                    </a:lnL>
-                    <a:lnR algn="ctr" cmpd="sng" cap="flat" w="0">
+                    <a:lnL algn="ctr" cmpd="sng" cap="flat" w="12700">
+                      <a:noFill/>
+                      <a:prstDash val="solid"/>
+                    </a:lnL>
+                    <a:lnR algn="ctr" cmpd="sng" cap="flat" w="12700">
                       <a:noFill/>
                       <a:prstDash val="solid"/>
                     </a:lnR>
@@ -2424,7 +2424,7 @@
                         <a:buNone/>
                       </a:pPr>
                       <a:r>
-                        <a:rPr sz="1000" b="1">
+                        <a:rPr sz="1000">
                           <a:solidFill>
                             <a:srgbClr val="000000">
                               <a:alpha val="100000"/>
@@ -2438,11 +2438,11 @@
                     </a:p>
                   </a:txBody>
                   <a:tcPr anchor="ctr" marB="0" marT="0" marR="0" marL="0">
-                    <a:lnL algn="ctr" cmpd="sng" cap="flat" w="0">
-                      <a:noFill/>
-                      <a:prstDash val="solid"/>
-                    </a:lnL>
-                    <a:lnR algn="ctr" cmpd="sng" cap="flat" w="0">
+                    <a:lnL algn="ctr" cmpd="sng" cap="flat" w="12700">
+                      <a:noFill/>
+                      <a:prstDash val="solid"/>
+                    </a:lnL>
+                    <a:lnR algn="ctr" cmpd="sng" cap="flat" w="12700">
                       <a:noFill/>
                       <a:prstDash val="solid"/>
                     </a:lnR>
@@ -2479,7 +2479,7 @@
                         <a:buNone/>
                       </a:pPr>
                       <a:r>
-                        <a:rPr sz="1000" b="1">
+                        <a:rPr sz="1000">
                           <a:solidFill>
                             <a:srgbClr val="000000">
                               <a:alpha val="100000"/>
@@ -2493,11 +2493,11 @@
                     </a:p>
                   </a:txBody>
                   <a:tcPr anchor="ctr" marB="0" marT="0" marR="0" marL="0">
-                    <a:lnL algn="ctr" cmpd="sng" cap="flat" w="0">
-                      <a:noFill/>
-                      <a:prstDash val="solid"/>
-                    </a:lnL>
-                    <a:lnR algn="ctr" cmpd="sng" cap="flat" w="0">
+                    <a:lnL algn="ctr" cmpd="sng" cap="flat" w="12700">
+                      <a:noFill/>
+                      <a:prstDash val="solid"/>
+                    </a:lnL>
+                    <a:lnR algn="ctr" cmpd="sng" cap="flat" w="12700">
                       <a:noFill/>
                       <a:prstDash val="solid"/>
                     </a:lnR>
@@ -2534,7 +2534,7 @@
                         <a:buNone/>
                       </a:pPr>
                       <a:r>
-                        <a:rPr sz="1000" b="1">
+                        <a:rPr sz="1000">
                           <a:solidFill>
                             <a:srgbClr val="000000">
                               <a:alpha val="100000"/>
@@ -2548,11 +2548,11 @@
                     </a:p>
                   </a:txBody>
                   <a:tcPr anchor="ctr" marB="0" marT="0" marR="0" marL="0">
-                    <a:lnL algn="ctr" cmpd="sng" cap="flat" w="0">
-                      <a:noFill/>
-                      <a:prstDash val="solid"/>
-                    </a:lnL>
-                    <a:lnR algn="ctr" cmpd="sng" cap="flat" w="0">
+                    <a:lnL algn="ctr" cmpd="sng" cap="flat" w="12700">
+                      <a:noFill/>
+                      <a:prstDash val="solid"/>
+                    </a:lnL>
+                    <a:lnR algn="ctr" cmpd="sng" cap="flat" w="12700">
                       <a:noFill/>
                       <a:prstDash val="solid"/>
                     </a:lnR>
@@ -2589,7 +2589,7 @@
                         <a:buNone/>
                       </a:pPr>
                       <a:r>
-                        <a:rPr sz="1000" b="1">
+                        <a:rPr sz="1000">
                           <a:solidFill>
                             <a:srgbClr val="000000">
                               <a:alpha val="100000"/>
@@ -2603,11 +2603,11 @@
                     </a:p>
                   </a:txBody>
                   <a:tcPr anchor="ctr" marB="0" marT="0" marR="0" marL="0">
-                    <a:lnL algn="ctr" cmpd="sng" cap="flat" w="0">
-                      <a:noFill/>
-                      <a:prstDash val="solid"/>
-                    </a:lnL>
-                    <a:lnR algn="ctr" cmpd="sng" cap="flat" w="0">
+                    <a:lnL algn="ctr" cmpd="sng" cap="flat" w="12700">
+                      <a:noFill/>
+                      <a:prstDash val="solid"/>
+                    </a:lnL>
+                    <a:lnR algn="ctr" cmpd="sng" cap="flat" w="12700">
                       <a:noFill/>
                       <a:prstDash val="solid"/>
                     </a:lnR>
@@ -2644,7 +2644,7 @@
                         <a:buNone/>
                       </a:pPr>
                       <a:r>
-                        <a:rPr sz="1000" b="1">
+                        <a:rPr sz="1000">
                           <a:solidFill>
                             <a:srgbClr val="000000">
                               <a:alpha val="100000"/>
@@ -2658,11 +2658,11 @@
                     </a:p>
                   </a:txBody>
                   <a:tcPr anchor="ctr" marB="0" marT="0" marR="0" marL="0">
-                    <a:lnL algn="ctr" cmpd="sng" cap="flat" w="0">
-                      <a:noFill/>
-                      <a:prstDash val="solid"/>
-                    </a:lnL>
-                    <a:lnR algn="ctr" cmpd="sng" cap="flat" w="0">
+                    <a:lnL algn="ctr" cmpd="sng" cap="flat" w="12700">
+                      <a:noFill/>
+                      <a:prstDash val="solid"/>
+                    </a:lnL>
+                    <a:lnR algn="ctr" cmpd="sng" cap="flat" w="12700">
                       <a:noFill/>
                       <a:prstDash val="solid"/>
                     </a:lnR>
@@ -2699,7 +2699,7 @@
                         <a:buNone/>
                       </a:pPr>
                       <a:r>
-                        <a:rPr sz="1000" b="1">
+                        <a:rPr sz="1000">
                           <a:solidFill>
                             <a:srgbClr val="000000">
                               <a:alpha val="100000"/>
@@ -2713,11 +2713,11 @@
                     </a:p>
                   </a:txBody>
                   <a:tcPr anchor="ctr" marB="0" marT="0" marR="0" marL="0">
-                    <a:lnL algn="ctr" cmpd="sng" cap="flat" w="0">
-                      <a:noFill/>
-                      <a:prstDash val="solid"/>
-                    </a:lnL>
-                    <a:lnR algn="ctr" cmpd="sng" cap="flat" w="0">
+                    <a:lnL algn="ctr" cmpd="sng" cap="flat" w="12700">
+                      <a:noFill/>
+                      <a:prstDash val="solid"/>
+                    </a:lnL>
+                    <a:lnR algn="ctr" cmpd="sng" cap="flat" w="12700">
                       <a:noFill/>
                       <a:prstDash val="solid"/>
                     </a:lnR>
@@ -2754,7 +2754,7 @@
                         <a:buNone/>
                       </a:pPr>
                       <a:r>
-                        <a:rPr sz="1000" b="1">
+                        <a:rPr sz="1000">
                           <a:solidFill>
                             <a:srgbClr val="000000">
                               <a:alpha val="100000"/>
@@ -2768,11 +2768,11 @@
                     </a:p>
                   </a:txBody>
                   <a:tcPr anchor="ctr" marB="0" marT="0" marR="0" marL="0">
-                    <a:lnL algn="ctr" cmpd="sng" cap="flat" w="0">
-                      <a:noFill/>
-                      <a:prstDash val="solid"/>
-                    </a:lnL>
-                    <a:lnR algn="ctr" cmpd="sng" cap="flat" w="0">
+                    <a:lnL algn="ctr" cmpd="sng" cap="flat" w="12700">
+                      <a:noFill/>
+                      <a:prstDash val="solid"/>
+                    </a:lnL>
+                    <a:lnR algn="ctr" cmpd="sng" cap="flat" w="12700">
                       <a:noFill/>
                       <a:prstDash val="solid"/>
                     </a:lnR>
@@ -2809,7 +2809,7 @@
                         <a:buNone/>
                       </a:pPr>
                       <a:r>
-                        <a:rPr sz="1000" b="1">
+                        <a:rPr sz="1000">
                           <a:solidFill>
                             <a:srgbClr val="000000">
                               <a:alpha val="100000"/>
@@ -2823,11 +2823,11 @@
                     </a:p>
                   </a:txBody>
                   <a:tcPr anchor="ctr" marB="0" marT="0" marR="0" marL="0">
-                    <a:lnL algn="ctr" cmpd="sng" cap="flat" w="0">
-                      <a:noFill/>
-                      <a:prstDash val="solid"/>
-                    </a:lnL>
-                    <a:lnR algn="ctr" cmpd="sng" cap="flat" w="0">
+                    <a:lnL algn="ctr" cmpd="sng" cap="flat" w="12700">
+                      <a:noFill/>
+                      <a:prstDash val="solid"/>
+                    </a:lnL>
+                    <a:lnR algn="ctr" cmpd="sng" cap="flat" w="12700">
                       <a:noFill/>
                       <a:prstDash val="solid"/>
                     </a:lnR>
@@ -2850,7 +2850,7 @@
                   </a:tcPr>
                 </a:tc>
               </a:tr>
-              <a:tr h="252067">
+              <a:tr h="252042">
                 <a:tc>
                   <a:txBody>
                     <a:bodyPr/>
@@ -2880,20 +2880,16 @@
                     </a:p>
                   </a:txBody>
                   <a:tcPr anchor="ctr" marB="0" marT="0" marR="0" marL="0">
-                    <a:lnL algn="ctr" cmpd="sng" cap="flat" w="0">
-                      <a:noFill/>
-                      <a:prstDash val="solid"/>
-                    </a:lnL>
-                    <a:lnR algn="ctr" cmpd="sng" cap="flat" w="0">
+                    <a:lnL algn="ctr" cmpd="sng" cap="flat" w="12700">
+                      <a:noFill/>
+                      <a:prstDash val="solid"/>
+                    </a:lnL>
+                    <a:lnR algn="ctr" cmpd="sng" cap="flat" w="12700">
                       <a:noFill/>
                       <a:prstDash val="solid"/>
                     </a:lnR>
                     <a:lnT algn="ctr" cmpd="sng" cap="flat" w="12700">
-                      <a:solidFill>
-                        <a:srgbClr val="000000">
-                          <a:alpha val="100000"/>
-                        </a:srgbClr>
-                      </a:solidFill>
+                      <a:noFill/>
                       <a:prstDash val="solid"/>
                     </a:lnT>
                     <a:lnB algn="ctr" cmpd="sng" cap="flat" w="12700">
@@ -2935,20 +2931,16 @@
                     </a:p>
                   </a:txBody>
                   <a:tcPr anchor="ctr" marB="0" marT="0" marR="0" marL="0">
-                    <a:lnL algn="ctr" cmpd="sng" cap="flat" w="0">
-                      <a:noFill/>
-                      <a:prstDash val="solid"/>
-                    </a:lnL>
-                    <a:lnR algn="ctr" cmpd="sng" cap="flat" w="0">
+                    <a:lnL algn="ctr" cmpd="sng" cap="flat" w="12700">
+                      <a:noFill/>
+                      <a:prstDash val="solid"/>
+                    </a:lnL>
+                    <a:lnR algn="ctr" cmpd="sng" cap="flat" w="12700">
                       <a:noFill/>
                       <a:prstDash val="solid"/>
                     </a:lnR>
                     <a:lnT algn="ctr" cmpd="sng" cap="flat" w="12700">
-                      <a:solidFill>
-                        <a:srgbClr val="000000">
-                          <a:alpha val="100000"/>
-                        </a:srgbClr>
-                      </a:solidFill>
+                      <a:noFill/>
                       <a:prstDash val="solid"/>
                     </a:lnT>
                     <a:lnB algn="ctr" cmpd="sng" cap="flat" w="12700">
@@ -2990,20 +2982,16 @@
                     </a:p>
                   </a:txBody>
                   <a:tcPr anchor="ctr" marB="0" marT="0" marR="0" marL="0">
-                    <a:lnL algn="ctr" cmpd="sng" cap="flat" w="0">
-                      <a:noFill/>
-                      <a:prstDash val="solid"/>
-                    </a:lnL>
-                    <a:lnR algn="ctr" cmpd="sng" cap="flat" w="0">
+                    <a:lnL algn="ctr" cmpd="sng" cap="flat" w="12700">
+                      <a:noFill/>
+                      <a:prstDash val="solid"/>
+                    </a:lnL>
+                    <a:lnR algn="ctr" cmpd="sng" cap="flat" w="12700">
                       <a:noFill/>
                       <a:prstDash val="solid"/>
                     </a:lnR>
                     <a:lnT algn="ctr" cmpd="sng" cap="flat" w="12700">
-                      <a:solidFill>
-                        <a:srgbClr val="000000">
-                          <a:alpha val="100000"/>
-                        </a:srgbClr>
-                      </a:solidFill>
+                      <a:noFill/>
                       <a:prstDash val="solid"/>
                     </a:lnT>
                     <a:lnB algn="ctr" cmpd="sng" cap="flat" w="12700">
@@ -3045,20 +3033,16 @@
                     </a:p>
                   </a:txBody>
                   <a:tcPr anchor="ctr" marB="0" marT="0" marR="0" marL="0">
-                    <a:lnL algn="ctr" cmpd="sng" cap="flat" w="0">
-                      <a:noFill/>
-                      <a:prstDash val="solid"/>
-                    </a:lnL>
-                    <a:lnR algn="ctr" cmpd="sng" cap="flat" w="0">
+                    <a:lnL algn="ctr" cmpd="sng" cap="flat" w="12700">
+                      <a:noFill/>
+                      <a:prstDash val="solid"/>
+                    </a:lnL>
+                    <a:lnR algn="ctr" cmpd="sng" cap="flat" w="12700">
                       <a:noFill/>
                       <a:prstDash val="solid"/>
                     </a:lnR>
                     <a:lnT algn="ctr" cmpd="sng" cap="flat" w="12700">
-                      <a:solidFill>
-                        <a:srgbClr val="000000">
-                          <a:alpha val="100000"/>
-                        </a:srgbClr>
-                      </a:solidFill>
+                      <a:noFill/>
                       <a:prstDash val="solid"/>
                     </a:lnT>
                     <a:lnB algn="ctr" cmpd="sng" cap="flat" w="12700">
@@ -3100,20 +3084,16 @@
                     </a:p>
                   </a:txBody>
                   <a:tcPr anchor="ctr" marB="0" marT="0" marR="0" marL="0">
-                    <a:lnL algn="ctr" cmpd="sng" cap="flat" w="0">
-                      <a:noFill/>
-                      <a:prstDash val="solid"/>
-                    </a:lnL>
-                    <a:lnR algn="ctr" cmpd="sng" cap="flat" w="0">
+                    <a:lnL algn="ctr" cmpd="sng" cap="flat" w="12700">
+                      <a:noFill/>
+                      <a:prstDash val="solid"/>
+                    </a:lnL>
+                    <a:lnR algn="ctr" cmpd="sng" cap="flat" w="12700">
                       <a:noFill/>
                       <a:prstDash val="solid"/>
                     </a:lnR>
                     <a:lnT algn="ctr" cmpd="sng" cap="flat" w="12700">
-                      <a:solidFill>
-                        <a:srgbClr val="000000">
-                          <a:alpha val="100000"/>
-                        </a:srgbClr>
-                      </a:solidFill>
+                      <a:noFill/>
                       <a:prstDash val="solid"/>
                     </a:lnT>
                     <a:lnB algn="ctr" cmpd="sng" cap="flat" w="12700">
@@ -3155,20 +3135,16 @@
                     </a:p>
                   </a:txBody>
                   <a:tcPr anchor="ctr" marB="0" marT="0" marR="0" marL="0">
-                    <a:lnL algn="ctr" cmpd="sng" cap="flat" w="0">
-                      <a:noFill/>
-                      <a:prstDash val="solid"/>
-                    </a:lnL>
-                    <a:lnR algn="ctr" cmpd="sng" cap="flat" w="0">
+                    <a:lnL algn="ctr" cmpd="sng" cap="flat" w="12700">
+                      <a:noFill/>
+                      <a:prstDash val="solid"/>
+                    </a:lnL>
+                    <a:lnR algn="ctr" cmpd="sng" cap="flat" w="12700">
                       <a:noFill/>
                       <a:prstDash val="solid"/>
                     </a:lnR>
                     <a:lnT algn="ctr" cmpd="sng" cap="flat" w="12700">
-                      <a:solidFill>
-                        <a:srgbClr val="000000">
-                          <a:alpha val="100000"/>
-                        </a:srgbClr>
-                      </a:solidFill>
+                      <a:noFill/>
                       <a:prstDash val="solid"/>
                     </a:lnT>
                     <a:lnB algn="ctr" cmpd="sng" cap="flat" w="12700">
@@ -3210,20 +3186,16 @@
                     </a:p>
                   </a:txBody>
                   <a:tcPr anchor="ctr" marB="0" marT="0" marR="0" marL="0">
-                    <a:lnL algn="ctr" cmpd="sng" cap="flat" w="0">
-                      <a:noFill/>
-                      <a:prstDash val="solid"/>
-                    </a:lnL>
-                    <a:lnR algn="ctr" cmpd="sng" cap="flat" w="0">
+                    <a:lnL algn="ctr" cmpd="sng" cap="flat" w="12700">
+                      <a:noFill/>
+                      <a:prstDash val="solid"/>
+                    </a:lnL>
+                    <a:lnR algn="ctr" cmpd="sng" cap="flat" w="12700">
                       <a:noFill/>
                       <a:prstDash val="solid"/>
                     </a:lnR>
                     <a:lnT algn="ctr" cmpd="sng" cap="flat" w="12700">
-                      <a:solidFill>
-                        <a:srgbClr val="000000">
-                          <a:alpha val="100000"/>
-                        </a:srgbClr>
-                      </a:solidFill>
+                      <a:noFill/>
                       <a:prstDash val="solid"/>
                     </a:lnT>
                     <a:lnB algn="ctr" cmpd="sng" cap="flat" w="12700">
@@ -3265,20 +3237,16 @@
                     </a:p>
                   </a:txBody>
                   <a:tcPr anchor="ctr" marB="0" marT="0" marR="0" marL="0">
-                    <a:lnL algn="ctr" cmpd="sng" cap="flat" w="0">
-                      <a:noFill/>
-                      <a:prstDash val="solid"/>
-                    </a:lnL>
-                    <a:lnR algn="ctr" cmpd="sng" cap="flat" w="0">
+                    <a:lnL algn="ctr" cmpd="sng" cap="flat" w="12700">
+                      <a:noFill/>
+                      <a:prstDash val="solid"/>
+                    </a:lnL>
+                    <a:lnR algn="ctr" cmpd="sng" cap="flat" w="12700">
                       <a:noFill/>
                       <a:prstDash val="solid"/>
                     </a:lnR>
                     <a:lnT algn="ctr" cmpd="sng" cap="flat" w="12700">
-                      <a:solidFill>
-                        <a:srgbClr val="000000">
-                          <a:alpha val="100000"/>
-                        </a:srgbClr>
-                      </a:solidFill>
+                      <a:noFill/>
                       <a:prstDash val="solid"/>
                     </a:lnT>
                     <a:lnB algn="ctr" cmpd="sng" cap="flat" w="12700">
@@ -3320,20 +3288,16 @@
                     </a:p>
                   </a:txBody>
                   <a:tcPr anchor="ctr" marB="0" marT="0" marR="0" marL="0">
-                    <a:lnL algn="ctr" cmpd="sng" cap="flat" w="0">
-                      <a:noFill/>
-                      <a:prstDash val="solid"/>
-                    </a:lnL>
-                    <a:lnR algn="ctr" cmpd="sng" cap="flat" w="0">
+                    <a:lnL algn="ctr" cmpd="sng" cap="flat" w="12700">
+                      <a:noFill/>
+                      <a:prstDash val="solid"/>
+                    </a:lnL>
+                    <a:lnR algn="ctr" cmpd="sng" cap="flat" w="12700">
                       <a:noFill/>
                       <a:prstDash val="solid"/>
                     </a:lnR>
                     <a:lnT algn="ctr" cmpd="sng" cap="flat" w="12700">
-                      <a:solidFill>
-                        <a:srgbClr val="000000">
-                          <a:alpha val="100000"/>
-                        </a:srgbClr>
-                      </a:solidFill>
+                      <a:noFill/>
                       <a:prstDash val="solid"/>
                     </a:lnT>
                     <a:lnB algn="ctr" cmpd="sng" cap="flat" w="12700">
@@ -3375,20 +3339,16 @@
                     </a:p>
                   </a:txBody>
                   <a:tcPr anchor="ctr" marB="0" marT="0" marR="0" marL="0">
-                    <a:lnL algn="ctr" cmpd="sng" cap="flat" w="0">
-                      <a:noFill/>
-                      <a:prstDash val="solid"/>
-                    </a:lnL>
-                    <a:lnR algn="ctr" cmpd="sng" cap="flat" w="0">
+                    <a:lnL algn="ctr" cmpd="sng" cap="flat" w="12700">
+                      <a:noFill/>
+                      <a:prstDash val="solid"/>
+                    </a:lnL>
+                    <a:lnR algn="ctr" cmpd="sng" cap="flat" w="12700">
                       <a:noFill/>
                       <a:prstDash val="solid"/>
                     </a:lnR>
                     <a:lnT algn="ctr" cmpd="sng" cap="flat" w="12700">
-                      <a:solidFill>
-                        <a:srgbClr val="000000">
-                          <a:alpha val="100000"/>
-                        </a:srgbClr>
-                      </a:solidFill>
+                      <a:noFill/>
                       <a:prstDash val="solid"/>
                     </a:lnT>
                     <a:lnB algn="ctr" cmpd="sng" cap="flat" w="12700">
@@ -3430,20 +3390,16 @@
                     </a:p>
                   </a:txBody>
                   <a:tcPr anchor="ctr" marB="0" marT="0" marR="0" marL="0">
-                    <a:lnL algn="ctr" cmpd="sng" cap="flat" w="0">
-                      <a:noFill/>
-                      <a:prstDash val="solid"/>
-                    </a:lnL>
-                    <a:lnR algn="ctr" cmpd="sng" cap="flat" w="0">
+                    <a:lnL algn="ctr" cmpd="sng" cap="flat" w="12700">
+                      <a:noFill/>
+                      <a:prstDash val="solid"/>
+                    </a:lnL>
+                    <a:lnR algn="ctr" cmpd="sng" cap="flat" w="12700">
                       <a:noFill/>
                       <a:prstDash val="solid"/>
                     </a:lnR>
                     <a:lnT algn="ctr" cmpd="sng" cap="flat" w="12700">
-                      <a:solidFill>
-                        <a:srgbClr val="000000">
-                          <a:alpha val="100000"/>
-                        </a:srgbClr>
-                      </a:solidFill>
+                      <a:noFill/>
                       <a:prstDash val="solid"/>
                     </a:lnT>
                     <a:lnB algn="ctr" cmpd="sng" cap="flat" w="12700">
@@ -3457,7 +3413,7 @@
                   </a:tcPr>
                 </a:tc>
               </a:tr>
-              <a:tr h="252067">
+              <a:tr h="252042">
                 <a:tc>
                   <a:txBody>
                     <a:bodyPr/>
@@ -3487,11 +3443,11 @@
                     </a:p>
                   </a:txBody>
                   <a:tcPr anchor="ctr" marB="0" marT="0" marR="0" marL="0">
-                    <a:lnL algn="ctr" cmpd="sng" cap="flat" w="0">
-                      <a:noFill/>
-                      <a:prstDash val="solid"/>
-                    </a:lnL>
-                    <a:lnR algn="ctr" cmpd="sng" cap="flat" w="0">
+                    <a:lnL algn="ctr" cmpd="sng" cap="flat" w="12700">
+                      <a:noFill/>
+                      <a:prstDash val="solid"/>
+                    </a:lnL>
+                    <a:lnR algn="ctr" cmpd="sng" cap="flat" w="12700">
                       <a:noFill/>
                       <a:prstDash val="solid"/>
                     </a:lnR>
@@ -3542,11 +3498,11 @@
                     </a:p>
                   </a:txBody>
                   <a:tcPr anchor="ctr" marB="0" marT="0" marR="0" marL="0">
-                    <a:lnL algn="ctr" cmpd="sng" cap="flat" w="0">
-                      <a:noFill/>
-                      <a:prstDash val="solid"/>
-                    </a:lnL>
-                    <a:lnR algn="ctr" cmpd="sng" cap="flat" w="0">
+                    <a:lnL algn="ctr" cmpd="sng" cap="flat" w="12700">
+                      <a:noFill/>
+                      <a:prstDash val="solid"/>
+                    </a:lnL>
+                    <a:lnR algn="ctr" cmpd="sng" cap="flat" w="12700">
                       <a:noFill/>
                       <a:prstDash val="solid"/>
                     </a:lnR>
@@ -3597,11 +3553,11 @@
                     </a:p>
                   </a:txBody>
                   <a:tcPr anchor="ctr" marB="0" marT="0" marR="0" marL="0">
-                    <a:lnL algn="ctr" cmpd="sng" cap="flat" w="0">
-                      <a:noFill/>
-                      <a:prstDash val="solid"/>
-                    </a:lnL>
-                    <a:lnR algn="ctr" cmpd="sng" cap="flat" w="0">
+                    <a:lnL algn="ctr" cmpd="sng" cap="flat" w="12700">
+                      <a:noFill/>
+                      <a:prstDash val="solid"/>
+                    </a:lnL>
+                    <a:lnR algn="ctr" cmpd="sng" cap="flat" w="12700">
                       <a:noFill/>
                       <a:prstDash val="solid"/>
                     </a:lnR>
@@ -3652,11 +3608,11 @@
                     </a:p>
                   </a:txBody>
                   <a:tcPr anchor="ctr" marB="0" marT="0" marR="0" marL="0">
-                    <a:lnL algn="ctr" cmpd="sng" cap="flat" w="0">
-                      <a:noFill/>
-                      <a:prstDash val="solid"/>
-                    </a:lnL>
-                    <a:lnR algn="ctr" cmpd="sng" cap="flat" w="0">
+                    <a:lnL algn="ctr" cmpd="sng" cap="flat" w="12700">
+                      <a:noFill/>
+                      <a:prstDash val="solid"/>
+                    </a:lnL>
+                    <a:lnR algn="ctr" cmpd="sng" cap="flat" w="12700">
                       <a:noFill/>
                       <a:prstDash val="solid"/>
                     </a:lnR>
@@ -3707,11 +3663,11 @@
                     </a:p>
                   </a:txBody>
                   <a:tcPr anchor="ctr" marB="0" marT="0" marR="0" marL="0">
-                    <a:lnL algn="ctr" cmpd="sng" cap="flat" w="0">
-                      <a:noFill/>
-                      <a:prstDash val="solid"/>
-                    </a:lnL>
-                    <a:lnR algn="ctr" cmpd="sng" cap="flat" w="0">
+                    <a:lnL algn="ctr" cmpd="sng" cap="flat" w="12700">
+                      <a:noFill/>
+                      <a:prstDash val="solid"/>
+                    </a:lnL>
+                    <a:lnR algn="ctr" cmpd="sng" cap="flat" w="12700">
                       <a:noFill/>
                       <a:prstDash val="solid"/>
                     </a:lnR>
@@ -3762,11 +3718,11 @@
                     </a:p>
                   </a:txBody>
                   <a:tcPr anchor="ctr" marB="0" marT="0" marR="0" marL="0">
-                    <a:lnL algn="ctr" cmpd="sng" cap="flat" w="0">
-                      <a:noFill/>
-                      <a:prstDash val="solid"/>
-                    </a:lnL>
-                    <a:lnR algn="ctr" cmpd="sng" cap="flat" w="0">
+                    <a:lnL algn="ctr" cmpd="sng" cap="flat" w="12700">
+                      <a:noFill/>
+                      <a:prstDash val="solid"/>
+                    </a:lnL>
+                    <a:lnR algn="ctr" cmpd="sng" cap="flat" w="12700">
                       <a:noFill/>
                       <a:prstDash val="solid"/>
                     </a:lnR>
@@ -3817,11 +3773,11 @@
                     </a:p>
                   </a:txBody>
                   <a:tcPr anchor="ctr" marB="0" marT="0" marR="0" marL="0">
-                    <a:lnL algn="ctr" cmpd="sng" cap="flat" w="0">
-                      <a:noFill/>
-                      <a:prstDash val="solid"/>
-                    </a:lnL>
-                    <a:lnR algn="ctr" cmpd="sng" cap="flat" w="0">
+                    <a:lnL algn="ctr" cmpd="sng" cap="flat" w="12700">
+                      <a:noFill/>
+                      <a:prstDash val="solid"/>
+                    </a:lnL>
+                    <a:lnR algn="ctr" cmpd="sng" cap="flat" w="12700">
                       <a:noFill/>
                       <a:prstDash val="solid"/>
                     </a:lnR>
@@ -3872,11 +3828,11 @@
                     </a:p>
                   </a:txBody>
                   <a:tcPr anchor="ctr" marB="0" marT="0" marR="0" marL="0">
-                    <a:lnL algn="ctr" cmpd="sng" cap="flat" w="0">
-                      <a:noFill/>
-                      <a:prstDash val="solid"/>
-                    </a:lnL>
-                    <a:lnR algn="ctr" cmpd="sng" cap="flat" w="0">
+                    <a:lnL algn="ctr" cmpd="sng" cap="flat" w="12700">
+                      <a:noFill/>
+                      <a:prstDash val="solid"/>
+                    </a:lnL>
+                    <a:lnR algn="ctr" cmpd="sng" cap="flat" w="12700">
                       <a:noFill/>
                       <a:prstDash val="solid"/>
                     </a:lnR>
@@ -3927,11 +3883,11 @@
                     </a:p>
                   </a:txBody>
                   <a:tcPr anchor="ctr" marB="0" marT="0" marR="0" marL="0">
-                    <a:lnL algn="ctr" cmpd="sng" cap="flat" w="0">
-                      <a:noFill/>
-                      <a:prstDash val="solid"/>
-                    </a:lnL>
-                    <a:lnR algn="ctr" cmpd="sng" cap="flat" w="0">
+                    <a:lnL algn="ctr" cmpd="sng" cap="flat" w="12700">
+                      <a:noFill/>
+                      <a:prstDash val="solid"/>
+                    </a:lnL>
+                    <a:lnR algn="ctr" cmpd="sng" cap="flat" w="12700">
                       <a:noFill/>
                       <a:prstDash val="solid"/>
                     </a:lnR>
@@ -3982,11 +3938,11 @@
                     </a:p>
                   </a:txBody>
                   <a:tcPr anchor="ctr" marB="0" marT="0" marR="0" marL="0">
-                    <a:lnL algn="ctr" cmpd="sng" cap="flat" w="0">
-                      <a:noFill/>
-                      <a:prstDash val="solid"/>
-                    </a:lnL>
-                    <a:lnR algn="ctr" cmpd="sng" cap="flat" w="0">
+                    <a:lnL algn="ctr" cmpd="sng" cap="flat" w="12700">
+                      <a:noFill/>
+                      <a:prstDash val="solid"/>
+                    </a:lnL>
+                    <a:lnR algn="ctr" cmpd="sng" cap="flat" w="12700">
                       <a:noFill/>
                       <a:prstDash val="solid"/>
                     </a:lnR>
@@ -4037,11 +3993,11 @@
                     </a:p>
                   </a:txBody>
                   <a:tcPr anchor="ctr" marB="0" marT="0" marR="0" marL="0">
-                    <a:lnL algn="ctr" cmpd="sng" cap="flat" w="0">
-                      <a:noFill/>
-                      <a:prstDash val="solid"/>
-                    </a:lnL>
-                    <a:lnR algn="ctr" cmpd="sng" cap="flat" w="0">
+                    <a:lnL algn="ctr" cmpd="sng" cap="flat" w="12700">
+                      <a:noFill/>
+                      <a:prstDash val="solid"/>
+                    </a:lnL>
+                    <a:lnR algn="ctr" cmpd="sng" cap="flat" w="12700">
                       <a:noFill/>
                       <a:prstDash val="solid"/>
                     </a:lnR>
@@ -4064,7 +4020,7 @@
                   </a:tcPr>
                 </a:tc>
               </a:tr>
-              <a:tr h="252067">
+              <a:tr h="252042">
                 <a:tc>
                   <a:txBody>
                     <a:bodyPr/>
@@ -4094,11 +4050,11 @@
                     </a:p>
                   </a:txBody>
                   <a:tcPr anchor="ctr" marB="0" marT="0" marR="0" marL="0">
-                    <a:lnL algn="ctr" cmpd="sng" cap="flat" w="0">
-                      <a:noFill/>
-                      <a:prstDash val="solid"/>
-                    </a:lnL>
-                    <a:lnR algn="ctr" cmpd="sng" cap="flat" w="0">
+                    <a:lnL algn="ctr" cmpd="sng" cap="flat" w="12700">
+                      <a:noFill/>
+                      <a:prstDash val="solid"/>
+                    </a:lnL>
+                    <a:lnR algn="ctr" cmpd="sng" cap="flat" w="12700">
                       <a:noFill/>
                       <a:prstDash val="solid"/>
                     </a:lnR>
@@ -4149,11 +4105,11 @@
                     </a:p>
                   </a:txBody>
                   <a:tcPr anchor="ctr" marB="0" marT="0" marR="0" marL="0">
-                    <a:lnL algn="ctr" cmpd="sng" cap="flat" w="0">
-                      <a:noFill/>
-                      <a:prstDash val="solid"/>
-                    </a:lnL>
-                    <a:lnR algn="ctr" cmpd="sng" cap="flat" w="0">
+                    <a:lnL algn="ctr" cmpd="sng" cap="flat" w="12700">
+                      <a:noFill/>
+                      <a:prstDash val="solid"/>
+                    </a:lnL>
+                    <a:lnR algn="ctr" cmpd="sng" cap="flat" w="12700">
                       <a:noFill/>
                       <a:prstDash val="solid"/>
                     </a:lnR>
@@ -4204,11 +4160,11 @@
                     </a:p>
                   </a:txBody>
                   <a:tcPr anchor="ctr" marB="0" marT="0" marR="0" marL="0">
-                    <a:lnL algn="ctr" cmpd="sng" cap="flat" w="0">
-                      <a:noFill/>
-                      <a:prstDash val="solid"/>
-                    </a:lnL>
-                    <a:lnR algn="ctr" cmpd="sng" cap="flat" w="0">
+                    <a:lnL algn="ctr" cmpd="sng" cap="flat" w="12700">
+                      <a:noFill/>
+                      <a:prstDash val="solid"/>
+                    </a:lnL>
+                    <a:lnR algn="ctr" cmpd="sng" cap="flat" w="12700">
                       <a:noFill/>
                       <a:prstDash val="solid"/>
                     </a:lnR>
@@ -4259,11 +4215,11 @@
                     </a:p>
                   </a:txBody>
                   <a:tcPr anchor="ctr" marB="0" marT="0" marR="0" marL="0">
-                    <a:lnL algn="ctr" cmpd="sng" cap="flat" w="0">
-                      <a:noFill/>
-                      <a:prstDash val="solid"/>
-                    </a:lnL>
-                    <a:lnR algn="ctr" cmpd="sng" cap="flat" w="0">
+                    <a:lnL algn="ctr" cmpd="sng" cap="flat" w="12700">
+                      <a:noFill/>
+                      <a:prstDash val="solid"/>
+                    </a:lnL>
+                    <a:lnR algn="ctr" cmpd="sng" cap="flat" w="12700">
                       <a:noFill/>
                       <a:prstDash val="solid"/>
                     </a:lnR>
@@ -4314,11 +4270,11 @@
                     </a:p>
                   </a:txBody>
                   <a:tcPr anchor="ctr" marB="0" marT="0" marR="0" marL="0">
-                    <a:lnL algn="ctr" cmpd="sng" cap="flat" w="0">
-                      <a:noFill/>
-                      <a:prstDash val="solid"/>
-                    </a:lnL>
-                    <a:lnR algn="ctr" cmpd="sng" cap="flat" w="0">
+                    <a:lnL algn="ctr" cmpd="sng" cap="flat" w="12700">
+                      <a:noFill/>
+                      <a:prstDash val="solid"/>
+                    </a:lnL>
+                    <a:lnR algn="ctr" cmpd="sng" cap="flat" w="12700">
                       <a:noFill/>
                       <a:prstDash val="solid"/>
                     </a:lnR>
@@ -4369,11 +4325,11 @@
                     </a:p>
                   </a:txBody>
                   <a:tcPr anchor="ctr" marB="0" marT="0" marR="0" marL="0">
-                    <a:lnL algn="ctr" cmpd="sng" cap="flat" w="0">
-                      <a:noFill/>
-                      <a:prstDash val="solid"/>
-                    </a:lnL>
-                    <a:lnR algn="ctr" cmpd="sng" cap="flat" w="0">
+                    <a:lnL algn="ctr" cmpd="sng" cap="flat" w="12700">
+                      <a:noFill/>
+                      <a:prstDash val="solid"/>
+                    </a:lnL>
+                    <a:lnR algn="ctr" cmpd="sng" cap="flat" w="12700">
                       <a:noFill/>
                       <a:prstDash val="solid"/>
                     </a:lnR>
@@ -4424,11 +4380,11 @@
                     </a:p>
                   </a:txBody>
                   <a:tcPr anchor="ctr" marB="0" marT="0" marR="0" marL="0">
-                    <a:lnL algn="ctr" cmpd="sng" cap="flat" w="0">
-                      <a:noFill/>
-                      <a:prstDash val="solid"/>
-                    </a:lnL>
-                    <a:lnR algn="ctr" cmpd="sng" cap="flat" w="0">
+                    <a:lnL algn="ctr" cmpd="sng" cap="flat" w="12700">
+                      <a:noFill/>
+                      <a:prstDash val="solid"/>
+                    </a:lnL>
+                    <a:lnR algn="ctr" cmpd="sng" cap="flat" w="12700">
                       <a:noFill/>
                       <a:prstDash val="solid"/>
                     </a:lnR>
@@ -4479,11 +4435,11 @@
                     </a:p>
                   </a:txBody>
                   <a:tcPr anchor="ctr" marB="0" marT="0" marR="0" marL="0">
-                    <a:lnL algn="ctr" cmpd="sng" cap="flat" w="0">
-                      <a:noFill/>
-                      <a:prstDash val="solid"/>
-                    </a:lnL>
-                    <a:lnR algn="ctr" cmpd="sng" cap="flat" w="0">
+                    <a:lnL algn="ctr" cmpd="sng" cap="flat" w="12700">
+                      <a:noFill/>
+                      <a:prstDash val="solid"/>
+                    </a:lnL>
+                    <a:lnR algn="ctr" cmpd="sng" cap="flat" w="12700">
                       <a:noFill/>
                       <a:prstDash val="solid"/>
                     </a:lnR>
@@ -4534,11 +4490,11 @@
                     </a:p>
                   </a:txBody>
                   <a:tcPr anchor="ctr" marB="0" marT="0" marR="0" marL="0">
-                    <a:lnL algn="ctr" cmpd="sng" cap="flat" w="0">
-                      <a:noFill/>
-                      <a:prstDash val="solid"/>
-                    </a:lnL>
-                    <a:lnR algn="ctr" cmpd="sng" cap="flat" w="0">
+                    <a:lnL algn="ctr" cmpd="sng" cap="flat" w="12700">
+                      <a:noFill/>
+                      <a:prstDash val="solid"/>
+                    </a:lnL>
+                    <a:lnR algn="ctr" cmpd="sng" cap="flat" w="12700">
                       <a:noFill/>
                       <a:prstDash val="solid"/>
                     </a:lnR>
@@ -4589,11 +4545,11 @@
                     </a:p>
                   </a:txBody>
                   <a:tcPr anchor="ctr" marB="0" marT="0" marR="0" marL="0">
-                    <a:lnL algn="ctr" cmpd="sng" cap="flat" w="0">
-                      <a:noFill/>
-                      <a:prstDash val="solid"/>
-                    </a:lnL>
-                    <a:lnR algn="ctr" cmpd="sng" cap="flat" w="0">
+                    <a:lnL algn="ctr" cmpd="sng" cap="flat" w="12700">
+                      <a:noFill/>
+                      <a:prstDash val="solid"/>
+                    </a:lnL>
+                    <a:lnR algn="ctr" cmpd="sng" cap="flat" w="12700">
                       <a:noFill/>
                       <a:prstDash val="solid"/>
                     </a:lnR>
@@ -4644,11 +4600,11 @@
                     </a:p>
                   </a:txBody>
                   <a:tcPr anchor="ctr" marB="0" marT="0" marR="0" marL="0">
-                    <a:lnL algn="ctr" cmpd="sng" cap="flat" w="0">
-                      <a:noFill/>
-                      <a:prstDash val="solid"/>
-                    </a:lnL>
-                    <a:lnR algn="ctr" cmpd="sng" cap="flat" w="0">
+                    <a:lnL algn="ctr" cmpd="sng" cap="flat" w="12700">
+                      <a:noFill/>
+                      <a:prstDash val="solid"/>
+                    </a:lnL>
+                    <a:lnR algn="ctr" cmpd="sng" cap="flat" w="12700">
                       <a:noFill/>
                       <a:prstDash val="solid"/>
                     </a:lnR>
@@ -4671,7 +4627,7 @@
                   </a:tcPr>
                 </a:tc>
               </a:tr>
-              <a:tr h="252067">
+              <a:tr h="252042">
                 <a:tc>
                   <a:txBody>
                     <a:bodyPr/>
@@ -4701,11 +4657,11 @@
                     </a:p>
                   </a:txBody>
                   <a:tcPr anchor="ctr" marB="0" marT="0" marR="0" marL="0">
-                    <a:lnL algn="ctr" cmpd="sng" cap="flat" w="0">
-                      <a:noFill/>
-                      <a:prstDash val="solid"/>
-                    </a:lnL>
-                    <a:lnR algn="ctr" cmpd="sng" cap="flat" w="0">
+                    <a:lnL algn="ctr" cmpd="sng" cap="flat" w="12700">
+                      <a:noFill/>
+                      <a:prstDash val="solid"/>
+                    </a:lnL>
+                    <a:lnR algn="ctr" cmpd="sng" cap="flat" w="12700">
                       <a:noFill/>
                       <a:prstDash val="solid"/>
                     </a:lnR>
@@ -4756,11 +4712,11 @@
                     </a:p>
                   </a:txBody>
                   <a:tcPr anchor="ctr" marB="0" marT="0" marR="0" marL="0">
-                    <a:lnL algn="ctr" cmpd="sng" cap="flat" w="0">
-                      <a:noFill/>
-                      <a:prstDash val="solid"/>
-                    </a:lnL>
-                    <a:lnR algn="ctr" cmpd="sng" cap="flat" w="0">
+                    <a:lnL algn="ctr" cmpd="sng" cap="flat" w="12700">
+                      <a:noFill/>
+                      <a:prstDash val="solid"/>
+                    </a:lnL>
+                    <a:lnR algn="ctr" cmpd="sng" cap="flat" w="12700">
                       <a:noFill/>
                       <a:prstDash val="solid"/>
                     </a:lnR>
@@ -4811,11 +4767,11 @@
                     </a:p>
                   </a:txBody>
                   <a:tcPr anchor="ctr" marB="0" marT="0" marR="0" marL="0">
-                    <a:lnL algn="ctr" cmpd="sng" cap="flat" w="0">
-                      <a:noFill/>
-                      <a:prstDash val="solid"/>
-                    </a:lnL>
-                    <a:lnR algn="ctr" cmpd="sng" cap="flat" w="0">
+                    <a:lnL algn="ctr" cmpd="sng" cap="flat" w="12700">
+                      <a:noFill/>
+                      <a:prstDash val="solid"/>
+                    </a:lnL>
+                    <a:lnR algn="ctr" cmpd="sng" cap="flat" w="12700">
                       <a:noFill/>
                       <a:prstDash val="solid"/>
                     </a:lnR>
@@ -4866,11 +4822,11 @@
                     </a:p>
                   </a:txBody>
                   <a:tcPr anchor="ctr" marB="0" marT="0" marR="0" marL="0">
-                    <a:lnL algn="ctr" cmpd="sng" cap="flat" w="0">
-                      <a:noFill/>
-                      <a:prstDash val="solid"/>
-                    </a:lnL>
-                    <a:lnR algn="ctr" cmpd="sng" cap="flat" w="0">
+                    <a:lnL algn="ctr" cmpd="sng" cap="flat" w="12700">
+                      <a:noFill/>
+                      <a:prstDash val="solid"/>
+                    </a:lnL>
+                    <a:lnR algn="ctr" cmpd="sng" cap="flat" w="12700">
                       <a:noFill/>
                       <a:prstDash val="solid"/>
                     </a:lnR>
@@ -4921,11 +4877,11 @@
                     </a:p>
                   </a:txBody>
                   <a:tcPr anchor="ctr" marB="0" marT="0" marR="0" marL="0">
-                    <a:lnL algn="ctr" cmpd="sng" cap="flat" w="0">
-                      <a:noFill/>
-                      <a:prstDash val="solid"/>
-                    </a:lnL>
-                    <a:lnR algn="ctr" cmpd="sng" cap="flat" w="0">
+                    <a:lnL algn="ctr" cmpd="sng" cap="flat" w="12700">
+                      <a:noFill/>
+                      <a:prstDash val="solid"/>
+                    </a:lnL>
+                    <a:lnR algn="ctr" cmpd="sng" cap="flat" w="12700">
                       <a:noFill/>
                       <a:prstDash val="solid"/>
                     </a:lnR>
@@ -4976,11 +4932,11 @@
                     </a:p>
                   </a:txBody>
                   <a:tcPr anchor="ctr" marB="0" marT="0" marR="0" marL="0">
-                    <a:lnL algn="ctr" cmpd="sng" cap="flat" w="0">
-                      <a:noFill/>
-                      <a:prstDash val="solid"/>
-                    </a:lnL>
-                    <a:lnR algn="ctr" cmpd="sng" cap="flat" w="0">
+                    <a:lnL algn="ctr" cmpd="sng" cap="flat" w="12700">
+                      <a:noFill/>
+                      <a:prstDash val="solid"/>
+                    </a:lnL>
+                    <a:lnR algn="ctr" cmpd="sng" cap="flat" w="12700">
                       <a:noFill/>
                       <a:prstDash val="solid"/>
                     </a:lnR>
@@ -5031,11 +4987,11 @@
                     </a:p>
                   </a:txBody>
                   <a:tcPr anchor="ctr" marB="0" marT="0" marR="0" marL="0">
-                    <a:lnL algn="ctr" cmpd="sng" cap="flat" w="0">
-                      <a:noFill/>
-                      <a:prstDash val="solid"/>
-                    </a:lnL>
-                    <a:lnR algn="ctr" cmpd="sng" cap="flat" w="0">
+                    <a:lnL algn="ctr" cmpd="sng" cap="flat" w="12700">
+                      <a:noFill/>
+                      <a:prstDash val="solid"/>
+                    </a:lnL>
+                    <a:lnR algn="ctr" cmpd="sng" cap="flat" w="12700">
                       <a:noFill/>
                       <a:prstDash val="solid"/>
                     </a:lnR>
@@ -5086,11 +5042,11 @@
                     </a:p>
                   </a:txBody>
                   <a:tcPr anchor="ctr" marB="0" marT="0" marR="0" marL="0">
-                    <a:lnL algn="ctr" cmpd="sng" cap="flat" w="0">
-                      <a:noFill/>
-                      <a:prstDash val="solid"/>
-                    </a:lnL>
-                    <a:lnR algn="ctr" cmpd="sng" cap="flat" w="0">
+                    <a:lnL algn="ctr" cmpd="sng" cap="flat" w="12700">
+                      <a:noFill/>
+                      <a:prstDash val="solid"/>
+                    </a:lnL>
+                    <a:lnR algn="ctr" cmpd="sng" cap="flat" w="12700">
                       <a:noFill/>
                       <a:prstDash val="solid"/>
                     </a:lnR>
@@ -5141,11 +5097,11 @@
                     </a:p>
                   </a:txBody>
                   <a:tcPr anchor="ctr" marB="0" marT="0" marR="0" marL="0">
-                    <a:lnL algn="ctr" cmpd="sng" cap="flat" w="0">
-                      <a:noFill/>
-                      <a:prstDash val="solid"/>
-                    </a:lnL>
-                    <a:lnR algn="ctr" cmpd="sng" cap="flat" w="0">
+                    <a:lnL algn="ctr" cmpd="sng" cap="flat" w="12700">
+                      <a:noFill/>
+                      <a:prstDash val="solid"/>
+                    </a:lnL>
+                    <a:lnR algn="ctr" cmpd="sng" cap="flat" w="12700">
                       <a:noFill/>
                       <a:prstDash val="solid"/>
                     </a:lnR>
@@ -5196,11 +5152,11 @@
                     </a:p>
                   </a:txBody>
                   <a:tcPr anchor="ctr" marB="0" marT="0" marR="0" marL="0">
-                    <a:lnL algn="ctr" cmpd="sng" cap="flat" w="0">
-                      <a:noFill/>
-                      <a:prstDash val="solid"/>
-                    </a:lnL>
-                    <a:lnR algn="ctr" cmpd="sng" cap="flat" w="0">
+                    <a:lnL algn="ctr" cmpd="sng" cap="flat" w="12700">
+                      <a:noFill/>
+                      <a:prstDash val="solid"/>
+                    </a:lnL>
+                    <a:lnR algn="ctr" cmpd="sng" cap="flat" w="12700">
                       <a:noFill/>
                       <a:prstDash val="solid"/>
                     </a:lnR>
@@ -5251,11 +5207,11 @@
                     </a:p>
                   </a:txBody>
                   <a:tcPr anchor="ctr" marB="0" marT="0" marR="0" marL="0">
-                    <a:lnL algn="ctr" cmpd="sng" cap="flat" w="0">
-                      <a:noFill/>
-                      <a:prstDash val="solid"/>
-                    </a:lnL>
-                    <a:lnR algn="ctr" cmpd="sng" cap="flat" w="0">
+                    <a:lnL algn="ctr" cmpd="sng" cap="flat" w="12700">
+                      <a:noFill/>
+                      <a:prstDash val="solid"/>
+                    </a:lnL>
+                    <a:lnR algn="ctr" cmpd="sng" cap="flat" w="12700">
                       <a:noFill/>
                       <a:prstDash val="solid"/>
                     </a:lnR>
@@ -5278,7 +5234,7 @@
                   </a:tcPr>
                 </a:tc>
               </a:tr>
-              <a:tr h="252067">
+              <a:tr h="252042">
                 <a:tc>
                   <a:txBody>
                     <a:bodyPr/>
@@ -5308,11 +5264,11 @@
                     </a:p>
                   </a:txBody>
                   <a:tcPr anchor="ctr" marB="0" marT="0" marR="0" marL="0">
-                    <a:lnL algn="ctr" cmpd="sng" cap="flat" w="0">
-                      <a:noFill/>
-                      <a:prstDash val="solid"/>
-                    </a:lnL>
-                    <a:lnR algn="ctr" cmpd="sng" cap="flat" w="0">
+                    <a:lnL algn="ctr" cmpd="sng" cap="flat" w="12700">
+                      <a:noFill/>
+                      <a:prstDash val="solid"/>
+                    </a:lnL>
+                    <a:lnR algn="ctr" cmpd="sng" cap="flat" w="12700">
                       <a:noFill/>
                       <a:prstDash val="solid"/>
                     </a:lnR>
@@ -5363,11 +5319,11 @@
                     </a:p>
                   </a:txBody>
                   <a:tcPr anchor="ctr" marB="0" marT="0" marR="0" marL="0">
-                    <a:lnL algn="ctr" cmpd="sng" cap="flat" w="0">
-                      <a:noFill/>
-                      <a:prstDash val="solid"/>
-                    </a:lnL>
-                    <a:lnR algn="ctr" cmpd="sng" cap="flat" w="0">
+                    <a:lnL algn="ctr" cmpd="sng" cap="flat" w="12700">
+                      <a:noFill/>
+                      <a:prstDash val="solid"/>
+                    </a:lnL>
+                    <a:lnR algn="ctr" cmpd="sng" cap="flat" w="12700">
                       <a:noFill/>
                       <a:prstDash val="solid"/>
                     </a:lnR>
@@ -5418,11 +5374,11 @@
                     </a:p>
                   </a:txBody>
                   <a:tcPr anchor="ctr" marB="0" marT="0" marR="0" marL="0">
-                    <a:lnL algn="ctr" cmpd="sng" cap="flat" w="0">
-                      <a:noFill/>
-                      <a:prstDash val="solid"/>
-                    </a:lnL>
-                    <a:lnR algn="ctr" cmpd="sng" cap="flat" w="0">
+                    <a:lnL algn="ctr" cmpd="sng" cap="flat" w="12700">
+                      <a:noFill/>
+                      <a:prstDash val="solid"/>
+                    </a:lnL>
+                    <a:lnR algn="ctr" cmpd="sng" cap="flat" w="12700">
                       <a:noFill/>
                       <a:prstDash val="solid"/>
                     </a:lnR>
@@ -5473,11 +5429,11 @@
                     </a:p>
                   </a:txBody>
                   <a:tcPr anchor="ctr" marB="0" marT="0" marR="0" marL="0">
-                    <a:lnL algn="ctr" cmpd="sng" cap="flat" w="0">
-                      <a:noFill/>
-                      <a:prstDash val="solid"/>
-                    </a:lnL>
-                    <a:lnR algn="ctr" cmpd="sng" cap="flat" w="0">
+                    <a:lnL algn="ctr" cmpd="sng" cap="flat" w="12700">
+                      <a:noFill/>
+                      <a:prstDash val="solid"/>
+                    </a:lnL>
+                    <a:lnR algn="ctr" cmpd="sng" cap="flat" w="12700">
                       <a:noFill/>
                       <a:prstDash val="solid"/>
                     </a:lnR>
@@ -5528,11 +5484,11 @@
                     </a:p>
                   </a:txBody>
                   <a:tcPr anchor="ctr" marB="0" marT="0" marR="0" marL="0">
-                    <a:lnL algn="ctr" cmpd="sng" cap="flat" w="0">
-                      <a:noFill/>
-                      <a:prstDash val="solid"/>
-                    </a:lnL>
-                    <a:lnR algn="ctr" cmpd="sng" cap="flat" w="0">
+                    <a:lnL algn="ctr" cmpd="sng" cap="flat" w="12700">
+                      <a:noFill/>
+                      <a:prstDash val="solid"/>
+                    </a:lnL>
+                    <a:lnR algn="ctr" cmpd="sng" cap="flat" w="12700">
                       <a:noFill/>
                       <a:prstDash val="solid"/>
                     </a:lnR>
@@ -5583,11 +5539,11 @@
                     </a:p>
                   </a:txBody>
                   <a:tcPr anchor="ctr" marB="0" marT="0" marR="0" marL="0">
-                    <a:lnL algn="ctr" cmpd="sng" cap="flat" w="0">
-                      <a:noFill/>
-                      <a:prstDash val="solid"/>
-                    </a:lnL>
-                    <a:lnR algn="ctr" cmpd="sng" cap="flat" w="0">
+                    <a:lnL algn="ctr" cmpd="sng" cap="flat" w="12700">
+                      <a:noFill/>
+                      <a:prstDash val="solid"/>
+                    </a:lnL>
+                    <a:lnR algn="ctr" cmpd="sng" cap="flat" w="12700">
                       <a:noFill/>
                       <a:prstDash val="solid"/>
                     </a:lnR>
@@ -5638,11 +5594,11 @@
                     </a:p>
                   </a:txBody>
                   <a:tcPr anchor="ctr" marB="0" marT="0" marR="0" marL="0">
-                    <a:lnL algn="ctr" cmpd="sng" cap="flat" w="0">
-                      <a:noFill/>
-                      <a:prstDash val="solid"/>
-                    </a:lnL>
-                    <a:lnR algn="ctr" cmpd="sng" cap="flat" w="0">
+                    <a:lnL algn="ctr" cmpd="sng" cap="flat" w="12700">
+                      <a:noFill/>
+                      <a:prstDash val="solid"/>
+                    </a:lnL>
+                    <a:lnR algn="ctr" cmpd="sng" cap="flat" w="12700">
                       <a:noFill/>
                       <a:prstDash val="solid"/>
                     </a:lnR>
@@ -5693,11 +5649,11 @@
                     </a:p>
                   </a:txBody>
                   <a:tcPr anchor="ctr" marB="0" marT="0" marR="0" marL="0">
-                    <a:lnL algn="ctr" cmpd="sng" cap="flat" w="0">
-                      <a:noFill/>
-                      <a:prstDash val="solid"/>
-                    </a:lnL>
-                    <a:lnR algn="ctr" cmpd="sng" cap="flat" w="0">
+                    <a:lnL algn="ctr" cmpd="sng" cap="flat" w="12700">
+                      <a:noFill/>
+                      <a:prstDash val="solid"/>
+                    </a:lnL>
+                    <a:lnR algn="ctr" cmpd="sng" cap="flat" w="12700">
                       <a:noFill/>
                       <a:prstDash val="solid"/>
                     </a:lnR>
@@ -5748,11 +5704,11 @@
                     </a:p>
                   </a:txBody>
                   <a:tcPr anchor="ctr" marB="0" marT="0" marR="0" marL="0">
-                    <a:lnL algn="ctr" cmpd="sng" cap="flat" w="0">
-                      <a:noFill/>
-                      <a:prstDash val="solid"/>
-                    </a:lnL>
-                    <a:lnR algn="ctr" cmpd="sng" cap="flat" w="0">
+                    <a:lnL algn="ctr" cmpd="sng" cap="flat" w="12700">
+                      <a:noFill/>
+                      <a:prstDash val="solid"/>
+                    </a:lnL>
+                    <a:lnR algn="ctr" cmpd="sng" cap="flat" w="12700">
                       <a:noFill/>
                       <a:prstDash val="solid"/>
                     </a:lnR>
@@ -5803,11 +5759,11 @@
                     </a:p>
                   </a:txBody>
                   <a:tcPr anchor="ctr" marB="0" marT="0" marR="0" marL="0">
-                    <a:lnL algn="ctr" cmpd="sng" cap="flat" w="0">
-                      <a:noFill/>
-                      <a:prstDash val="solid"/>
-                    </a:lnL>
-                    <a:lnR algn="ctr" cmpd="sng" cap="flat" w="0">
+                    <a:lnL algn="ctr" cmpd="sng" cap="flat" w="12700">
+                      <a:noFill/>
+                      <a:prstDash val="solid"/>
+                    </a:lnL>
+                    <a:lnR algn="ctr" cmpd="sng" cap="flat" w="12700">
                       <a:noFill/>
                       <a:prstDash val="solid"/>
                     </a:lnR>
@@ -5858,11 +5814,11 @@
                     </a:p>
                   </a:txBody>
                   <a:tcPr anchor="ctr" marB="0" marT="0" marR="0" marL="0">
-                    <a:lnL algn="ctr" cmpd="sng" cap="flat" w="0">
-                      <a:noFill/>
-                      <a:prstDash val="solid"/>
-                    </a:lnL>
-                    <a:lnR algn="ctr" cmpd="sng" cap="flat" w="0">
+                    <a:lnL algn="ctr" cmpd="sng" cap="flat" w="12700">
+                      <a:noFill/>
+                      <a:prstDash val="solid"/>
+                    </a:lnL>
+                    <a:lnR algn="ctr" cmpd="sng" cap="flat" w="12700">
                       <a:noFill/>
                       <a:prstDash val="solid"/>
                     </a:lnR>
@@ -5885,7 +5841,7 @@
                   </a:tcPr>
                 </a:tc>
               </a:tr>
-              <a:tr h="252067">
+              <a:tr h="252042">
                 <a:tc>
                   <a:txBody>
                     <a:bodyPr/>
@@ -5915,20 +5871,16 @@
                     </a:p>
                   </a:txBody>
                   <a:tcPr anchor="ctr" marB="0" marT="0" marR="0" marL="0">
-                    <a:lnL algn="ctr" cmpd="sng" cap="flat" w="0">
-                      <a:noFill/>
-                      <a:prstDash val="solid"/>
-                    </a:lnL>
-                    <a:lnR algn="ctr" cmpd="sng" cap="flat" w="0">
+                    <a:lnL algn="ctr" cmpd="sng" cap="flat" w="12700">
+                      <a:noFill/>
+                      <a:prstDash val="solid"/>
+                    </a:lnL>
+                    <a:lnR algn="ctr" cmpd="sng" cap="flat" w="12700">
                       <a:noFill/>
                       <a:prstDash val="solid"/>
                     </a:lnR>
                     <a:lnT algn="ctr" cmpd="sng" cap="flat" w="12700">
-                      <a:solidFill>
-                        <a:srgbClr val="000000">
-                          <a:alpha val="100000"/>
-                        </a:srgbClr>
-                      </a:solidFill>
+                      <a:noFill/>
                       <a:prstDash val="solid"/>
                     </a:lnT>
                     <a:lnB algn="ctr" cmpd="sng" cap="flat" w="25400">
@@ -5970,20 +5922,16 @@
                     </a:p>
                   </a:txBody>
                   <a:tcPr anchor="ctr" marB="0" marT="0" marR="0" marL="0">
-                    <a:lnL algn="ctr" cmpd="sng" cap="flat" w="0">
-                      <a:noFill/>
-                      <a:prstDash val="solid"/>
-                    </a:lnL>
-                    <a:lnR algn="ctr" cmpd="sng" cap="flat" w="0">
+                    <a:lnL algn="ctr" cmpd="sng" cap="flat" w="12700">
+                      <a:noFill/>
+                      <a:prstDash val="solid"/>
+                    </a:lnL>
+                    <a:lnR algn="ctr" cmpd="sng" cap="flat" w="12700">
                       <a:noFill/>
                       <a:prstDash val="solid"/>
                     </a:lnR>
                     <a:lnT algn="ctr" cmpd="sng" cap="flat" w="12700">
-                      <a:solidFill>
-                        <a:srgbClr val="000000">
-                          <a:alpha val="100000"/>
-                        </a:srgbClr>
-                      </a:solidFill>
+                      <a:noFill/>
                       <a:prstDash val="solid"/>
                     </a:lnT>
                     <a:lnB algn="ctr" cmpd="sng" cap="flat" w="25400">
@@ -6025,20 +5973,16 @@
                     </a:p>
                   </a:txBody>
                   <a:tcPr anchor="ctr" marB="0" marT="0" marR="0" marL="0">
-                    <a:lnL algn="ctr" cmpd="sng" cap="flat" w="0">
-                      <a:noFill/>
-                      <a:prstDash val="solid"/>
-                    </a:lnL>
-                    <a:lnR algn="ctr" cmpd="sng" cap="flat" w="0">
+                    <a:lnL algn="ctr" cmpd="sng" cap="flat" w="12700">
+                      <a:noFill/>
+                      <a:prstDash val="solid"/>
+                    </a:lnL>
+                    <a:lnR algn="ctr" cmpd="sng" cap="flat" w="12700">
                       <a:noFill/>
                       <a:prstDash val="solid"/>
                     </a:lnR>
                     <a:lnT algn="ctr" cmpd="sng" cap="flat" w="12700">
-                      <a:solidFill>
-                        <a:srgbClr val="000000">
-                          <a:alpha val="100000"/>
-                        </a:srgbClr>
-                      </a:solidFill>
+                      <a:noFill/>
                       <a:prstDash val="solid"/>
                     </a:lnT>
                     <a:lnB algn="ctr" cmpd="sng" cap="flat" w="25400">
@@ -6080,20 +6024,16 @@
                     </a:p>
                   </a:txBody>
                   <a:tcPr anchor="ctr" marB="0" marT="0" marR="0" marL="0">
-                    <a:lnL algn="ctr" cmpd="sng" cap="flat" w="0">
-                      <a:noFill/>
-                      <a:prstDash val="solid"/>
-                    </a:lnL>
-                    <a:lnR algn="ctr" cmpd="sng" cap="flat" w="0">
+                    <a:lnL algn="ctr" cmpd="sng" cap="flat" w="12700">
+                      <a:noFill/>
+                      <a:prstDash val="solid"/>
+                    </a:lnL>
+                    <a:lnR algn="ctr" cmpd="sng" cap="flat" w="12700">
                       <a:noFill/>
                       <a:prstDash val="solid"/>
                     </a:lnR>
                     <a:lnT algn="ctr" cmpd="sng" cap="flat" w="12700">
-                      <a:solidFill>
-                        <a:srgbClr val="000000">
-                          <a:alpha val="100000"/>
-                        </a:srgbClr>
-                      </a:solidFill>
+                      <a:noFill/>
                       <a:prstDash val="solid"/>
                     </a:lnT>
                     <a:lnB algn="ctr" cmpd="sng" cap="flat" w="25400">
@@ -6135,20 +6075,16 @@
                     </a:p>
                   </a:txBody>
                   <a:tcPr anchor="ctr" marB="0" marT="0" marR="0" marL="0">
-                    <a:lnL algn="ctr" cmpd="sng" cap="flat" w="0">
-                      <a:noFill/>
-                      <a:prstDash val="solid"/>
-                    </a:lnL>
-                    <a:lnR algn="ctr" cmpd="sng" cap="flat" w="0">
+                    <a:lnL algn="ctr" cmpd="sng" cap="flat" w="12700">
+                      <a:noFill/>
+                      <a:prstDash val="solid"/>
+                    </a:lnL>
+                    <a:lnR algn="ctr" cmpd="sng" cap="flat" w="12700">
                       <a:noFill/>
                       <a:prstDash val="solid"/>
                     </a:lnR>
                     <a:lnT algn="ctr" cmpd="sng" cap="flat" w="12700">
-                      <a:solidFill>
-                        <a:srgbClr val="000000">
-                          <a:alpha val="100000"/>
-                        </a:srgbClr>
-                      </a:solidFill>
+                      <a:noFill/>
                       <a:prstDash val="solid"/>
                     </a:lnT>
                     <a:lnB algn="ctr" cmpd="sng" cap="flat" w="25400">
@@ -6190,20 +6126,16 @@
                     </a:p>
                   </a:txBody>
                   <a:tcPr anchor="ctr" marB="0" marT="0" marR="0" marL="0">
-                    <a:lnL algn="ctr" cmpd="sng" cap="flat" w="0">
-                      <a:noFill/>
-                      <a:prstDash val="solid"/>
-                    </a:lnL>
-                    <a:lnR algn="ctr" cmpd="sng" cap="flat" w="0">
+                    <a:lnL algn="ctr" cmpd="sng" cap="flat" w="12700">
+                      <a:noFill/>
+                      <a:prstDash val="solid"/>
+                    </a:lnL>
+                    <a:lnR algn="ctr" cmpd="sng" cap="flat" w="12700">
                       <a:noFill/>
                       <a:prstDash val="solid"/>
                     </a:lnR>
                     <a:lnT algn="ctr" cmpd="sng" cap="flat" w="12700">
-                      <a:solidFill>
-                        <a:srgbClr val="000000">
-                          <a:alpha val="100000"/>
-                        </a:srgbClr>
-                      </a:solidFill>
+                      <a:noFill/>
                       <a:prstDash val="solid"/>
                     </a:lnT>
                     <a:lnB algn="ctr" cmpd="sng" cap="flat" w="25400">
@@ -6245,20 +6177,16 @@
                     </a:p>
                   </a:txBody>
                   <a:tcPr anchor="ctr" marB="0" marT="0" marR="0" marL="0">
-                    <a:lnL algn="ctr" cmpd="sng" cap="flat" w="0">
-                      <a:noFill/>
-                      <a:prstDash val="solid"/>
-                    </a:lnL>
-                    <a:lnR algn="ctr" cmpd="sng" cap="flat" w="0">
+                    <a:lnL algn="ctr" cmpd="sng" cap="flat" w="12700">
+                      <a:noFill/>
+                      <a:prstDash val="solid"/>
+                    </a:lnL>
+                    <a:lnR algn="ctr" cmpd="sng" cap="flat" w="12700">
                       <a:noFill/>
                       <a:prstDash val="solid"/>
                     </a:lnR>
                     <a:lnT algn="ctr" cmpd="sng" cap="flat" w="12700">
-                      <a:solidFill>
-                        <a:srgbClr val="000000">
-                          <a:alpha val="100000"/>
-                        </a:srgbClr>
-                      </a:solidFill>
+                      <a:noFill/>
                       <a:prstDash val="solid"/>
                     </a:lnT>
                     <a:lnB algn="ctr" cmpd="sng" cap="flat" w="25400">
@@ -6300,20 +6228,16 @@
                     </a:p>
                   </a:txBody>
                   <a:tcPr anchor="ctr" marB="0" marT="0" marR="0" marL="0">
-                    <a:lnL algn="ctr" cmpd="sng" cap="flat" w="0">
-                      <a:noFill/>
-                      <a:prstDash val="solid"/>
-                    </a:lnL>
-                    <a:lnR algn="ctr" cmpd="sng" cap="flat" w="0">
+                    <a:lnL algn="ctr" cmpd="sng" cap="flat" w="12700">
+                      <a:noFill/>
+                      <a:prstDash val="solid"/>
+                    </a:lnL>
+                    <a:lnR algn="ctr" cmpd="sng" cap="flat" w="12700">
                       <a:noFill/>
                       <a:prstDash val="solid"/>
                     </a:lnR>
                     <a:lnT algn="ctr" cmpd="sng" cap="flat" w="12700">
-                      <a:solidFill>
-                        <a:srgbClr val="000000">
-                          <a:alpha val="100000"/>
-                        </a:srgbClr>
-                      </a:solidFill>
+                      <a:noFill/>
                       <a:prstDash val="solid"/>
                     </a:lnT>
                     <a:lnB algn="ctr" cmpd="sng" cap="flat" w="25400">
@@ -6355,20 +6279,16 @@
                     </a:p>
                   </a:txBody>
                   <a:tcPr anchor="ctr" marB="0" marT="0" marR="0" marL="0">
-                    <a:lnL algn="ctr" cmpd="sng" cap="flat" w="0">
-                      <a:noFill/>
-                      <a:prstDash val="solid"/>
-                    </a:lnL>
-                    <a:lnR algn="ctr" cmpd="sng" cap="flat" w="0">
+                    <a:lnL algn="ctr" cmpd="sng" cap="flat" w="12700">
+                      <a:noFill/>
+                      <a:prstDash val="solid"/>
+                    </a:lnL>
+                    <a:lnR algn="ctr" cmpd="sng" cap="flat" w="12700">
                       <a:noFill/>
                       <a:prstDash val="solid"/>
                     </a:lnR>
                     <a:lnT algn="ctr" cmpd="sng" cap="flat" w="12700">
-                      <a:solidFill>
-                        <a:srgbClr val="000000">
-                          <a:alpha val="100000"/>
-                        </a:srgbClr>
-                      </a:solidFill>
+                      <a:noFill/>
                       <a:prstDash val="solid"/>
                     </a:lnT>
                     <a:lnB algn="ctr" cmpd="sng" cap="flat" w="25400">
@@ -6410,20 +6330,16 @@
                     </a:p>
                   </a:txBody>
                   <a:tcPr anchor="ctr" marB="0" marT="0" marR="0" marL="0">
-                    <a:lnL algn="ctr" cmpd="sng" cap="flat" w="0">
-                      <a:noFill/>
-                      <a:prstDash val="solid"/>
-                    </a:lnL>
-                    <a:lnR algn="ctr" cmpd="sng" cap="flat" w="0">
+                    <a:lnL algn="ctr" cmpd="sng" cap="flat" w="12700">
+                      <a:noFill/>
+                      <a:prstDash val="solid"/>
+                    </a:lnL>
+                    <a:lnR algn="ctr" cmpd="sng" cap="flat" w="12700">
                       <a:noFill/>
                       <a:prstDash val="solid"/>
                     </a:lnR>
                     <a:lnT algn="ctr" cmpd="sng" cap="flat" w="12700">
-                      <a:solidFill>
-                        <a:srgbClr val="000000">
-                          <a:alpha val="100000"/>
-                        </a:srgbClr>
-                      </a:solidFill>
+                      <a:noFill/>
                       <a:prstDash val="solid"/>
                     </a:lnT>
                     <a:lnB algn="ctr" cmpd="sng" cap="flat" w="25400">
@@ -6465,20 +6381,16 @@
                     </a:p>
                   </a:txBody>
                   <a:tcPr anchor="ctr" marB="0" marT="0" marR="0" marL="0">
-                    <a:lnL algn="ctr" cmpd="sng" cap="flat" w="0">
-                      <a:noFill/>
-                      <a:prstDash val="solid"/>
-                    </a:lnL>
-                    <a:lnR algn="ctr" cmpd="sng" cap="flat" w="0">
+                    <a:lnL algn="ctr" cmpd="sng" cap="flat" w="12700">
+                      <a:noFill/>
+                      <a:prstDash val="solid"/>
+                    </a:lnL>
+                    <a:lnR algn="ctr" cmpd="sng" cap="flat" w="12700">
                       <a:noFill/>
                       <a:prstDash val="solid"/>
                     </a:lnR>
                     <a:lnT algn="ctr" cmpd="sng" cap="flat" w="12700">
-                      <a:solidFill>
-                        <a:srgbClr val="000000">
-                          <a:alpha val="100000"/>
-                        </a:srgbClr>
-                      </a:solidFill>
+                      <a:noFill/>
                       <a:prstDash val="solid"/>
                     </a:lnT>
                     <a:lnB algn="ctr" cmpd="sng" cap="flat" w="25400">

--- a/docs/articles/assets/pptx/example.pptx
+++ b/docs/articles/assets/pptx/example.pptx
@@ -2273,11 +2273,11 @@
                     </a:p>
                   </a:txBody>
                   <a:tcPr anchor="ctr" marB="0" marT="0" marR="0" marL="0">
-                    <a:lnL algn="ctr" cmpd="sng" cap="flat" w="12700">
-                      <a:noFill/>
-                      <a:prstDash val="solid"/>
-                    </a:lnL>
-                    <a:lnR algn="ctr" cmpd="sng" cap="flat" w="12700">
+                    <a:lnL algn="ctr" cmpd="sng" cap="flat" w="0">
+                      <a:noFill/>
+                      <a:prstDash val="solid"/>
+                    </a:lnL>
+                    <a:lnR algn="ctr" cmpd="sng" cap="flat" w="0">
                       <a:noFill/>
                       <a:prstDash val="solid"/>
                     </a:lnR>
@@ -2328,11 +2328,11 @@
                     </a:p>
                   </a:txBody>
                   <a:tcPr anchor="ctr" marB="0" marT="0" marR="0" marL="0">
-                    <a:lnL algn="ctr" cmpd="sng" cap="flat" w="12700">
-                      <a:noFill/>
-                      <a:prstDash val="solid"/>
-                    </a:lnL>
-                    <a:lnR algn="ctr" cmpd="sng" cap="flat" w="12700">
+                    <a:lnL algn="ctr" cmpd="sng" cap="flat" w="0">
+                      <a:noFill/>
+                      <a:prstDash val="solid"/>
+                    </a:lnL>
+                    <a:lnR algn="ctr" cmpd="sng" cap="flat" w="0">
                       <a:noFill/>
                       <a:prstDash val="solid"/>
                     </a:lnR>
@@ -2383,11 +2383,11 @@
                     </a:p>
                   </a:txBody>
                   <a:tcPr anchor="ctr" marB="0" marT="0" marR="0" marL="0">
-                    <a:lnL algn="ctr" cmpd="sng" cap="flat" w="12700">
-                      <a:noFill/>
-                      <a:prstDash val="solid"/>
-                    </a:lnL>
-                    <a:lnR algn="ctr" cmpd="sng" cap="flat" w="12700">
+                    <a:lnL algn="ctr" cmpd="sng" cap="flat" w="0">
+                      <a:noFill/>
+                      <a:prstDash val="solid"/>
+                    </a:lnL>
+                    <a:lnR algn="ctr" cmpd="sng" cap="flat" w="0">
                       <a:noFill/>
                       <a:prstDash val="solid"/>
                     </a:lnR>
@@ -2438,11 +2438,11 @@
                     </a:p>
                   </a:txBody>
                   <a:tcPr anchor="ctr" marB="0" marT="0" marR="0" marL="0">
-                    <a:lnL algn="ctr" cmpd="sng" cap="flat" w="12700">
-                      <a:noFill/>
-                      <a:prstDash val="solid"/>
-                    </a:lnL>
-                    <a:lnR algn="ctr" cmpd="sng" cap="flat" w="12700">
+                    <a:lnL algn="ctr" cmpd="sng" cap="flat" w="0">
+                      <a:noFill/>
+                      <a:prstDash val="solid"/>
+                    </a:lnL>
+                    <a:lnR algn="ctr" cmpd="sng" cap="flat" w="0">
                       <a:noFill/>
                       <a:prstDash val="solid"/>
                     </a:lnR>
@@ -2493,11 +2493,11 @@
                     </a:p>
                   </a:txBody>
                   <a:tcPr anchor="ctr" marB="0" marT="0" marR="0" marL="0">
-                    <a:lnL algn="ctr" cmpd="sng" cap="flat" w="12700">
-                      <a:noFill/>
-                      <a:prstDash val="solid"/>
-                    </a:lnL>
-                    <a:lnR algn="ctr" cmpd="sng" cap="flat" w="12700">
+                    <a:lnL algn="ctr" cmpd="sng" cap="flat" w="0">
+                      <a:noFill/>
+                      <a:prstDash val="solid"/>
+                    </a:lnL>
+                    <a:lnR algn="ctr" cmpd="sng" cap="flat" w="0">
                       <a:noFill/>
                       <a:prstDash val="solid"/>
                     </a:lnR>
@@ -2548,11 +2548,11 @@
                     </a:p>
                   </a:txBody>
                   <a:tcPr anchor="ctr" marB="0" marT="0" marR="0" marL="0">
-                    <a:lnL algn="ctr" cmpd="sng" cap="flat" w="12700">
-                      <a:noFill/>
-                      <a:prstDash val="solid"/>
-                    </a:lnL>
-                    <a:lnR algn="ctr" cmpd="sng" cap="flat" w="12700">
+                    <a:lnL algn="ctr" cmpd="sng" cap="flat" w="0">
+                      <a:noFill/>
+                      <a:prstDash val="solid"/>
+                    </a:lnL>
+                    <a:lnR algn="ctr" cmpd="sng" cap="flat" w="0">
                       <a:noFill/>
                       <a:prstDash val="solid"/>
                     </a:lnR>
@@ -2603,11 +2603,11 @@
                     </a:p>
                   </a:txBody>
                   <a:tcPr anchor="ctr" marB="0" marT="0" marR="0" marL="0">
-                    <a:lnL algn="ctr" cmpd="sng" cap="flat" w="12700">
-                      <a:noFill/>
-                      <a:prstDash val="solid"/>
-                    </a:lnL>
-                    <a:lnR algn="ctr" cmpd="sng" cap="flat" w="12700">
+                    <a:lnL algn="ctr" cmpd="sng" cap="flat" w="0">
+                      <a:noFill/>
+                      <a:prstDash val="solid"/>
+                    </a:lnL>
+                    <a:lnR algn="ctr" cmpd="sng" cap="flat" w="0">
                       <a:noFill/>
                       <a:prstDash val="solid"/>
                     </a:lnR>
@@ -2658,11 +2658,11 @@
                     </a:p>
                   </a:txBody>
                   <a:tcPr anchor="ctr" marB="0" marT="0" marR="0" marL="0">
-                    <a:lnL algn="ctr" cmpd="sng" cap="flat" w="12700">
-                      <a:noFill/>
-                      <a:prstDash val="solid"/>
-                    </a:lnL>
-                    <a:lnR algn="ctr" cmpd="sng" cap="flat" w="12700">
+                    <a:lnL algn="ctr" cmpd="sng" cap="flat" w="0">
+                      <a:noFill/>
+                      <a:prstDash val="solid"/>
+                    </a:lnL>
+                    <a:lnR algn="ctr" cmpd="sng" cap="flat" w="0">
                       <a:noFill/>
                       <a:prstDash val="solid"/>
                     </a:lnR>
@@ -2713,11 +2713,11 @@
                     </a:p>
                   </a:txBody>
                   <a:tcPr anchor="ctr" marB="0" marT="0" marR="0" marL="0">
-                    <a:lnL algn="ctr" cmpd="sng" cap="flat" w="12700">
-                      <a:noFill/>
-                      <a:prstDash val="solid"/>
-                    </a:lnL>
-                    <a:lnR algn="ctr" cmpd="sng" cap="flat" w="12700">
+                    <a:lnL algn="ctr" cmpd="sng" cap="flat" w="0">
+                      <a:noFill/>
+                      <a:prstDash val="solid"/>
+                    </a:lnL>
+                    <a:lnR algn="ctr" cmpd="sng" cap="flat" w="0">
                       <a:noFill/>
                       <a:prstDash val="solid"/>
                     </a:lnR>
@@ -2768,11 +2768,11 @@
                     </a:p>
                   </a:txBody>
                   <a:tcPr anchor="ctr" marB="0" marT="0" marR="0" marL="0">
-                    <a:lnL algn="ctr" cmpd="sng" cap="flat" w="12700">
-                      <a:noFill/>
-                      <a:prstDash val="solid"/>
-                    </a:lnL>
-                    <a:lnR algn="ctr" cmpd="sng" cap="flat" w="12700">
+                    <a:lnL algn="ctr" cmpd="sng" cap="flat" w="0">
+                      <a:noFill/>
+                      <a:prstDash val="solid"/>
+                    </a:lnL>
+                    <a:lnR algn="ctr" cmpd="sng" cap="flat" w="0">
                       <a:noFill/>
                       <a:prstDash val="solid"/>
                     </a:lnR>
@@ -2823,11 +2823,11 @@
                     </a:p>
                   </a:txBody>
                   <a:tcPr anchor="ctr" marB="0" marT="0" marR="0" marL="0">
-                    <a:lnL algn="ctr" cmpd="sng" cap="flat" w="12700">
-                      <a:noFill/>
-                      <a:prstDash val="solid"/>
-                    </a:lnL>
-                    <a:lnR algn="ctr" cmpd="sng" cap="flat" w="12700">
+                    <a:lnL algn="ctr" cmpd="sng" cap="flat" w="0">
+                      <a:noFill/>
+                      <a:prstDash val="solid"/>
+                    </a:lnL>
+                    <a:lnR algn="ctr" cmpd="sng" cap="flat" w="0">
                       <a:noFill/>
                       <a:prstDash val="solid"/>
                     </a:lnR>
@@ -2880,15 +2880,15 @@
                     </a:p>
                   </a:txBody>
                   <a:tcPr anchor="ctr" marB="0" marT="0" marR="0" marL="0">
-                    <a:lnL algn="ctr" cmpd="sng" cap="flat" w="12700">
-                      <a:noFill/>
-                      <a:prstDash val="solid"/>
-                    </a:lnL>
-                    <a:lnR algn="ctr" cmpd="sng" cap="flat" w="12700">
-                      <a:noFill/>
-                      <a:prstDash val="solid"/>
-                    </a:lnR>
-                    <a:lnT algn="ctr" cmpd="sng" cap="flat" w="12700">
+                    <a:lnL algn="ctr" cmpd="sng" cap="flat" w="0">
+                      <a:noFill/>
+                      <a:prstDash val="solid"/>
+                    </a:lnL>
+                    <a:lnR algn="ctr" cmpd="sng" cap="flat" w="0">
+                      <a:noFill/>
+                      <a:prstDash val="solid"/>
+                    </a:lnR>
+                    <a:lnT algn="ctr" cmpd="sng" cap="flat" w="0">
                       <a:noFill/>
                       <a:prstDash val="solid"/>
                     </a:lnT>
@@ -2931,15 +2931,15 @@
                     </a:p>
                   </a:txBody>
                   <a:tcPr anchor="ctr" marB="0" marT="0" marR="0" marL="0">
-                    <a:lnL algn="ctr" cmpd="sng" cap="flat" w="12700">
-                      <a:noFill/>
-                      <a:prstDash val="solid"/>
-                    </a:lnL>
-                    <a:lnR algn="ctr" cmpd="sng" cap="flat" w="12700">
-                      <a:noFill/>
-                      <a:prstDash val="solid"/>
-                    </a:lnR>
-                    <a:lnT algn="ctr" cmpd="sng" cap="flat" w="12700">
+                    <a:lnL algn="ctr" cmpd="sng" cap="flat" w="0">
+                      <a:noFill/>
+                      <a:prstDash val="solid"/>
+                    </a:lnL>
+                    <a:lnR algn="ctr" cmpd="sng" cap="flat" w="0">
+                      <a:noFill/>
+                      <a:prstDash val="solid"/>
+                    </a:lnR>
+                    <a:lnT algn="ctr" cmpd="sng" cap="flat" w="0">
                       <a:noFill/>
                       <a:prstDash val="solid"/>
                     </a:lnT>
@@ -2982,15 +2982,15 @@
                     </a:p>
                   </a:txBody>
                   <a:tcPr anchor="ctr" marB="0" marT="0" marR="0" marL="0">
-                    <a:lnL algn="ctr" cmpd="sng" cap="flat" w="12700">
-                      <a:noFill/>
-                      <a:prstDash val="solid"/>
-                    </a:lnL>
-                    <a:lnR algn="ctr" cmpd="sng" cap="flat" w="12700">
-                      <a:noFill/>
-                      <a:prstDash val="solid"/>
-                    </a:lnR>
-                    <a:lnT algn="ctr" cmpd="sng" cap="flat" w="12700">
+                    <a:lnL algn="ctr" cmpd="sng" cap="flat" w="0">
+                      <a:noFill/>
+                      <a:prstDash val="solid"/>
+                    </a:lnL>
+                    <a:lnR algn="ctr" cmpd="sng" cap="flat" w="0">
+                      <a:noFill/>
+                      <a:prstDash val="solid"/>
+                    </a:lnR>
+                    <a:lnT algn="ctr" cmpd="sng" cap="flat" w="0">
                       <a:noFill/>
                       <a:prstDash val="solid"/>
                     </a:lnT>
@@ -3033,15 +3033,15 @@
                     </a:p>
                   </a:txBody>
                   <a:tcPr anchor="ctr" marB="0" marT="0" marR="0" marL="0">
-                    <a:lnL algn="ctr" cmpd="sng" cap="flat" w="12700">
-                      <a:noFill/>
-                      <a:prstDash val="solid"/>
-                    </a:lnL>
-                    <a:lnR algn="ctr" cmpd="sng" cap="flat" w="12700">
-                      <a:noFill/>
-                      <a:prstDash val="solid"/>
-                    </a:lnR>
-                    <a:lnT algn="ctr" cmpd="sng" cap="flat" w="12700">
+                    <a:lnL algn="ctr" cmpd="sng" cap="flat" w="0">
+                      <a:noFill/>
+                      <a:prstDash val="solid"/>
+                    </a:lnL>
+                    <a:lnR algn="ctr" cmpd="sng" cap="flat" w="0">
+                      <a:noFill/>
+                      <a:prstDash val="solid"/>
+                    </a:lnR>
+                    <a:lnT algn="ctr" cmpd="sng" cap="flat" w="0">
                       <a:noFill/>
                       <a:prstDash val="solid"/>
                     </a:lnT>
@@ -3084,15 +3084,15 @@
                     </a:p>
                   </a:txBody>
                   <a:tcPr anchor="ctr" marB="0" marT="0" marR="0" marL="0">
-                    <a:lnL algn="ctr" cmpd="sng" cap="flat" w="12700">
-                      <a:noFill/>
-                      <a:prstDash val="solid"/>
-                    </a:lnL>
-                    <a:lnR algn="ctr" cmpd="sng" cap="flat" w="12700">
-                      <a:noFill/>
-                      <a:prstDash val="solid"/>
-                    </a:lnR>
-                    <a:lnT algn="ctr" cmpd="sng" cap="flat" w="12700">
+                    <a:lnL algn="ctr" cmpd="sng" cap="flat" w="0">
+                      <a:noFill/>
+                      <a:prstDash val="solid"/>
+                    </a:lnL>
+                    <a:lnR algn="ctr" cmpd="sng" cap="flat" w="0">
+                      <a:noFill/>
+                      <a:prstDash val="solid"/>
+                    </a:lnR>
+                    <a:lnT algn="ctr" cmpd="sng" cap="flat" w="0">
                       <a:noFill/>
                       <a:prstDash val="solid"/>
                     </a:lnT>
@@ -3135,15 +3135,15 @@
                     </a:p>
                   </a:txBody>
                   <a:tcPr anchor="ctr" marB="0" marT="0" marR="0" marL="0">
-                    <a:lnL algn="ctr" cmpd="sng" cap="flat" w="12700">
-                      <a:noFill/>
-                      <a:prstDash val="solid"/>
-                    </a:lnL>
-                    <a:lnR algn="ctr" cmpd="sng" cap="flat" w="12700">
-                      <a:noFill/>
-                      <a:prstDash val="solid"/>
-                    </a:lnR>
-                    <a:lnT algn="ctr" cmpd="sng" cap="flat" w="12700">
+                    <a:lnL algn="ctr" cmpd="sng" cap="flat" w="0">
+                      <a:noFill/>
+                      <a:prstDash val="solid"/>
+                    </a:lnL>
+                    <a:lnR algn="ctr" cmpd="sng" cap="flat" w="0">
+                      <a:noFill/>
+                      <a:prstDash val="solid"/>
+                    </a:lnR>
+                    <a:lnT algn="ctr" cmpd="sng" cap="flat" w="0">
                       <a:noFill/>
                       <a:prstDash val="solid"/>
                     </a:lnT>
@@ -3186,15 +3186,15 @@
                     </a:p>
                   </a:txBody>
                   <a:tcPr anchor="ctr" marB="0" marT="0" marR="0" marL="0">
-                    <a:lnL algn="ctr" cmpd="sng" cap="flat" w="12700">
-                      <a:noFill/>
-                      <a:prstDash val="solid"/>
-                    </a:lnL>
-                    <a:lnR algn="ctr" cmpd="sng" cap="flat" w="12700">
-                      <a:noFill/>
-                      <a:prstDash val="solid"/>
-                    </a:lnR>
-                    <a:lnT algn="ctr" cmpd="sng" cap="flat" w="12700">
+                    <a:lnL algn="ctr" cmpd="sng" cap="flat" w="0">
+                      <a:noFill/>
+                      <a:prstDash val="solid"/>
+                    </a:lnL>
+                    <a:lnR algn="ctr" cmpd="sng" cap="flat" w="0">
+                      <a:noFill/>
+                      <a:prstDash val="solid"/>
+                    </a:lnR>
+                    <a:lnT algn="ctr" cmpd="sng" cap="flat" w="0">
                       <a:noFill/>
                       <a:prstDash val="solid"/>
                     </a:lnT>
@@ -3237,15 +3237,15 @@
                     </a:p>
                   </a:txBody>
                   <a:tcPr anchor="ctr" marB="0" marT="0" marR="0" marL="0">
-                    <a:lnL algn="ctr" cmpd="sng" cap="flat" w="12700">
-                      <a:noFill/>
-                      <a:prstDash val="solid"/>
-                    </a:lnL>
-                    <a:lnR algn="ctr" cmpd="sng" cap="flat" w="12700">
-                      <a:noFill/>
-                      <a:prstDash val="solid"/>
-                    </a:lnR>
-                    <a:lnT algn="ctr" cmpd="sng" cap="flat" w="12700">
+                    <a:lnL algn="ctr" cmpd="sng" cap="flat" w="0">
+                      <a:noFill/>
+                      <a:prstDash val="solid"/>
+                    </a:lnL>
+                    <a:lnR algn="ctr" cmpd="sng" cap="flat" w="0">
+                      <a:noFill/>
+                      <a:prstDash val="solid"/>
+                    </a:lnR>
+                    <a:lnT algn="ctr" cmpd="sng" cap="flat" w="0">
                       <a:noFill/>
                       <a:prstDash val="solid"/>
                     </a:lnT>
@@ -3288,15 +3288,15 @@
                     </a:p>
                   </a:txBody>
                   <a:tcPr anchor="ctr" marB="0" marT="0" marR="0" marL="0">
-                    <a:lnL algn="ctr" cmpd="sng" cap="flat" w="12700">
-                      <a:noFill/>
-                      <a:prstDash val="solid"/>
-                    </a:lnL>
-                    <a:lnR algn="ctr" cmpd="sng" cap="flat" w="12700">
-                      <a:noFill/>
-                      <a:prstDash val="solid"/>
-                    </a:lnR>
-                    <a:lnT algn="ctr" cmpd="sng" cap="flat" w="12700">
+                    <a:lnL algn="ctr" cmpd="sng" cap="flat" w="0">
+                      <a:noFill/>
+                      <a:prstDash val="solid"/>
+                    </a:lnL>
+                    <a:lnR algn="ctr" cmpd="sng" cap="flat" w="0">
+                      <a:noFill/>
+                      <a:prstDash val="solid"/>
+                    </a:lnR>
+                    <a:lnT algn="ctr" cmpd="sng" cap="flat" w="0">
                       <a:noFill/>
                       <a:prstDash val="solid"/>
                     </a:lnT>
@@ -3339,15 +3339,15 @@
                     </a:p>
                   </a:txBody>
                   <a:tcPr anchor="ctr" marB="0" marT="0" marR="0" marL="0">
-                    <a:lnL algn="ctr" cmpd="sng" cap="flat" w="12700">
-                      <a:noFill/>
-                      <a:prstDash val="solid"/>
-                    </a:lnL>
-                    <a:lnR algn="ctr" cmpd="sng" cap="flat" w="12700">
-                      <a:noFill/>
-                      <a:prstDash val="solid"/>
-                    </a:lnR>
-                    <a:lnT algn="ctr" cmpd="sng" cap="flat" w="12700">
+                    <a:lnL algn="ctr" cmpd="sng" cap="flat" w="0">
+                      <a:noFill/>
+                      <a:prstDash val="solid"/>
+                    </a:lnL>
+                    <a:lnR algn="ctr" cmpd="sng" cap="flat" w="0">
+                      <a:noFill/>
+                      <a:prstDash val="solid"/>
+                    </a:lnR>
+                    <a:lnT algn="ctr" cmpd="sng" cap="flat" w="0">
                       <a:noFill/>
                       <a:prstDash val="solid"/>
                     </a:lnT>
@@ -3390,15 +3390,15 @@
                     </a:p>
                   </a:txBody>
                   <a:tcPr anchor="ctr" marB="0" marT="0" marR="0" marL="0">
-                    <a:lnL algn="ctr" cmpd="sng" cap="flat" w="12700">
-                      <a:noFill/>
-                      <a:prstDash val="solid"/>
-                    </a:lnL>
-                    <a:lnR algn="ctr" cmpd="sng" cap="flat" w="12700">
-                      <a:noFill/>
-                      <a:prstDash val="solid"/>
-                    </a:lnR>
-                    <a:lnT algn="ctr" cmpd="sng" cap="flat" w="12700">
+                    <a:lnL algn="ctr" cmpd="sng" cap="flat" w="0">
+                      <a:noFill/>
+                      <a:prstDash val="solid"/>
+                    </a:lnL>
+                    <a:lnR algn="ctr" cmpd="sng" cap="flat" w="0">
+                      <a:noFill/>
+                      <a:prstDash val="solid"/>
+                    </a:lnR>
+                    <a:lnT algn="ctr" cmpd="sng" cap="flat" w="0">
                       <a:noFill/>
                       <a:prstDash val="solid"/>
                     </a:lnT>
@@ -3443,11 +3443,11 @@
                     </a:p>
                   </a:txBody>
                   <a:tcPr anchor="ctr" marB="0" marT="0" marR="0" marL="0">
-                    <a:lnL algn="ctr" cmpd="sng" cap="flat" w="12700">
-                      <a:noFill/>
-                      <a:prstDash val="solid"/>
-                    </a:lnL>
-                    <a:lnR algn="ctr" cmpd="sng" cap="flat" w="12700">
+                    <a:lnL algn="ctr" cmpd="sng" cap="flat" w="0">
+                      <a:noFill/>
+                      <a:prstDash val="solid"/>
+                    </a:lnL>
+                    <a:lnR algn="ctr" cmpd="sng" cap="flat" w="0">
                       <a:noFill/>
                       <a:prstDash val="solid"/>
                     </a:lnR>
@@ -3498,11 +3498,11 @@
                     </a:p>
                   </a:txBody>
                   <a:tcPr anchor="ctr" marB="0" marT="0" marR="0" marL="0">
-                    <a:lnL algn="ctr" cmpd="sng" cap="flat" w="12700">
-                      <a:noFill/>
-                      <a:prstDash val="solid"/>
-                    </a:lnL>
-                    <a:lnR algn="ctr" cmpd="sng" cap="flat" w="12700">
+                    <a:lnL algn="ctr" cmpd="sng" cap="flat" w="0">
+                      <a:noFill/>
+                      <a:prstDash val="solid"/>
+                    </a:lnL>
+                    <a:lnR algn="ctr" cmpd="sng" cap="flat" w="0">
                       <a:noFill/>
                       <a:prstDash val="solid"/>
                     </a:lnR>
@@ -3553,11 +3553,11 @@
                     </a:p>
                   </a:txBody>
                   <a:tcPr anchor="ctr" marB="0" marT="0" marR="0" marL="0">
-                    <a:lnL algn="ctr" cmpd="sng" cap="flat" w="12700">
-                      <a:noFill/>
-                      <a:prstDash val="solid"/>
-                    </a:lnL>
-                    <a:lnR algn="ctr" cmpd="sng" cap="flat" w="12700">
+                    <a:lnL algn="ctr" cmpd="sng" cap="flat" w="0">
+                      <a:noFill/>
+                      <a:prstDash val="solid"/>
+                    </a:lnL>
+                    <a:lnR algn="ctr" cmpd="sng" cap="flat" w="0">
                       <a:noFill/>
                       <a:prstDash val="solid"/>
                     </a:lnR>
@@ -3608,11 +3608,11 @@
                     </a:p>
                   </a:txBody>
                   <a:tcPr anchor="ctr" marB="0" marT="0" marR="0" marL="0">
-                    <a:lnL algn="ctr" cmpd="sng" cap="flat" w="12700">
-                      <a:noFill/>
-                      <a:prstDash val="solid"/>
-                    </a:lnL>
-                    <a:lnR algn="ctr" cmpd="sng" cap="flat" w="12700">
+                    <a:lnL algn="ctr" cmpd="sng" cap="flat" w="0">
+                      <a:noFill/>
+                      <a:prstDash val="solid"/>
+                    </a:lnL>
+                    <a:lnR algn="ctr" cmpd="sng" cap="flat" w="0">
                       <a:noFill/>
                       <a:prstDash val="solid"/>
                     </a:lnR>
@@ -3663,11 +3663,11 @@
                     </a:p>
                   </a:txBody>
                   <a:tcPr anchor="ctr" marB="0" marT="0" marR="0" marL="0">
-                    <a:lnL algn="ctr" cmpd="sng" cap="flat" w="12700">
-                      <a:noFill/>
-                      <a:prstDash val="solid"/>
-                    </a:lnL>
-                    <a:lnR algn="ctr" cmpd="sng" cap="flat" w="12700">
+                    <a:lnL algn="ctr" cmpd="sng" cap="flat" w="0">
+                      <a:noFill/>
+                      <a:prstDash val="solid"/>
+                    </a:lnL>
+                    <a:lnR algn="ctr" cmpd="sng" cap="flat" w="0">
                       <a:noFill/>
                       <a:prstDash val="solid"/>
                     </a:lnR>
@@ -3718,11 +3718,11 @@
                     </a:p>
                   </a:txBody>
                   <a:tcPr anchor="ctr" marB="0" marT="0" marR="0" marL="0">
-                    <a:lnL algn="ctr" cmpd="sng" cap="flat" w="12700">
-                      <a:noFill/>
-                      <a:prstDash val="solid"/>
-                    </a:lnL>
-                    <a:lnR algn="ctr" cmpd="sng" cap="flat" w="12700">
+                    <a:lnL algn="ctr" cmpd="sng" cap="flat" w="0">
+                      <a:noFill/>
+                      <a:prstDash val="solid"/>
+                    </a:lnL>
+                    <a:lnR algn="ctr" cmpd="sng" cap="flat" w="0">
                       <a:noFill/>
                       <a:prstDash val="solid"/>
                     </a:lnR>
@@ -3773,11 +3773,11 @@
                     </a:p>
                   </a:txBody>
                   <a:tcPr anchor="ctr" marB="0" marT="0" marR="0" marL="0">
-                    <a:lnL algn="ctr" cmpd="sng" cap="flat" w="12700">
-                      <a:noFill/>
-                      <a:prstDash val="solid"/>
-                    </a:lnL>
-                    <a:lnR algn="ctr" cmpd="sng" cap="flat" w="12700">
+                    <a:lnL algn="ctr" cmpd="sng" cap="flat" w="0">
+                      <a:noFill/>
+                      <a:prstDash val="solid"/>
+                    </a:lnL>
+                    <a:lnR algn="ctr" cmpd="sng" cap="flat" w="0">
                       <a:noFill/>
                       <a:prstDash val="solid"/>
                     </a:lnR>
@@ -3828,11 +3828,11 @@
                     </a:p>
                   </a:txBody>
                   <a:tcPr anchor="ctr" marB="0" marT="0" marR="0" marL="0">
-                    <a:lnL algn="ctr" cmpd="sng" cap="flat" w="12700">
-                      <a:noFill/>
-                      <a:prstDash val="solid"/>
-                    </a:lnL>
-                    <a:lnR algn="ctr" cmpd="sng" cap="flat" w="12700">
+                    <a:lnL algn="ctr" cmpd="sng" cap="flat" w="0">
+                      <a:noFill/>
+                      <a:prstDash val="solid"/>
+                    </a:lnL>
+                    <a:lnR algn="ctr" cmpd="sng" cap="flat" w="0">
                       <a:noFill/>
                       <a:prstDash val="solid"/>
                     </a:lnR>
@@ -3883,11 +3883,11 @@
                     </a:p>
                   </a:txBody>
                   <a:tcPr anchor="ctr" marB="0" marT="0" marR="0" marL="0">
-                    <a:lnL algn="ctr" cmpd="sng" cap="flat" w="12700">
-                      <a:noFill/>
-                      <a:prstDash val="solid"/>
-                    </a:lnL>
-                    <a:lnR algn="ctr" cmpd="sng" cap="flat" w="12700">
+                    <a:lnL algn="ctr" cmpd="sng" cap="flat" w="0">
+                      <a:noFill/>
+                      <a:prstDash val="solid"/>
+                    </a:lnL>
+                    <a:lnR algn="ctr" cmpd="sng" cap="flat" w="0">
                       <a:noFill/>
                       <a:prstDash val="solid"/>
                     </a:lnR>
@@ -3938,11 +3938,11 @@
                     </a:p>
                   </a:txBody>
                   <a:tcPr anchor="ctr" marB="0" marT="0" marR="0" marL="0">
-                    <a:lnL algn="ctr" cmpd="sng" cap="flat" w="12700">
-                      <a:noFill/>
-                      <a:prstDash val="solid"/>
-                    </a:lnL>
-                    <a:lnR algn="ctr" cmpd="sng" cap="flat" w="12700">
+                    <a:lnL algn="ctr" cmpd="sng" cap="flat" w="0">
+                      <a:noFill/>
+                      <a:prstDash val="solid"/>
+                    </a:lnL>
+                    <a:lnR algn="ctr" cmpd="sng" cap="flat" w="0">
                       <a:noFill/>
                       <a:prstDash val="solid"/>
                     </a:lnR>
@@ -3993,11 +3993,11 @@
                     </a:p>
                   </a:txBody>
                   <a:tcPr anchor="ctr" marB="0" marT="0" marR="0" marL="0">
-                    <a:lnL algn="ctr" cmpd="sng" cap="flat" w="12700">
-                      <a:noFill/>
-                      <a:prstDash val="solid"/>
-                    </a:lnL>
-                    <a:lnR algn="ctr" cmpd="sng" cap="flat" w="12700">
+                    <a:lnL algn="ctr" cmpd="sng" cap="flat" w="0">
+                      <a:noFill/>
+                      <a:prstDash val="solid"/>
+                    </a:lnL>
+                    <a:lnR algn="ctr" cmpd="sng" cap="flat" w="0">
                       <a:noFill/>
                       <a:prstDash val="solid"/>
                     </a:lnR>
@@ -4050,11 +4050,11 @@
                     </a:p>
                   </a:txBody>
                   <a:tcPr anchor="ctr" marB="0" marT="0" marR="0" marL="0">
-                    <a:lnL algn="ctr" cmpd="sng" cap="flat" w="12700">
-                      <a:noFill/>
-                      <a:prstDash val="solid"/>
-                    </a:lnL>
-                    <a:lnR algn="ctr" cmpd="sng" cap="flat" w="12700">
+                    <a:lnL algn="ctr" cmpd="sng" cap="flat" w="0">
+                      <a:noFill/>
+                      <a:prstDash val="solid"/>
+                    </a:lnL>
+                    <a:lnR algn="ctr" cmpd="sng" cap="flat" w="0">
                       <a:noFill/>
                       <a:prstDash val="solid"/>
                     </a:lnR>
@@ -4105,11 +4105,11 @@
                     </a:p>
                   </a:txBody>
                   <a:tcPr anchor="ctr" marB="0" marT="0" marR="0" marL="0">
-                    <a:lnL algn="ctr" cmpd="sng" cap="flat" w="12700">
-                      <a:noFill/>
-                      <a:prstDash val="solid"/>
-                    </a:lnL>
-                    <a:lnR algn="ctr" cmpd="sng" cap="flat" w="12700">
+                    <a:lnL algn="ctr" cmpd="sng" cap="flat" w="0">
+                      <a:noFill/>
+                      <a:prstDash val="solid"/>
+                    </a:lnL>
+                    <a:lnR algn="ctr" cmpd="sng" cap="flat" w="0">
                       <a:noFill/>
                       <a:prstDash val="solid"/>
                     </a:lnR>
@@ -4160,11 +4160,11 @@
                     </a:p>
                   </a:txBody>
                   <a:tcPr anchor="ctr" marB="0" marT="0" marR="0" marL="0">
-                    <a:lnL algn="ctr" cmpd="sng" cap="flat" w="12700">
-                      <a:noFill/>
-                      <a:prstDash val="solid"/>
-                    </a:lnL>
-                    <a:lnR algn="ctr" cmpd="sng" cap="flat" w="12700">
+                    <a:lnL algn="ctr" cmpd="sng" cap="flat" w="0">
+                      <a:noFill/>
+                      <a:prstDash val="solid"/>
+                    </a:lnL>
+                    <a:lnR algn="ctr" cmpd="sng" cap="flat" w="0">
                       <a:noFill/>
                       <a:prstDash val="solid"/>
                     </a:lnR>
@@ -4215,11 +4215,11 @@
                     </a:p>
                   </a:txBody>
                   <a:tcPr anchor="ctr" marB="0" marT="0" marR="0" marL="0">
-                    <a:lnL algn="ctr" cmpd="sng" cap="flat" w="12700">
-                      <a:noFill/>
-                      <a:prstDash val="solid"/>
-                    </a:lnL>
-                    <a:lnR algn="ctr" cmpd="sng" cap="flat" w="12700">
+                    <a:lnL algn="ctr" cmpd="sng" cap="flat" w="0">
+                      <a:noFill/>
+                      <a:prstDash val="solid"/>
+                    </a:lnL>
+                    <a:lnR algn="ctr" cmpd="sng" cap="flat" w="0">
                       <a:noFill/>
                       <a:prstDash val="solid"/>
                     </a:lnR>
@@ -4270,11 +4270,11 @@
                     </a:p>
                   </a:txBody>
                   <a:tcPr anchor="ctr" marB="0" marT="0" marR="0" marL="0">
-                    <a:lnL algn="ctr" cmpd="sng" cap="flat" w="12700">
-                      <a:noFill/>
-                      <a:prstDash val="solid"/>
-                    </a:lnL>
-                    <a:lnR algn="ctr" cmpd="sng" cap="flat" w="12700">
+                    <a:lnL algn="ctr" cmpd="sng" cap="flat" w="0">
+                      <a:noFill/>
+                      <a:prstDash val="solid"/>
+                    </a:lnL>
+                    <a:lnR algn="ctr" cmpd="sng" cap="flat" w="0">
                       <a:noFill/>
                       <a:prstDash val="solid"/>
                     </a:lnR>
@@ -4325,11 +4325,11 @@
                     </a:p>
                   </a:txBody>
                   <a:tcPr anchor="ctr" marB="0" marT="0" marR="0" marL="0">
-                    <a:lnL algn="ctr" cmpd="sng" cap="flat" w="12700">
-                      <a:noFill/>
-                      <a:prstDash val="solid"/>
-                    </a:lnL>
-                    <a:lnR algn="ctr" cmpd="sng" cap="flat" w="12700">
+                    <a:lnL algn="ctr" cmpd="sng" cap="flat" w="0">
+                      <a:noFill/>
+                      <a:prstDash val="solid"/>
+                    </a:lnL>
+                    <a:lnR algn="ctr" cmpd="sng" cap="flat" w="0">
                       <a:noFill/>
                       <a:prstDash val="solid"/>
                     </a:lnR>
@@ -4380,11 +4380,11 @@
                     </a:p>
                   </a:txBody>
                   <a:tcPr anchor="ctr" marB="0" marT="0" marR="0" marL="0">
-                    <a:lnL algn="ctr" cmpd="sng" cap="flat" w="12700">
-                      <a:noFill/>
-                      <a:prstDash val="solid"/>
-                    </a:lnL>
-                    <a:lnR algn="ctr" cmpd="sng" cap="flat" w="12700">
+                    <a:lnL algn="ctr" cmpd="sng" cap="flat" w="0">
+                      <a:noFill/>
+                      <a:prstDash val="solid"/>
+                    </a:lnL>
+                    <a:lnR algn="ctr" cmpd="sng" cap="flat" w="0">
                       <a:noFill/>
                       <a:prstDash val="solid"/>
                     </a:lnR>
@@ -4435,11 +4435,11 @@
                     </a:p>
                   </a:txBody>
                   <a:tcPr anchor="ctr" marB="0" marT="0" marR="0" marL="0">
-                    <a:lnL algn="ctr" cmpd="sng" cap="flat" w="12700">
-                      <a:noFill/>
-                      <a:prstDash val="solid"/>
-                    </a:lnL>
-                    <a:lnR algn="ctr" cmpd="sng" cap="flat" w="12700">
+                    <a:lnL algn="ctr" cmpd="sng" cap="flat" w="0">
+                      <a:noFill/>
+                      <a:prstDash val="solid"/>
+                    </a:lnL>
+                    <a:lnR algn="ctr" cmpd="sng" cap="flat" w="0">
                       <a:noFill/>
                       <a:prstDash val="solid"/>
                     </a:lnR>
@@ -4490,11 +4490,11 @@
                     </a:p>
                   </a:txBody>
                   <a:tcPr anchor="ctr" marB="0" marT="0" marR="0" marL="0">
-                    <a:lnL algn="ctr" cmpd="sng" cap="flat" w="12700">
-                      <a:noFill/>
-                      <a:prstDash val="solid"/>
-                    </a:lnL>
-                    <a:lnR algn="ctr" cmpd="sng" cap="flat" w="12700">
+                    <a:lnL algn="ctr" cmpd="sng" cap="flat" w="0">
+                      <a:noFill/>
+                      <a:prstDash val="solid"/>
+                    </a:lnL>
+                    <a:lnR algn="ctr" cmpd="sng" cap="flat" w="0">
                       <a:noFill/>
                       <a:prstDash val="solid"/>
                     </a:lnR>
@@ -4545,11 +4545,11 @@
                     </a:p>
                   </a:txBody>
                   <a:tcPr anchor="ctr" marB="0" marT="0" marR="0" marL="0">
-                    <a:lnL algn="ctr" cmpd="sng" cap="flat" w="12700">
-                      <a:noFill/>
-                      <a:prstDash val="solid"/>
-                    </a:lnL>
-                    <a:lnR algn="ctr" cmpd="sng" cap="flat" w="12700">
+                    <a:lnL algn="ctr" cmpd="sng" cap="flat" w="0">
+                      <a:noFill/>
+                      <a:prstDash val="solid"/>
+                    </a:lnL>
+                    <a:lnR algn="ctr" cmpd="sng" cap="flat" w="0">
                       <a:noFill/>
                       <a:prstDash val="solid"/>
                     </a:lnR>
@@ -4600,11 +4600,11 @@
                     </a:p>
                   </a:txBody>
                   <a:tcPr anchor="ctr" marB="0" marT="0" marR="0" marL="0">
-                    <a:lnL algn="ctr" cmpd="sng" cap="flat" w="12700">
-                      <a:noFill/>
-                      <a:prstDash val="solid"/>
-                    </a:lnL>
-                    <a:lnR algn="ctr" cmpd="sng" cap="flat" w="12700">
+                    <a:lnL algn="ctr" cmpd="sng" cap="flat" w="0">
+                      <a:noFill/>
+                      <a:prstDash val="solid"/>
+                    </a:lnL>
+                    <a:lnR algn="ctr" cmpd="sng" cap="flat" w="0">
                       <a:noFill/>
                       <a:prstDash val="solid"/>
                     </a:lnR>
@@ -4657,11 +4657,11 @@
                     </a:p>
                   </a:txBody>
                   <a:tcPr anchor="ctr" marB="0" marT="0" marR="0" marL="0">
-                    <a:lnL algn="ctr" cmpd="sng" cap="flat" w="12700">
-                      <a:noFill/>
-                      <a:prstDash val="solid"/>
-                    </a:lnL>
-                    <a:lnR algn="ctr" cmpd="sng" cap="flat" w="12700">
+                    <a:lnL algn="ctr" cmpd="sng" cap="flat" w="0">
+                      <a:noFill/>
+                      <a:prstDash val="solid"/>
+                    </a:lnL>
+                    <a:lnR algn="ctr" cmpd="sng" cap="flat" w="0">
                       <a:noFill/>
                       <a:prstDash val="solid"/>
                     </a:lnR>
@@ -4712,11 +4712,11 @@
                     </a:p>
                   </a:txBody>
                   <a:tcPr anchor="ctr" marB="0" marT="0" marR="0" marL="0">
-                    <a:lnL algn="ctr" cmpd="sng" cap="flat" w="12700">
-                      <a:noFill/>
-                      <a:prstDash val="solid"/>
-                    </a:lnL>
-                    <a:lnR algn="ctr" cmpd="sng" cap="flat" w="12700">
+                    <a:lnL algn="ctr" cmpd="sng" cap="flat" w="0">
+                      <a:noFill/>
+                      <a:prstDash val="solid"/>
+                    </a:lnL>
+                    <a:lnR algn="ctr" cmpd="sng" cap="flat" w="0">
                       <a:noFill/>
                       <a:prstDash val="solid"/>
                     </a:lnR>
@@ -4767,11 +4767,11 @@
                     </a:p>
                   </a:txBody>
                   <a:tcPr anchor="ctr" marB="0" marT="0" marR="0" marL="0">
-                    <a:lnL algn="ctr" cmpd="sng" cap="flat" w="12700">
-                      <a:noFill/>
-                      <a:prstDash val="solid"/>
-                    </a:lnL>
-                    <a:lnR algn="ctr" cmpd="sng" cap="flat" w="12700">
+                    <a:lnL algn="ctr" cmpd="sng" cap="flat" w="0">
+                      <a:noFill/>
+                      <a:prstDash val="solid"/>
+                    </a:lnL>
+                    <a:lnR algn="ctr" cmpd="sng" cap="flat" w="0">
                       <a:noFill/>
                       <a:prstDash val="solid"/>
                     </a:lnR>
@@ -4822,11 +4822,11 @@
                     </a:p>
                   </a:txBody>
                   <a:tcPr anchor="ctr" marB="0" marT="0" marR="0" marL="0">
-                    <a:lnL algn="ctr" cmpd="sng" cap="flat" w="12700">
-                      <a:noFill/>
-                      <a:prstDash val="solid"/>
-                    </a:lnL>
-                    <a:lnR algn="ctr" cmpd="sng" cap="flat" w="12700">
+                    <a:lnL algn="ctr" cmpd="sng" cap="flat" w="0">
+                      <a:noFill/>
+                      <a:prstDash val="solid"/>
+                    </a:lnL>
+                    <a:lnR algn="ctr" cmpd="sng" cap="flat" w="0">
                       <a:noFill/>
                       <a:prstDash val="solid"/>
                     </a:lnR>
@@ -4877,11 +4877,11 @@
                     </a:p>
                   </a:txBody>
                   <a:tcPr anchor="ctr" marB="0" marT="0" marR="0" marL="0">
-                    <a:lnL algn="ctr" cmpd="sng" cap="flat" w="12700">
-                      <a:noFill/>
-                      <a:prstDash val="solid"/>
-                    </a:lnL>
-                    <a:lnR algn="ctr" cmpd="sng" cap="flat" w="12700">
+                    <a:lnL algn="ctr" cmpd="sng" cap="flat" w="0">
+                      <a:noFill/>
+                      <a:prstDash val="solid"/>
+                    </a:lnL>
+                    <a:lnR algn="ctr" cmpd="sng" cap="flat" w="0">
                       <a:noFill/>
                       <a:prstDash val="solid"/>
                     </a:lnR>
@@ -4932,11 +4932,11 @@
                     </a:p>
                   </a:txBody>
                   <a:tcPr anchor="ctr" marB="0" marT="0" marR="0" marL="0">
-                    <a:lnL algn="ctr" cmpd="sng" cap="flat" w="12700">
-                      <a:noFill/>
-                      <a:prstDash val="solid"/>
-                    </a:lnL>
-                    <a:lnR algn="ctr" cmpd="sng" cap="flat" w="12700">
+                    <a:lnL algn="ctr" cmpd="sng" cap="flat" w="0">
+                      <a:noFill/>
+                      <a:prstDash val="solid"/>
+                    </a:lnL>
+                    <a:lnR algn="ctr" cmpd="sng" cap="flat" w="0">
                       <a:noFill/>
                       <a:prstDash val="solid"/>
                     </a:lnR>
@@ -4987,11 +4987,11 @@
                     </a:p>
                   </a:txBody>
                   <a:tcPr anchor="ctr" marB="0" marT="0" marR="0" marL="0">
-                    <a:lnL algn="ctr" cmpd="sng" cap="flat" w="12700">
-                      <a:noFill/>
-                      <a:prstDash val="solid"/>
-                    </a:lnL>
-                    <a:lnR algn="ctr" cmpd="sng" cap="flat" w="12700">
+                    <a:lnL algn="ctr" cmpd="sng" cap="flat" w="0">
+                      <a:noFill/>
+                      <a:prstDash val="solid"/>
+                    </a:lnL>
+                    <a:lnR algn="ctr" cmpd="sng" cap="flat" w="0">
                       <a:noFill/>
                       <a:prstDash val="solid"/>
                     </a:lnR>
@@ -5042,11 +5042,11 @@
                     </a:p>
                   </a:txBody>
                   <a:tcPr anchor="ctr" marB="0" marT="0" marR="0" marL="0">
-                    <a:lnL algn="ctr" cmpd="sng" cap="flat" w="12700">
-                      <a:noFill/>
-                      <a:prstDash val="solid"/>
-                    </a:lnL>
-                    <a:lnR algn="ctr" cmpd="sng" cap="flat" w="12700">
+                    <a:lnL algn="ctr" cmpd="sng" cap="flat" w="0">
+                      <a:noFill/>
+                      <a:prstDash val="solid"/>
+                    </a:lnL>
+                    <a:lnR algn="ctr" cmpd="sng" cap="flat" w="0">
                       <a:noFill/>
                       <a:prstDash val="solid"/>
                     </a:lnR>
@@ -5097,11 +5097,11 @@
                     </a:p>
                   </a:txBody>
                   <a:tcPr anchor="ctr" marB="0" marT="0" marR="0" marL="0">
-                    <a:lnL algn="ctr" cmpd="sng" cap="flat" w="12700">
-                      <a:noFill/>
-                      <a:prstDash val="solid"/>
-                    </a:lnL>
-                    <a:lnR algn="ctr" cmpd="sng" cap="flat" w="12700">
+                    <a:lnL algn="ctr" cmpd="sng" cap="flat" w="0">
+                      <a:noFill/>
+                      <a:prstDash val="solid"/>
+                    </a:lnL>
+                    <a:lnR algn="ctr" cmpd="sng" cap="flat" w="0">
                       <a:noFill/>
                       <a:prstDash val="solid"/>
                     </a:lnR>
@@ -5152,11 +5152,11 @@
                     </a:p>
                   </a:txBody>
                   <a:tcPr anchor="ctr" marB="0" marT="0" marR="0" marL="0">
-                    <a:lnL algn="ctr" cmpd="sng" cap="flat" w="12700">
-                      <a:noFill/>
-                      <a:prstDash val="solid"/>
-                    </a:lnL>
-                    <a:lnR algn="ctr" cmpd="sng" cap="flat" w="12700">
+                    <a:lnL algn="ctr" cmpd="sng" cap="flat" w="0">
+                      <a:noFill/>
+                      <a:prstDash val="solid"/>
+                    </a:lnL>
+                    <a:lnR algn="ctr" cmpd="sng" cap="flat" w="0">
                       <a:noFill/>
                       <a:prstDash val="solid"/>
                     </a:lnR>
@@ -5207,11 +5207,11 @@
                     </a:p>
                   </a:txBody>
                   <a:tcPr anchor="ctr" marB="0" marT="0" marR="0" marL="0">
-                    <a:lnL algn="ctr" cmpd="sng" cap="flat" w="12700">
-                      <a:noFill/>
-                      <a:prstDash val="solid"/>
-                    </a:lnL>
-                    <a:lnR algn="ctr" cmpd="sng" cap="flat" w="12700">
+                    <a:lnL algn="ctr" cmpd="sng" cap="flat" w="0">
+                      <a:noFill/>
+                      <a:prstDash val="solid"/>
+                    </a:lnL>
+                    <a:lnR algn="ctr" cmpd="sng" cap="flat" w="0">
                       <a:noFill/>
                       <a:prstDash val="solid"/>
                     </a:lnR>
@@ -5264,11 +5264,11 @@
                     </a:p>
                   </a:txBody>
                   <a:tcPr anchor="ctr" marB="0" marT="0" marR="0" marL="0">
-                    <a:lnL algn="ctr" cmpd="sng" cap="flat" w="12700">
-                      <a:noFill/>
-                      <a:prstDash val="solid"/>
-                    </a:lnL>
-                    <a:lnR algn="ctr" cmpd="sng" cap="flat" w="12700">
+                    <a:lnL algn="ctr" cmpd="sng" cap="flat" w="0">
+                      <a:noFill/>
+                      <a:prstDash val="solid"/>
+                    </a:lnL>
+                    <a:lnR algn="ctr" cmpd="sng" cap="flat" w="0">
                       <a:noFill/>
                       <a:prstDash val="solid"/>
                     </a:lnR>
@@ -5319,11 +5319,11 @@
                     </a:p>
                   </a:txBody>
                   <a:tcPr anchor="ctr" marB="0" marT="0" marR="0" marL="0">
-                    <a:lnL algn="ctr" cmpd="sng" cap="flat" w="12700">
-                      <a:noFill/>
-                      <a:prstDash val="solid"/>
-                    </a:lnL>
-                    <a:lnR algn="ctr" cmpd="sng" cap="flat" w="12700">
+                    <a:lnL algn="ctr" cmpd="sng" cap="flat" w="0">
+                      <a:noFill/>
+                      <a:prstDash val="solid"/>
+                    </a:lnL>
+                    <a:lnR algn="ctr" cmpd="sng" cap="flat" w="0">
                       <a:noFill/>
                       <a:prstDash val="solid"/>
                     </a:lnR>
@@ -5374,11 +5374,11 @@
                     </a:p>
                   </a:txBody>
                   <a:tcPr anchor="ctr" marB="0" marT="0" marR="0" marL="0">
-                    <a:lnL algn="ctr" cmpd="sng" cap="flat" w="12700">
-                      <a:noFill/>
-                      <a:prstDash val="solid"/>
-                    </a:lnL>
-                    <a:lnR algn="ctr" cmpd="sng" cap="flat" w="12700">
+                    <a:lnL algn="ctr" cmpd="sng" cap="flat" w="0">
+                      <a:noFill/>
+                      <a:prstDash val="solid"/>
+                    </a:lnL>
+                    <a:lnR algn="ctr" cmpd="sng" cap="flat" w="0">
                       <a:noFill/>
                       <a:prstDash val="solid"/>
                     </a:lnR>
@@ -5429,11 +5429,11 @@
                     </a:p>
                   </a:txBody>
                   <a:tcPr anchor="ctr" marB="0" marT="0" marR="0" marL="0">
-                    <a:lnL algn="ctr" cmpd="sng" cap="flat" w="12700">
-                      <a:noFill/>
-                      <a:prstDash val="solid"/>
-                    </a:lnL>
-                    <a:lnR algn="ctr" cmpd="sng" cap="flat" w="12700">
+                    <a:lnL algn="ctr" cmpd="sng" cap="flat" w="0">
+                      <a:noFill/>
+                      <a:prstDash val="solid"/>
+                    </a:lnL>
+                    <a:lnR algn="ctr" cmpd="sng" cap="flat" w="0">
                       <a:noFill/>
                       <a:prstDash val="solid"/>
                     </a:lnR>
@@ -5484,11 +5484,11 @@
                     </a:p>
                   </a:txBody>
                   <a:tcPr anchor="ctr" marB="0" marT="0" marR="0" marL="0">
-                    <a:lnL algn="ctr" cmpd="sng" cap="flat" w="12700">
-                      <a:noFill/>
-                      <a:prstDash val="solid"/>
-                    </a:lnL>
-                    <a:lnR algn="ctr" cmpd="sng" cap="flat" w="12700">
+                    <a:lnL algn="ctr" cmpd="sng" cap="flat" w="0">
+                      <a:noFill/>
+                      <a:prstDash val="solid"/>
+                    </a:lnL>
+                    <a:lnR algn="ctr" cmpd="sng" cap="flat" w="0">
                       <a:noFill/>
                       <a:prstDash val="solid"/>
                     </a:lnR>
@@ -5539,11 +5539,11 @@
                     </a:p>
                   </a:txBody>
                   <a:tcPr anchor="ctr" marB="0" marT="0" marR="0" marL="0">
-                    <a:lnL algn="ctr" cmpd="sng" cap="flat" w="12700">
-                      <a:noFill/>
-                      <a:prstDash val="solid"/>
-                    </a:lnL>
-                    <a:lnR algn="ctr" cmpd="sng" cap="flat" w="12700">
+                    <a:lnL algn="ctr" cmpd="sng" cap="flat" w="0">
+                      <a:noFill/>
+                      <a:prstDash val="solid"/>
+                    </a:lnL>
+                    <a:lnR algn="ctr" cmpd="sng" cap="flat" w="0">
                       <a:noFill/>
                       <a:prstDash val="solid"/>
                     </a:lnR>
@@ -5594,11 +5594,11 @@
                     </a:p>
                   </a:txBody>
                   <a:tcPr anchor="ctr" marB="0" marT="0" marR="0" marL="0">
-                    <a:lnL algn="ctr" cmpd="sng" cap="flat" w="12700">
-                      <a:noFill/>
-                      <a:prstDash val="solid"/>
-                    </a:lnL>
-                    <a:lnR algn="ctr" cmpd="sng" cap="flat" w="12700">
+                    <a:lnL algn="ctr" cmpd="sng" cap="flat" w="0">
+                      <a:noFill/>
+                      <a:prstDash val="solid"/>
+                    </a:lnL>
+                    <a:lnR algn="ctr" cmpd="sng" cap="flat" w="0">
                       <a:noFill/>
                       <a:prstDash val="solid"/>
                     </a:lnR>
@@ -5649,11 +5649,11 @@
                     </a:p>
                   </a:txBody>
                   <a:tcPr anchor="ctr" marB="0" marT="0" marR="0" marL="0">
-                    <a:lnL algn="ctr" cmpd="sng" cap="flat" w="12700">
-                      <a:noFill/>
-                      <a:prstDash val="solid"/>
-                    </a:lnL>
-                    <a:lnR algn="ctr" cmpd="sng" cap="flat" w="12700">
+                    <a:lnL algn="ctr" cmpd="sng" cap="flat" w="0">
+                      <a:noFill/>
+                      <a:prstDash val="solid"/>
+                    </a:lnL>
+                    <a:lnR algn="ctr" cmpd="sng" cap="flat" w="0">
                       <a:noFill/>
                       <a:prstDash val="solid"/>
                     </a:lnR>
@@ -5704,11 +5704,11 @@
                     </a:p>
                   </a:txBody>
                   <a:tcPr anchor="ctr" marB="0" marT="0" marR="0" marL="0">
-                    <a:lnL algn="ctr" cmpd="sng" cap="flat" w="12700">
-                      <a:noFill/>
-                      <a:prstDash val="solid"/>
-                    </a:lnL>
-                    <a:lnR algn="ctr" cmpd="sng" cap="flat" w="12700">
+                    <a:lnL algn="ctr" cmpd="sng" cap="flat" w="0">
+                      <a:noFill/>
+                      <a:prstDash val="solid"/>
+                    </a:lnL>
+                    <a:lnR algn="ctr" cmpd="sng" cap="flat" w="0">
                       <a:noFill/>
                       <a:prstDash val="solid"/>
                     </a:lnR>
@@ -5759,11 +5759,11 @@
                     </a:p>
                   </a:txBody>
                   <a:tcPr anchor="ctr" marB="0" marT="0" marR="0" marL="0">
-                    <a:lnL algn="ctr" cmpd="sng" cap="flat" w="12700">
-                      <a:noFill/>
-                      <a:prstDash val="solid"/>
-                    </a:lnL>
-                    <a:lnR algn="ctr" cmpd="sng" cap="flat" w="12700">
+                    <a:lnL algn="ctr" cmpd="sng" cap="flat" w="0">
+                      <a:noFill/>
+                      <a:prstDash val="solid"/>
+                    </a:lnL>
+                    <a:lnR algn="ctr" cmpd="sng" cap="flat" w="0">
                       <a:noFill/>
                       <a:prstDash val="solid"/>
                     </a:lnR>
@@ -5814,11 +5814,11 @@
                     </a:p>
                   </a:txBody>
                   <a:tcPr anchor="ctr" marB="0" marT="0" marR="0" marL="0">
-                    <a:lnL algn="ctr" cmpd="sng" cap="flat" w="12700">
-                      <a:noFill/>
-                      <a:prstDash val="solid"/>
-                    </a:lnL>
-                    <a:lnR algn="ctr" cmpd="sng" cap="flat" w="12700">
+                    <a:lnL algn="ctr" cmpd="sng" cap="flat" w="0">
+                      <a:noFill/>
+                      <a:prstDash val="solid"/>
+                    </a:lnL>
+                    <a:lnR algn="ctr" cmpd="sng" cap="flat" w="0">
                       <a:noFill/>
                       <a:prstDash val="solid"/>
                     </a:lnR>
@@ -5871,15 +5871,15 @@
                     </a:p>
                   </a:txBody>
                   <a:tcPr anchor="ctr" marB="0" marT="0" marR="0" marL="0">
-                    <a:lnL algn="ctr" cmpd="sng" cap="flat" w="12700">
-                      <a:noFill/>
-                      <a:prstDash val="solid"/>
-                    </a:lnL>
-                    <a:lnR algn="ctr" cmpd="sng" cap="flat" w="12700">
-                      <a:noFill/>
-                      <a:prstDash val="solid"/>
-                    </a:lnR>
-                    <a:lnT algn="ctr" cmpd="sng" cap="flat" w="12700">
+                    <a:lnL algn="ctr" cmpd="sng" cap="flat" w="0">
+                      <a:noFill/>
+                      <a:prstDash val="solid"/>
+                    </a:lnL>
+                    <a:lnR algn="ctr" cmpd="sng" cap="flat" w="0">
+                      <a:noFill/>
+                      <a:prstDash val="solid"/>
+                    </a:lnR>
+                    <a:lnT algn="ctr" cmpd="sng" cap="flat" w="0">
                       <a:noFill/>
                       <a:prstDash val="solid"/>
                     </a:lnT>
@@ -5922,15 +5922,15 @@
                     </a:p>
                   </a:txBody>
                   <a:tcPr anchor="ctr" marB="0" marT="0" marR="0" marL="0">
-                    <a:lnL algn="ctr" cmpd="sng" cap="flat" w="12700">
-                      <a:noFill/>
-                      <a:prstDash val="solid"/>
-                    </a:lnL>
-                    <a:lnR algn="ctr" cmpd="sng" cap="flat" w="12700">
-                      <a:noFill/>
-                      <a:prstDash val="solid"/>
-                    </a:lnR>
-                    <a:lnT algn="ctr" cmpd="sng" cap="flat" w="12700">
+                    <a:lnL algn="ctr" cmpd="sng" cap="flat" w="0">
+                      <a:noFill/>
+                      <a:prstDash val="solid"/>
+                    </a:lnL>
+                    <a:lnR algn="ctr" cmpd="sng" cap="flat" w="0">
+                      <a:noFill/>
+                      <a:prstDash val="solid"/>
+                    </a:lnR>
+                    <a:lnT algn="ctr" cmpd="sng" cap="flat" w="0">
                       <a:noFill/>
                       <a:prstDash val="solid"/>
                     </a:lnT>
@@ -5973,15 +5973,15 @@
                     </a:p>
                   </a:txBody>
                   <a:tcPr anchor="ctr" marB="0" marT="0" marR="0" marL="0">
-                    <a:lnL algn="ctr" cmpd="sng" cap="flat" w="12700">
-                      <a:noFill/>
-                      <a:prstDash val="solid"/>
-                    </a:lnL>
-                    <a:lnR algn="ctr" cmpd="sng" cap="flat" w="12700">
-                      <a:noFill/>
-                      <a:prstDash val="solid"/>
-                    </a:lnR>
-                    <a:lnT algn="ctr" cmpd="sng" cap="flat" w="12700">
+                    <a:lnL algn="ctr" cmpd="sng" cap="flat" w="0">
+                      <a:noFill/>
+                      <a:prstDash val="solid"/>
+                    </a:lnL>
+                    <a:lnR algn="ctr" cmpd="sng" cap="flat" w="0">
+                      <a:noFill/>
+                      <a:prstDash val="solid"/>
+                    </a:lnR>
+                    <a:lnT algn="ctr" cmpd="sng" cap="flat" w="0">
                       <a:noFill/>
                       <a:prstDash val="solid"/>
                     </a:lnT>
@@ -6024,15 +6024,15 @@
                     </a:p>
                   </a:txBody>
                   <a:tcPr anchor="ctr" marB="0" marT="0" marR="0" marL="0">
-                    <a:lnL algn="ctr" cmpd="sng" cap="flat" w="12700">
-                      <a:noFill/>
-                      <a:prstDash val="solid"/>
-                    </a:lnL>
-                    <a:lnR algn="ctr" cmpd="sng" cap="flat" w="12700">
-                      <a:noFill/>
-                      <a:prstDash val="solid"/>
-                    </a:lnR>
-                    <a:lnT algn="ctr" cmpd="sng" cap="flat" w="12700">
+                    <a:lnL algn="ctr" cmpd="sng" cap="flat" w="0">
+                      <a:noFill/>
+                      <a:prstDash val="solid"/>
+                    </a:lnL>
+                    <a:lnR algn="ctr" cmpd="sng" cap="flat" w="0">
+                      <a:noFill/>
+                      <a:prstDash val="solid"/>
+                    </a:lnR>
+                    <a:lnT algn="ctr" cmpd="sng" cap="flat" w="0">
                       <a:noFill/>
                       <a:prstDash val="solid"/>
                     </a:lnT>
@@ -6075,15 +6075,15 @@
                     </a:p>
                   </a:txBody>
                   <a:tcPr anchor="ctr" marB="0" marT="0" marR="0" marL="0">
-                    <a:lnL algn="ctr" cmpd="sng" cap="flat" w="12700">
-                      <a:noFill/>
-                      <a:prstDash val="solid"/>
-                    </a:lnL>
-                    <a:lnR algn="ctr" cmpd="sng" cap="flat" w="12700">
-                      <a:noFill/>
-                      <a:prstDash val="solid"/>
-                    </a:lnR>
-                    <a:lnT algn="ctr" cmpd="sng" cap="flat" w="12700">
+                    <a:lnL algn="ctr" cmpd="sng" cap="flat" w="0">
+                      <a:noFill/>
+                      <a:prstDash val="solid"/>
+                    </a:lnL>
+                    <a:lnR algn="ctr" cmpd="sng" cap="flat" w="0">
+                      <a:noFill/>
+                      <a:prstDash val="solid"/>
+                    </a:lnR>
+                    <a:lnT algn="ctr" cmpd="sng" cap="flat" w="0">
                       <a:noFill/>
                       <a:prstDash val="solid"/>
                     </a:lnT>
@@ -6126,15 +6126,15 @@
                     </a:p>
                   </a:txBody>
                   <a:tcPr anchor="ctr" marB="0" marT="0" marR="0" marL="0">
-                    <a:lnL algn="ctr" cmpd="sng" cap="flat" w="12700">
-                      <a:noFill/>
-                      <a:prstDash val="solid"/>
-                    </a:lnL>
-                    <a:lnR algn="ctr" cmpd="sng" cap="flat" w="12700">
-                      <a:noFill/>
-                      <a:prstDash val="solid"/>
-                    </a:lnR>
-                    <a:lnT algn="ctr" cmpd="sng" cap="flat" w="12700">
+                    <a:lnL algn="ctr" cmpd="sng" cap="flat" w="0">
+                      <a:noFill/>
+                      <a:prstDash val="solid"/>
+                    </a:lnL>
+                    <a:lnR algn="ctr" cmpd="sng" cap="flat" w="0">
+                      <a:noFill/>
+                      <a:prstDash val="solid"/>
+                    </a:lnR>
+                    <a:lnT algn="ctr" cmpd="sng" cap="flat" w="0">
                       <a:noFill/>
                       <a:prstDash val="solid"/>
                     </a:lnT>
@@ -6177,15 +6177,15 @@
                     </a:p>
                   </a:txBody>
                   <a:tcPr anchor="ctr" marB="0" marT="0" marR="0" marL="0">
-                    <a:lnL algn="ctr" cmpd="sng" cap="flat" w="12700">
-                      <a:noFill/>
-                      <a:prstDash val="solid"/>
-                    </a:lnL>
-                    <a:lnR algn="ctr" cmpd="sng" cap="flat" w="12700">
-                      <a:noFill/>
-                      <a:prstDash val="solid"/>
-                    </a:lnR>
-                    <a:lnT algn="ctr" cmpd="sng" cap="flat" w="12700">
+                    <a:lnL algn="ctr" cmpd="sng" cap="flat" w="0">
+                      <a:noFill/>
+                      <a:prstDash val="solid"/>
+                    </a:lnL>
+                    <a:lnR algn="ctr" cmpd="sng" cap="flat" w="0">
+                      <a:noFill/>
+                      <a:prstDash val="solid"/>
+                    </a:lnR>
+                    <a:lnT algn="ctr" cmpd="sng" cap="flat" w="0">
                       <a:noFill/>
                       <a:prstDash val="solid"/>
                     </a:lnT>
@@ -6228,15 +6228,15 @@
                     </a:p>
                   </a:txBody>
                   <a:tcPr anchor="ctr" marB="0" marT="0" marR="0" marL="0">
-                    <a:lnL algn="ctr" cmpd="sng" cap="flat" w="12700">
-                      <a:noFill/>
-                      <a:prstDash val="solid"/>
-                    </a:lnL>
-                    <a:lnR algn="ctr" cmpd="sng" cap="flat" w="12700">
-                      <a:noFill/>
-                      <a:prstDash val="solid"/>
-                    </a:lnR>
-                    <a:lnT algn="ctr" cmpd="sng" cap="flat" w="12700">
+                    <a:lnL algn="ctr" cmpd="sng" cap="flat" w="0">
+                      <a:noFill/>
+                      <a:prstDash val="solid"/>
+                    </a:lnL>
+                    <a:lnR algn="ctr" cmpd="sng" cap="flat" w="0">
+                      <a:noFill/>
+                      <a:prstDash val="solid"/>
+                    </a:lnR>
+                    <a:lnT algn="ctr" cmpd="sng" cap="flat" w="0">
                       <a:noFill/>
                       <a:prstDash val="solid"/>
                     </a:lnT>
@@ -6279,15 +6279,15 @@
                     </a:p>
                   </a:txBody>
                   <a:tcPr anchor="ctr" marB="0" marT="0" marR="0" marL="0">
-                    <a:lnL algn="ctr" cmpd="sng" cap="flat" w="12700">
-                      <a:noFill/>
-                      <a:prstDash val="solid"/>
-                    </a:lnL>
-                    <a:lnR algn="ctr" cmpd="sng" cap="flat" w="12700">
-                      <a:noFill/>
-                      <a:prstDash val="solid"/>
-                    </a:lnR>
-                    <a:lnT algn="ctr" cmpd="sng" cap="flat" w="12700">
+                    <a:lnL algn="ctr" cmpd="sng" cap="flat" w="0">
+                      <a:noFill/>
+                      <a:prstDash val="solid"/>
+                    </a:lnL>
+                    <a:lnR algn="ctr" cmpd="sng" cap="flat" w="0">
+                      <a:noFill/>
+                      <a:prstDash val="solid"/>
+                    </a:lnR>
+                    <a:lnT algn="ctr" cmpd="sng" cap="flat" w="0">
                       <a:noFill/>
                       <a:prstDash val="solid"/>
                     </a:lnT>
@@ -6330,15 +6330,15 @@
                     </a:p>
                   </a:txBody>
                   <a:tcPr anchor="ctr" marB="0" marT="0" marR="0" marL="0">
-                    <a:lnL algn="ctr" cmpd="sng" cap="flat" w="12700">
-                      <a:noFill/>
-                      <a:prstDash val="solid"/>
-                    </a:lnL>
-                    <a:lnR algn="ctr" cmpd="sng" cap="flat" w="12700">
-                      <a:noFill/>
-                      <a:prstDash val="solid"/>
-                    </a:lnR>
-                    <a:lnT algn="ctr" cmpd="sng" cap="flat" w="12700">
+                    <a:lnL algn="ctr" cmpd="sng" cap="flat" w="0">
+                      <a:noFill/>
+                      <a:prstDash val="solid"/>
+                    </a:lnL>
+                    <a:lnR algn="ctr" cmpd="sng" cap="flat" w="0">
+                      <a:noFill/>
+                      <a:prstDash val="solid"/>
+                    </a:lnR>
+                    <a:lnT algn="ctr" cmpd="sng" cap="flat" w="0">
                       <a:noFill/>
                       <a:prstDash val="solid"/>
                     </a:lnT>
@@ -6381,15 +6381,15 @@
                     </a:p>
                   </a:txBody>
                   <a:tcPr anchor="ctr" marB="0" marT="0" marR="0" marL="0">
-                    <a:lnL algn="ctr" cmpd="sng" cap="flat" w="12700">
-                      <a:noFill/>
-                      <a:prstDash val="solid"/>
-                    </a:lnL>
-                    <a:lnR algn="ctr" cmpd="sng" cap="flat" w="12700">
-                      <a:noFill/>
-                      <a:prstDash val="solid"/>
-                    </a:lnR>
-                    <a:lnT algn="ctr" cmpd="sng" cap="flat" w="12700">
+                    <a:lnL algn="ctr" cmpd="sng" cap="flat" w="0">
+                      <a:noFill/>
+                      <a:prstDash val="solid"/>
+                    </a:lnL>
+                    <a:lnR algn="ctr" cmpd="sng" cap="flat" w="0">
+                      <a:noFill/>
+                      <a:prstDash val="solid"/>
+                    </a:lnR>
+                    <a:lnT algn="ctr" cmpd="sng" cap="flat" w="0">
                       <a:noFill/>
                       <a:prstDash val="solid"/>
                     </a:lnT>

--- a/docs/articles/assets/pptx/example.pptx
+++ b/docs/articles/assets/pptx/example.pptx
@@ -2231,25 +2231,25 @@
             <a:tbl>
               <a:tblPr/>
               <a:tblGrid>
-                <a:gridCol w="547615"/>
-                <a:gridCol w="476983"/>
-                <a:gridCol w="618246"/>
-                <a:gridCol w="618246"/>
-                <a:gridCol w="476983"/>
-                <a:gridCol w="476983"/>
-                <a:gridCol w="547615"/>
-                <a:gridCol w="476983"/>
-                <a:gridCol w="476983"/>
-                <a:gridCol w="476983"/>
-                <a:gridCol w="476983"/>
+                <a:gridCol w="696790"/>
+                <a:gridCol w="617390"/>
+                <a:gridCol w="776190"/>
+                <a:gridCol w="776190"/>
+                <a:gridCol w="617390"/>
+                <a:gridCol w="617390"/>
+                <a:gridCol w="696790"/>
+                <a:gridCol w="617390"/>
+                <a:gridCol w="617390"/>
+                <a:gridCol w="617390"/>
+                <a:gridCol w="617390"/>
               </a:tblGrid>
-              <a:tr h="276810">
+              <a:tr h="293757">
                 <a:tc>
                   <a:txBody>
                     <a:bodyPr/>
                     <a:lstStyle/>
                     <a:p>
-                      <a:pPr algn="r" marL="25400" marR="25400">
+                      <a:pPr algn="r" marL="63500" marR="63500">
                         <a:spcBef>
                           <a:spcPts val="200"/>
                         </a:spcBef>
@@ -2259,9 +2259,14 @@
                         <a:buNone/>
                       </a:pPr>
                       <a:r>
-                        <a:rPr sz="1000">
-                          <a:latin typeface="Arial"/>
-                          <a:cs typeface="Arial"/>
+                        <a:rPr sz="1100">
+                          <a:solidFill>
+                            <a:srgbClr val="111111">
+                              <a:alpha val="100000"/>
+                            </a:srgbClr>
+                          </a:solidFill>
+                          <a:latin typeface="Roboto"/>
+                          <a:cs typeface="Roboto"/>
                           <a:highlight>
                             <a:srgbClr val="FFFFFF">
                               <a:alpha val="0"/>
@@ -2305,11 +2310,6 @@
                       </a:solidFill>
                       <a:prstDash val="solid"/>
                     </a:lnB>
-                    <a:solidFill>
-                      <a:srgbClr val="FFFFFF">
-                        <a:alpha val="0"/>
-                      </a:srgbClr>
-                    </a:solidFill>
                   </a:tcPr>
                 </a:tc>
                 <a:tc>
@@ -2317,7 +2317,7 @@
                     <a:bodyPr/>
                     <a:lstStyle/>
                     <a:p>
-                      <a:pPr algn="r" marL="25400" marR="25400">
+                      <a:pPr algn="r" marL="63500" marR="63500">
                         <a:spcBef>
                           <a:spcPts val="200"/>
                         </a:spcBef>
@@ -2327,9 +2327,14 @@
                         <a:buNone/>
                       </a:pPr>
                       <a:r>
-                        <a:rPr sz="1000">
-                          <a:latin typeface="Arial"/>
-                          <a:cs typeface="Arial"/>
+                        <a:rPr sz="1100">
+                          <a:solidFill>
+                            <a:srgbClr val="111111">
+                              <a:alpha val="100000"/>
+                            </a:srgbClr>
+                          </a:solidFill>
+                          <a:latin typeface="Roboto"/>
+                          <a:cs typeface="Roboto"/>
                           <a:highlight>
                             <a:srgbClr val="FFFFFF">
                               <a:alpha val="0"/>
@@ -2373,11 +2378,6 @@
                       </a:solidFill>
                       <a:prstDash val="solid"/>
                     </a:lnB>
-                    <a:solidFill>
-                      <a:srgbClr val="FFFFFF">
-                        <a:alpha val="0"/>
-                      </a:srgbClr>
-                    </a:solidFill>
                   </a:tcPr>
                 </a:tc>
                 <a:tc>
@@ -2385,7 +2385,7 @@
                     <a:bodyPr/>
                     <a:lstStyle/>
                     <a:p>
-                      <a:pPr algn="r" marL="25400" marR="25400">
+                      <a:pPr algn="r" marL="63500" marR="63500">
                         <a:spcBef>
                           <a:spcPts val="200"/>
                         </a:spcBef>
@@ -2395,9 +2395,14 @@
                         <a:buNone/>
                       </a:pPr>
                       <a:r>
-                        <a:rPr sz="1000">
-                          <a:latin typeface="Arial"/>
-                          <a:cs typeface="Arial"/>
+                        <a:rPr sz="1100">
+                          <a:solidFill>
+                            <a:srgbClr val="111111">
+                              <a:alpha val="100000"/>
+                            </a:srgbClr>
+                          </a:solidFill>
+                          <a:latin typeface="Roboto"/>
+                          <a:cs typeface="Roboto"/>
                           <a:highlight>
                             <a:srgbClr val="FFFFFF">
                               <a:alpha val="0"/>
@@ -2441,11 +2446,6 @@
                       </a:solidFill>
                       <a:prstDash val="solid"/>
                     </a:lnB>
-                    <a:solidFill>
-                      <a:srgbClr val="FFFFFF">
-                        <a:alpha val="0"/>
-                      </a:srgbClr>
-                    </a:solidFill>
                   </a:tcPr>
                 </a:tc>
                 <a:tc>
@@ -2453,7 +2453,7 @@
                     <a:bodyPr/>
                     <a:lstStyle/>
                     <a:p>
-                      <a:pPr algn="r" marL="25400" marR="25400">
+                      <a:pPr algn="r" marL="63500" marR="63500">
                         <a:spcBef>
                           <a:spcPts val="200"/>
                         </a:spcBef>
@@ -2463,9 +2463,14 @@
                         <a:buNone/>
                       </a:pPr>
                       <a:r>
-                        <a:rPr sz="1000">
-                          <a:latin typeface="Arial"/>
-                          <a:cs typeface="Arial"/>
+                        <a:rPr sz="1100">
+                          <a:solidFill>
+                            <a:srgbClr val="111111">
+                              <a:alpha val="100000"/>
+                            </a:srgbClr>
+                          </a:solidFill>
+                          <a:latin typeface="Roboto"/>
+                          <a:cs typeface="Roboto"/>
                           <a:highlight>
                             <a:srgbClr val="FFFFFF">
                               <a:alpha val="0"/>
@@ -2509,11 +2514,6 @@
                       </a:solidFill>
                       <a:prstDash val="solid"/>
                     </a:lnB>
-                    <a:solidFill>
-                      <a:srgbClr val="FFFFFF">
-                        <a:alpha val="0"/>
-                      </a:srgbClr>
-                    </a:solidFill>
                   </a:tcPr>
                 </a:tc>
                 <a:tc>
@@ -2521,7 +2521,7 @@
                     <a:bodyPr/>
                     <a:lstStyle/>
                     <a:p>
-                      <a:pPr algn="r" marL="25400" marR="25400">
+                      <a:pPr algn="r" marL="63500" marR="63500">
                         <a:spcBef>
                           <a:spcPts val="200"/>
                         </a:spcBef>
@@ -2531,9 +2531,14 @@
                         <a:buNone/>
                       </a:pPr>
                       <a:r>
-                        <a:rPr sz="1000">
-                          <a:latin typeface="Arial"/>
-                          <a:cs typeface="Arial"/>
+                        <a:rPr sz="1100">
+                          <a:solidFill>
+                            <a:srgbClr val="111111">
+                              <a:alpha val="100000"/>
+                            </a:srgbClr>
+                          </a:solidFill>
+                          <a:latin typeface="Roboto"/>
+                          <a:cs typeface="Roboto"/>
                           <a:highlight>
                             <a:srgbClr val="FFFFFF">
                               <a:alpha val="0"/>
@@ -2577,11 +2582,6 @@
                       </a:solidFill>
                       <a:prstDash val="solid"/>
                     </a:lnB>
-                    <a:solidFill>
-                      <a:srgbClr val="FFFFFF">
-                        <a:alpha val="0"/>
-                      </a:srgbClr>
-                    </a:solidFill>
                   </a:tcPr>
                 </a:tc>
                 <a:tc>
@@ -2589,7 +2589,7 @@
                     <a:bodyPr/>
                     <a:lstStyle/>
                     <a:p>
-                      <a:pPr algn="r" marL="25400" marR="25400">
+                      <a:pPr algn="r" marL="63500" marR="63500">
                         <a:spcBef>
                           <a:spcPts val="200"/>
                         </a:spcBef>
@@ -2599,9 +2599,14 @@
                         <a:buNone/>
                       </a:pPr>
                       <a:r>
-                        <a:rPr sz="1000">
-                          <a:latin typeface="Arial"/>
-                          <a:cs typeface="Arial"/>
+                        <a:rPr sz="1100">
+                          <a:solidFill>
+                            <a:srgbClr val="111111">
+                              <a:alpha val="100000"/>
+                            </a:srgbClr>
+                          </a:solidFill>
+                          <a:latin typeface="Roboto"/>
+                          <a:cs typeface="Roboto"/>
                           <a:highlight>
                             <a:srgbClr val="FFFFFF">
                               <a:alpha val="0"/>
@@ -2645,11 +2650,6 @@
                       </a:solidFill>
                       <a:prstDash val="solid"/>
                     </a:lnB>
-                    <a:solidFill>
-                      <a:srgbClr val="FFFFFF">
-                        <a:alpha val="0"/>
-                      </a:srgbClr>
-                    </a:solidFill>
                   </a:tcPr>
                 </a:tc>
                 <a:tc>
@@ -2657,7 +2657,7 @@
                     <a:bodyPr/>
                     <a:lstStyle/>
                     <a:p>
-                      <a:pPr algn="r" marL="25400" marR="25400">
+                      <a:pPr algn="r" marL="63500" marR="63500">
                         <a:spcBef>
                           <a:spcPts val="200"/>
                         </a:spcBef>
@@ -2667,9 +2667,14 @@
                         <a:buNone/>
                       </a:pPr>
                       <a:r>
-                        <a:rPr sz="1000">
-                          <a:latin typeface="Arial"/>
-                          <a:cs typeface="Arial"/>
+                        <a:rPr sz="1100">
+                          <a:solidFill>
+                            <a:srgbClr val="111111">
+                              <a:alpha val="100000"/>
+                            </a:srgbClr>
+                          </a:solidFill>
+                          <a:latin typeface="Roboto"/>
+                          <a:cs typeface="Roboto"/>
                           <a:highlight>
                             <a:srgbClr val="FFFFFF">
                               <a:alpha val="0"/>
@@ -2713,11 +2718,6 @@
                       </a:solidFill>
                       <a:prstDash val="solid"/>
                     </a:lnB>
-                    <a:solidFill>
-                      <a:srgbClr val="FFFFFF">
-                        <a:alpha val="0"/>
-                      </a:srgbClr>
-                    </a:solidFill>
                   </a:tcPr>
                 </a:tc>
                 <a:tc>
@@ -2725,7 +2725,7 @@
                     <a:bodyPr/>
                     <a:lstStyle/>
                     <a:p>
-                      <a:pPr algn="r" marL="25400" marR="25400">
+                      <a:pPr algn="r" marL="63500" marR="63500">
                         <a:spcBef>
                           <a:spcPts val="200"/>
                         </a:spcBef>
@@ -2735,9 +2735,14 @@
                         <a:buNone/>
                       </a:pPr>
                       <a:r>
-                        <a:rPr sz="1000">
-                          <a:latin typeface="Arial"/>
-                          <a:cs typeface="Arial"/>
+                        <a:rPr sz="1100">
+                          <a:solidFill>
+                            <a:srgbClr val="111111">
+                              <a:alpha val="100000"/>
+                            </a:srgbClr>
+                          </a:solidFill>
+                          <a:latin typeface="Roboto"/>
+                          <a:cs typeface="Roboto"/>
                           <a:highlight>
                             <a:srgbClr val="FFFFFF">
                               <a:alpha val="0"/>
@@ -2781,11 +2786,6 @@
                       </a:solidFill>
                       <a:prstDash val="solid"/>
                     </a:lnB>
-                    <a:solidFill>
-                      <a:srgbClr val="FFFFFF">
-                        <a:alpha val="0"/>
-                      </a:srgbClr>
-                    </a:solidFill>
                   </a:tcPr>
                 </a:tc>
                 <a:tc>
@@ -2793,7 +2793,7 @@
                     <a:bodyPr/>
                     <a:lstStyle/>
                     <a:p>
-                      <a:pPr algn="r" marL="25400" marR="25400">
+                      <a:pPr algn="r" marL="63500" marR="63500">
                         <a:spcBef>
                           <a:spcPts val="200"/>
                         </a:spcBef>
@@ -2803,9 +2803,14 @@
                         <a:buNone/>
                       </a:pPr>
                       <a:r>
-                        <a:rPr sz="1000">
-                          <a:latin typeface="Arial"/>
-                          <a:cs typeface="Arial"/>
+                        <a:rPr sz="1100">
+                          <a:solidFill>
+                            <a:srgbClr val="111111">
+                              <a:alpha val="100000"/>
+                            </a:srgbClr>
+                          </a:solidFill>
+                          <a:latin typeface="Roboto"/>
+                          <a:cs typeface="Roboto"/>
                           <a:highlight>
                             <a:srgbClr val="FFFFFF">
                               <a:alpha val="0"/>
@@ -2849,11 +2854,6 @@
                       </a:solidFill>
                       <a:prstDash val="solid"/>
                     </a:lnB>
-                    <a:solidFill>
-                      <a:srgbClr val="FFFFFF">
-                        <a:alpha val="0"/>
-                      </a:srgbClr>
-                    </a:solidFill>
                   </a:tcPr>
                 </a:tc>
                 <a:tc>
@@ -2861,7 +2861,7 @@
                     <a:bodyPr/>
                     <a:lstStyle/>
                     <a:p>
-                      <a:pPr algn="r" marL="25400" marR="25400">
+                      <a:pPr algn="r" marL="63500" marR="63500">
                         <a:spcBef>
                           <a:spcPts val="200"/>
                         </a:spcBef>
@@ -2871,9 +2871,14 @@
                         <a:buNone/>
                       </a:pPr>
                       <a:r>
-                        <a:rPr sz="1000">
-                          <a:latin typeface="Arial"/>
-                          <a:cs typeface="Arial"/>
+                        <a:rPr sz="1100">
+                          <a:solidFill>
+                            <a:srgbClr val="111111">
+                              <a:alpha val="100000"/>
+                            </a:srgbClr>
+                          </a:solidFill>
+                          <a:latin typeface="Roboto"/>
+                          <a:cs typeface="Roboto"/>
                           <a:highlight>
                             <a:srgbClr val="FFFFFF">
                               <a:alpha val="0"/>
@@ -2917,11 +2922,6 @@
                       </a:solidFill>
                       <a:prstDash val="solid"/>
                     </a:lnB>
-                    <a:solidFill>
-                      <a:srgbClr val="FFFFFF">
-                        <a:alpha val="0"/>
-                      </a:srgbClr>
-                    </a:solidFill>
                   </a:tcPr>
                 </a:tc>
                 <a:tc>
@@ -2929,7 +2929,7 @@
                     <a:bodyPr/>
                     <a:lstStyle/>
                     <a:p>
-                      <a:pPr algn="r" marL="25400" marR="25400">
+                      <a:pPr algn="r" marL="63500" marR="63500">
                         <a:spcBef>
                           <a:spcPts val="200"/>
                         </a:spcBef>
@@ -2939,9 +2939,14 @@
                         <a:buNone/>
                       </a:pPr>
                       <a:r>
-                        <a:rPr sz="1000">
-                          <a:latin typeface="Arial"/>
-                          <a:cs typeface="Arial"/>
+                        <a:rPr sz="1100">
+                          <a:solidFill>
+                            <a:srgbClr val="111111">
+                              <a:alpha val="100000"/>
+                            </a:srgbClr>
+                          </a:solidFill>
+                          <a:latin typeface="Roboto"/>
+                          <a:cs typeface="Roboto"/>
                           <a:highlight>
                             <a:srgbClr val="FFFFFF">
                               <a:alpha val="0"/>
@@ -2985,21 +2990,16 @@
                       </a:solidFill>
                       <a:prstDash val="solid"/>
                     </a:lnB>
-                    <a:solidFill>
-                      <a:srgbClr val="FFFFFF">
-                        <a:alpha val="0"/>
-                      </a:srgbClr>
-                    </a:solidFill>
                   </a:tcPr>
                 </a:tc>
               </a:tr>
-              <a:tr h="252067">
+              <a:tr h="261220">
                 <a:tc>
                   <a:txBody>
                     <a:bodyPr/>
                     <a:lstStyle/>
                     <a:p>
-                      <a:pPr algn="r" marL="25400" marR="25400">
+                      <a:pPr algn="r" marL="63500" marR="63500">
                         <a:spcBef>
                           <a:spcPts val="200"/>
                         </a:spcBef>
@@ -3009,9 +3009,14 @@
                         <a:buNone/>
                       </a:pPr>
                       <a:r>
-                        <a:rPr sz="1000">
-                          <a:latin typeface="Arial"/>
-                          <a:cs typeface="Arial"/>
+                        <a:rPr sz="1100">
+                          <a:solidFill>
+                            <a:srgbClr val="111111">
+                              <a:alpha val="100000"/>
+                            </a:srgbClr>
+                          </a:solidFill>
+                          <a:latin typeface="Roboto"/>
+                          <a:cs typeface="Roboto"/>
                           <a:highlight>
                             <a:srgbClr val="FFFFFF">
                               <a:alpha val="0"/>
@@ -3047,19 +3052,14 @@
                       </a:solidFill>
                       <a:prstDash val="solid"/>
                     </a:lnT>
-                    <a:lnB w="12700" cmpd="sng" algn="ctr" cap="flat">
-                      <a:solidFill>
-                        <a:srgbClr val="000000">
-                          <a:alpha val="100000"/>
+                    <a:lnB w="0" cmpd="sng" algn="ctr" cap="flat">
+                      <a:solidFill>
+                        <a:srgbClr val="FFFFFF">
+                          <a:alpha val="0"/>
                         </a:srgbClr>
                       </a:solidFill>
                       <a:prstDash val="solid"/>
                     </a:lnB>
-                    <a:solidFill>
-                      <a:srgbClr val="FFFFFF">
-                        <a:alpha val="0"/>
-                      </a:srgbClr>
-                    </a:solidFill>
                   </a:tcPr>
                 </a:tc>
                 <a:tc>
@@ -3067,7 +3067,7 @@
                     <a:bodyPr/>
                     <a:lstStyle/>
                     <a:p>
-                      <a:pPr algn="r" marL="25400" marR="25400">
+                      <a:pPr algn="r" marL="63500" marR="63500">
                         <a:spcBef>
                           <a:spcPts val="200"/>
                         </a:spcBef>
@@ -3077,9 +3077,14 @@
                         <a:buNone/>
                       </a:pPr>
                       <a:r>
-                        <a:rPr sz="1000">
-                          <a:latin typeface="Arial"/>
-                          <a:cs typeface="Arial"/>
+                        <a:rPr sz="1100">
+                          <a:solidFill>
+                            <a:srgbClr val="111111">
+                              <a:alpha val="100000"/>
+                            </a:srgbClr>
+                          </a:solidFill>
+                          <a:latin typeface="Roboto"/>
+                          <a:cs typeface="Roboto"/>
                           <a:highlight>
                             <a:srgbClr val="FFFFFF">
                               <a:alpha val="0"/>
@@ -3115,19 +3120,14 @@
                       </a:solidFill>
                       <a:prstDash val="solid"/>
                     </a:lnT>
-                    <a:lnB w="12700" cmpd="sng" algn="ctr" cap="flat">
-                      <a:solidFill>
-                        <a:srgbClr val="000000">
-                          <a:alpha val="100000"/>
+                    <a:lnB w="0" cmpd="sng" algn="ctr" cap="flat">
+                      <a:solidFill>
+                        <a:srgbClr val="FFFFFF">
+                          <a:alpha val="0"/>
                         </a:srgbClr>
                       </a:solidFill>
                       <a:prstDash val="solid"/>
                     </a:lnB>
-                    <a:solidFill>
-                      <a:srgbClr val="FFFFFF">
-                        <a:alpha val="0"/>
-                      </a:srgbClr>
-                    </a:solidFill>
                   </a:tcPr>
                 </a:tc>
                 <a:tc>
@@ -3135,7 +3135,7 @@
                     <a:bodyPr/>
                     <a:lstStyle/>
                     <a:p>
-                      <a:pPr algn="r" marL="25400" marR="25400">
+                      <a:pPr algn="r" marL="63500" marR="63500">
                         <a:spcBef>
                           <a:spcPts val="200"/>
                         </a:spcBef>
@@ -3145,9 +3145,14 @@
                         <a:buNone/>
                       </a:pPr>
                       <a:r>
-                        <a:rPr sz="1000">
-                          <a:latin typeface="Arial"/>
-                          <a:cs typeface="Arial"/>
+                        <a:rPr sz="1100">
+                          <a:solidFill>
+                            <a:srgbClr val="111111">
+                              <a:alpha val="100000"/>
+                            </a:srgbClr>
+                          </a:solidFill>
+                          <a:latin typeface="Roboto"/>
+                          <a:cs typeface="Roboto"/>
                           <a:highlight>
                             <a:srgbClr val="FFFFFF">
                               <a:alpha val="0"/>
@@ -3183,19 +3188,14 @@
                       </a:solidFill>
                       <a:prstDash val="solid"/>
                     </a:lnT>
-                    <a:lnB w="12700" cmpd="sng" algn="ctr" cap="flat">
-                      <a:solidFill>
-                        <a:srgbClr val="000000">
-                          <a:alpha val="100000"/>
+                    <a:lnB w="0" cmpd="sng" algn="ctr" cap="flat">
+                      <a:solidFill>
+                        <a:srgbClr val="FFFFFF">
+                          <a:alpha val="0"/>
                         </a:srgbClr>
                       </a:solidFill>
                       <a:prstDash val="solid"/>
                     </a:lnB>
-                    <a:solidFill>
-                      <a:srgbClr val="FFFFFF">
-                        <a:alpha val="0"/>
-                      </a:srgbClr>
-                    </a:solidFill>
                   </a:tcPr>
                 </a:tc>
                 <a:tc>
@@ -3203,7 +3203,7 @@
                     <a:bodyPr/>
                     <a:lstStyle/>
                     <a:p>
-                      <a:pPr algn="r" marL="25400" marR="25400">
+                      <a:pPr algn="r" marL="63500" marR="63500">
                         <a:spcBef>
                           <a:spcPts val="200"/>
                         </a:spcBef>
@@ -3213,9 +3213,14 @@
                         <a:buNone/>
                       </a:pPr>
                       <a:r>
-                        <a:rPr sz="1000">
-                          <a:latin typeface="Arial"/>
-                          <a:cs typeface="Arial"/>
+                        <a:rPr sz="1100">
+                          <a:solidFill>
+                            <a:srgbClr val="111111">
+                              <a:alpha val="100000"/>
+                            </a:srgbClr>
+                          </a:solidFill>
+                          <a:latin typeface="Roboto"/>
+                          <a:cs typeface="Roboto"/>
                           <a:highlight>
                             <a:srgbClr val="FFFFFF">
                               <a:alpha val="0"/>
@@ -3251,19 +3256,14 @@
                       </a:solidFill>
                       <a:prstDash val="solid"/>
                     </a:lnT>
-                    <a:lnB w="12700" cmpd="sng" algn="ctr" cap="flat">
-                      <a:solidFill>
-                        <a:srgbClr val="000000">
-                          <a:alpha val="100000"/>
+                    <a:lnB w="0" cmpd="sng" algn="ctr" cap="flat">
+                      <a:solidFill>
+                        <a:srgbClr val="FFFFFF">
+                          <a:alpha val="0"/>
                         </a:srgbClr>
                       </a:solidFill>
                       <a:prstDash val="solid"/>
                     </a:lnB>
-                    <a:solidFill>
-                      <a:srgbClr val="FFFFFF">
-                        <a:alpha val="0"/>
-                      </a:srgbClr>
-                    </a:solidFill>
                   </a:tcPr>
                 </a:tc>
                 <a:tc>
@@ -3271,7 +3271,7 @@
                     <a:bodyPr/>
                     <a:lstStyle/>
                     <a:p>
-                      <a:pPr algn="r" marL="25400" marR="25400">
+                      <a:pPr algn="r" marL="63500" marR="63500">
                         <a:spcBef>
                           <a:spcPts val="200"/>
                         </a:spcBef>
@@ -3281,9 +3281,14 @@
                         <a:buNone/>
                       </a:pPr>
                       <a:r>
-                        <a:rPr sz="1000">
-                          <a:latin typeface="Arial"/>
-                          <a:cs typeface="Arial"/>
+                        <a:rPr sz="1100">
+                          <a:solidFill>
+                            <a:srgbClr val="111111">
+                              <a:alpha val="100000"/>
+                            </a:srgbClr>
+                          </a:solidFill>
+                          <a:latin typeface="Roboto"/>
+                          <a:cs typeface="Roboto"/>
                           <a:highlight>
                             <a:srgbClr val="FFFFFF">
                               <a:alpha val="0"/>
@@ -3319,19 +3324,14 @@
                       </a:solidFill>
                       <a:prstDash val="solid"/>
                     </a:lnT>
-                    <a:lnB w="12700" cmpd="sng" algn="ctr" cap="flat">
-                      <a:solidFill>
-                        <a:srgbClr val="000000">
-                          <a:alpha val="100000"/>
+                    <a:lnB w="0" cmpd="sng" algn="ctr" cap="flat">
+                      <a:solidFill>
+                        <a:srgbClr val="FFFFFF">
+                          <a:alpha val="0"/>
                         </a:srgbClr>
                       </a:solidFill>
                       <a:prstDash val="solid"/>
                     </a:lnB>
-                    <a:solidFill>
-                      <a:srgbClr val="FFFFFF">
-                        <a:alpha val="0"/>
-                      </a:srgbClr>
-                    </a:solidFill>
                   </a:tcPr>
                 </a:tc>
                 <a:tc>
@@ -3339,7 +3339,7 @@
                     <a:bodyPr/>
                     <a:lstStyle/>
                     <a:p>
-                      <a:pPr algn="r" marL="25400" marR="25400">
+                      <a:pPr algn="r" marL="63500" marR="63500">
                         <a:spcBef>
                           <a:spcPts val="200"/>
                         </a:spcBef>
@@ -3349,9 +3349,14 @@
                         <a:buNone/>
                       </a:pPr>
                       <a:r>
-                        <a:rPr sz="1000">
-                          <a:latin typeface="Arial"/>
-                          <a:cs typeface="Arial"/>
+                        <a:rPr sz="1100">
+                          <a:solidFill>
+                            <a:srgbClr val="111111">
+                              <a:alpha val="100000"/>
+                            </a:srgbClr>
+                          </a:solidFill>
+                          <a:latin typeface="Roboto"/>
+                          <a:cs typeface="Roboto"/>
                           <a:highlight>
                             <a:srgbClr val="FFFFFF">
                               <a:alpha val="0"/>
@@ -3387,19 +3392,14 @@
                       </a:solidFill>
                       <a:prstDash val="solid"/>
                     </a:lnT>
-                    <a:lnB w="12700" cmpd="sng" algn="ctr" cap="flat">
-                      <a:solidFill>
-                        <a:srgbClr val="000000">
-                          <a:alpha val="100000"/>
+                    <a:lnB w="0" cmpd="sng" algn="ctr" cap="flat">
+                      <a:solidFill>
+                        <a:srgbClr val="FFFFFF">
+                          <a:alpha val="0"/>
                         </a:srgbClr>
                       </a:solidFill>
                       <a:prstDash val="solid"/>
                     </a:lnB>
-                    <a:solidFill>
-                      <a:srgbClr val="FFFFFF">
-                        <a:alpha val="0"/>
-                      </a:srgbClr>
-                    </a:solidFill>
                   </a:tcPr>
                 </a:tc>
                 <a:tc>
@@ -3407,7 +3407,7 @@
                     <a:bodyPr/>
                     <a:lstStyle/>
                     <a:p>
-                      <a:pPr algn="r" marL="25400" marR="25400">
+                      <a:pPr algn="r" marL="63500" marR="63500">
                         <a:spcBef>
                           <a:spcPts val="200"/>
                         </a:spcBef>
@@ -3417,9 +3417,14 @@
                         <a:buNone/>
                       </a:pPr>
                       <a:r>
-                        <a:rPr sz="1000">
-                          <a:latin typeface="Arial"/>
-                          <a:cs typeface="Arial"/>
+                        <a:rPr sz="1100">
+                          <a:solidFill>
+                            <a:srgbClr val="111111">
+                              <a:alpha val="100000"/>
+                            </a:srgbClr>
+                          </a:solidFill>
+                          <a:latin typeface="Roboto"/>
+                          <a:cs typeface="Roboto"/>
                           <a:highlight>
                             <a:srgbClr val="FFFFFF">
                               <a:alpha val="0"/>
@@ -3455,19 +3460,14 @@
                       </a:solidFill>
                       <a:prstDash val="solid"/>
                     </a:lnT>
-                    <a:lnB w="12700" cmpd="sng" algn="ctr" cap="flat">
-                      <a:solidFill>
-                        <a:srgbClr val="000000">
-                          <a:alpha val="100000"/>
+                    <a:lnB w="0" cmpd="sng" algn="ctr" cap="flat">
+                      <a:solidFill>
+                        <a:srgbClr val="FFFFFF">
+                          <a:alpha val="0"/>
                         </a:srgbClr>
                       </a:solidFill>
                       <a:prstDash val="solid"/>
                     </a:lnB>
-                    <a:solidFill>
-                      <a:srgbClr val="FFFFFF">
-                        <a:alpha val="0"/>
-                      </a:srgbClr>
-                    </a:solidFill>
                   </a:tcPr>
                 </a:tc>
                 <a:tc>
@@ -3475,7 +3475,7 @@
                     <a:bodyPr/>
                     <a:lstStyle/>
                     <a:p>
-                      <a:pPr algn="r" marL="25400" marR="25400">
+                      <a:pPr algn="r" marL="63500" marR="63500">
                         <a:spcBef>
                           <a:spcPts val="200"/>
                         </a:spcBef>
@@ -3485,9 +3485,14 @@
                         <a:buNone/>
                       </a:pPr>
                       <a:r>
-                        <a:rPr sz="1000">
-                          <a:latin typeface="Arial"/>
-                          <a:cs typeface="Arial"/>
+                        <a:rPr sz="1100">
+                          <a:solidFill>
+                            <a:srgbClr val="111111">
+                              <a:alpha val="100000"/>
+                            </a:srgbClr>
+                          </a:solidFill>
+                          <a:latin typeface="Roboto"/>
+                          <a:cs typeface="Roboto"/>
                           <a:highlight>
                             <a:srgbClr val="FFFFFF">
                               <a:alpha val="0"/>
@@ -3523,19 +3528,14 @@
                       </a:solidFill>
                       <a:prstDash val="solid"/>
                     </a:lnT>
-                    <a:lnB w="12700" cmpd="sng" algn="ctr" cap="flat">
-                      <a:solidFill>
-                        <a:srgbClr val="000000">
-                          <a:alpha val="100000"/>
+                    <a:lnB w="0" cmpd="sng" algn="ctr" cap="flat">
+                      <a:solidFill>
+                        <a:srgbClr val="FFFFFF">
+                          <a:alpha val="0"/>
                         </a:srgbClr>
                       </a:solidFill>
                       <a:prstDash val="solid"/>
                     </a:lnB>
-                    <a:solidFill>
-                      <a:srgbClr val="FFFFFF">
-                        <a:alpha val="0"/>
-                      </a:srgbClr>
-                    </a:solidFill>
                   </a:tcPr>
                 </a:tc>
                 <a:tc>
@@ -3543,7 +3543,7 @@
                     <a:bodyPr/>
                     <a:lstStyle/>
                     <a:p>
-                      <a:pPr algn="r" marL="25400" marR="25400">
+                      <a:pPr algn="r" marL="63500" marR="63500">
                         <a:spcBef>
                           <a:spcPts val="200"/>
                         </a:spcBef>
@@ -3553,9 +3553,14 @@
                         <a:buNone/>
                       </a:pPr>
                       <a:r>
-                        <a:rPr sz="1000">
-                          <a:latin typeface="Arial"/>
-                          <a:cs typeface="Arial"/>
+                        <a:rPr sz="1100">
+                          <a:solidFill>
+                            <a:srgbClr val="111111">
+                              <a:alpha val="100000"/>
+                            </a:srgbClr>
+                          </a:solidFill>
+                          <a:latin typeface="Roboto"/>
+                          <a:cs typeface="Roboto"/>
                           <a:highlight>
                             <a:srgbClr val="FFFFFF">
                               <a:alpha val="0"/>
@@ -3591,19 +3596,14 @@
                       </a:solidFill>
                       <a:prstDash val="solid"/>
                     </a:lnT>
-                    <a:lnB w="12700" cmpd="sng" algn="ctr" cap="flat">
-                      <a:solidFill>
-                        <a:srgbClr val="000000">
-                          <a:alpha val="100000"/>
+                    <a:lnB w="0" cmpd="sng" algn="ctr" cap="flat">
+                      <a:solidFill>
+                        <a:srgbClr val="FFFFFF">
+                          <a:alpha val="0"/>
                         </a:srgbClr>
                       </a:solidFill>
                       <a:prstDash val="solid"/>
                     </a:lnB>
-                    <a:solidFill>
-                      <a:srgbClr val="FFFFFF">
-                        <a:alpha val="0"/>
-                      </a:srgbClr>
-                    </a:solidFill>
                   </a:tcPr>
                 </a:tc>
                 <a:tc>
@@ -3611,7 +3611,7 @@
                     <a:bodyPr/>
                     <a:lstStyle/>
                     <a:p>
-                      <a:pPr algn="r" marL="25400" marR="25400">
+                      <a:pPr algn="r" marL="63500" marR="63500">
                         <a:spcBef>
                           <a:spcPts val="200"/>
                         </a:spcBef>
@@ -3621,9 +3621,14 @@
                         <a:buNone/>
                       </a:pPr>
                       <a:r>
-                        <a:rPr sz="1000">
-                          <a:latin typeface="Arial"/>
-                          <a:cs typeface="Arial"/>
+                        <a:rPr sz="1100">
+                          <a:solidFill>
+                            <a:srgbClr val="111111">
+                              <a:alpha val="100000"/>
+                            </a:srgbClr>
+                          </a:solidFill>
+                          <a:latin typeface="Roboto"/>
+                          <a:cs typeface="Roboto"/>
                           <a:highlight>
                             <a:srgbClr val="FFFFFF">
                               <a:alpha val="0"/>
@@ -3659,19 +3664,14 @@
                       </a:solidFill>
                       <a:prstDash val="solid"/>
                     </a:lnT>
-                    <a:lnB w="12700" cmpd="sng" algn="ctr" cap="flat">
-                      <a:solidFill>
-                        <a:srgbClr val="000000">
-                          <a:alpha val="100000"/>
+                    <a:lnB w="0" cmpd="sng" algn="ctr" cap="flat">
+                      <a:solidFill>
+                        <a:srgbClr val="FFFFFF">
+                          <a:alpha val="0"/>
                         </a:srgbClr>
                       </a:solidFill>
                       <a:prstDash val="solid"/>
                     </a:lnB>
-                    <a:solidFill>
-                      <a:srgbClr val="FFFFFF">
-                        <a:alpha val="0"/>
-                      </a:srgbClr>
-                    </a:solidFill>
                   </a:tcPr>
                 </a:tc>
                 <a:tc>
@@ -3679,7 +3679,7 @@
                     <a:bodyPr/>
                     <a:lstStyle/>
                     <a:p>
-                      <a:pPr algn="r" marL="25400" marR="25400">
+                      <a:pPr algn="r" marL="63500" marR="63500">
                         <a:spcBef>
                           <a:spcPts val="200"/>
                         </a:spcBef>
@@ -3689,9 +3689,14 @@
                         <a:buNone/>
                       </a:pPr>
                       <a:r>
-                        <a:rPr sz="1000">
-                          <a:latin typeface="Arial"/>
-                          <a:cs typeface="Arial"/>
+                        <a:rPr sz="1100">
+                          <a:solidFill>
+                            <a:srgbClr val="111111">
+                              <a:alpha val="100000"/>
+                            </a:srgbClr>
+                          </a:solidFill>
+                          <a:latin typeface="Roboto"/>
+                          <a:cs typeface="Roboto"/>
                           <a:highlight>
                             <a:srgbClr val="FFFFFF">
                               <a:alpha val="0"/>
@@ -3727,29 +3732,24 @@
                       </a:solidFill>
                       <a:prstDash val="solid"/>
                     </a:lnT>
-                    <a:lnB w="12700" cmpd="sng" algn="ctr" cap="flat">
-                      <a:solidFill>
-                        <a:srgbClr val="000000">
-                          <a:alpha val="100000"/>
+                    <a:lnB w="0" cmpd="sng" algn="ctr" cap="flat">
+                      <a:solidFill>
+                        <a:srgbClr val="FFFFFF">
+                          <a:alpha val="0"/>
                         </a:srgbClr>
                       </a:solidFill>
                       <a:prstDash val="solid"/>
                     </a:lnB>
-                    <a:solidFill>
-                      <a:srgbClr val="FFFFFF">
-                        <a:alpha val="0"/>
-                      </a:srgbClr>
-                    </a:solidFill>
                   </a:tcPr>
                 </a:tc>
               </a:tr>
-              <a:tr h="252067">
+              <a:tr h="261220">
                 <a:tc>
                   <a:txBody>
                     <a:bodyPr/>
                     <a:lstStyle/>
                     <a:p>
-                      <a:pPr algn="r" marL="25400" marR="25400">
+                      <a:pPr algn="r" marL="63500" marR="63500">
                         <a:spcBef>
                           <a:spcPts val="200"/>
                         </a:spcBef>
@@ -3759,9 +3759,14 @@
                         <a:buNone/>
                       </a:pPr>
                       <a:r>
-                        <a:rPr sz="1000">
-                          <a:latin typeface="Arial"/>
-                          <a:cs typeface="Arial"/>
+                        <a:rPr sz="1100">
+                          <a:solidFill>
+                            <a:srgbClr val="111111">
+                              <a:alpha val="100000"/>
+                            </a:srgbClr>
+                          </a:solidFill>
+                          <a:latin typeface="Roboto"/>
+                          <a:cs typeface="Roboto"/>
                           <a:highlight>
                             <a:srgbClr val="FFFFFF">
                               <a:alpha val="0"/>
@@ -3789,27 +3794,22 @@
                       </a:solidFill>
                       <a:prstDash val="solid"/>
                     </a:lnR>
-                    <a:lnT w="12700" cmpd="sng" algn="ctr" cap="flat">
-                      <a:solidFill>
-                        <a:srgbClr val="000000">
-                          <a:alpha val="100000"/>
+                    <a:lnT w="0" cmpd="sng" algn="ctr" cap="flat">
+                      <a:solidFill>
+                        <a:srgbClr val="FFFFFF">
+                          <a:alpha val="0"/>
                         </a:srgbClr>
                       </a:solidFill>
                       <a:prstDash val="solid"/>
                     </a:lnT>
-                    <a:lnB w="12700" cmpd="sng" algn="ctr" cap="flat">
-                      <a:solidFill>
-                        <a:srgbClr val="000000">
-                          <a:alpha val="100000"/>
+                    <a:lnB w="0" cmpd="sng" algn="ctr" cap="flat">
+                      <a:solidFill>
+                        <a:srgbClr val="FFFFFF">
+                          <a:alpha val="0"/>
                         </a:srgbClr>
                       </a:solidFill>
                       <a:prstDash val="solid"/>
                     </a:lnB>
-                    <a:solidFill>
-                      <a:srgbClr val="FFFFFF">
-                        <a:alpha val="0"/>
-                      </a:srgbClr>
-                    </a:solidFill>
                   </a:tcPr>
                 </a:tc>
                 <a:tc>
@@ -3817,7 +3817,7 @@
                     <a:bodyPr/>
                     <a:lstStyle/>
                     <a:p>
-                      <a:pPr algn="r" marL="25400" marR="25400">
+                      <a:pPr algn="r" marL="63500" marR="63500">
                         <a:spcBef>
                           <a:spcPts val="200"/>
                         </a:spcBef>
@@ -3827,9 +3827,14 @@
                         <a:buNone/>
                       </a:pPr>
                       <a:r>
-                        <a:rPr sz="1000">
-                          <a:latin typeface="Arial"/>
-                          <a:cs typeface="Arial"/>
+                        <a:rPr sz="1100">
+                          <a:solidFill>
+                            <a:srgbClr val="111111">
+                              <a:alpha val="100000"/>
+                            </a:srgbClr>
+                          </a:solidFill>
+                          <a:latin typeface="Roboto"/>
+                          <a:cs typeface="Roboto"/>
                           <a:highlight>
                             <a:srgbClr val="FFFFFF">
                               <a:alpha val="0"/>
@@ -3857,27 +3862,22 @@
                       </a:solidFill>
                       <a:prstDash val="solid"/>
                     </a:lnR>
-                    <a:lnT w="12700" cmpd="sng" algn="ctr" cap="flat">
-                      <a:solidFill>
-                        <a:srgbClr val="000000">
-                          <a:alpha val="100000"/>
+                    <a:lnT w="0" cmpd="sng" algn="ctr" cap="flat">
+                      <a:solidFill>
+                        <a:srgbClr val="FFFFFF">
+                          <a:alpha val="0"/>
                         </a:srgbClr>
                       </a:solidFill>
                       <a:prstDash val="solid"/>
                     </a:lnT>
-                    <a:lnB w="12700" cmpd="sng" algn="ctr" cap="flat">
-                      <a:solidFill>
-                        <a:srgbClr val="000000">
-                          <a:alpha val="100000"/>
+                    <a:lnB w="0" cmpd="sng" algn="ctr" cap="flat">
+                      <a:solidFill>
+                        <a:srgbClr val="FFFFFF">
+                          <a:alpha val="0"/>
                         </a:srgbClr>
                       </a:solidFill>
                       <a:prstDash val="solid"/>
                     </a:lnB>
-                    <a:solidFill>
-                      <a:srgbClr val="FFFFFF">
-                        <a:alpha val="0"/>
-                      </a:srgbClr>
-                    </a:solidFill>
                   </a:tcPr>
                 </a:tc>
                 <a:tc>
@@ -3885,7 +3885,7 @@
                     <a:bodyPr/>
                     <a:lstStyle/>
                     <a:p>
-                      <a:pPr algn="r" marL="25400" marR="25400">
+                      <a:pPr algn="r" marL="63500" marR="63500">
                         <a:spcBef>
                           <a:spcPts val="200"/>
                         </a:spcBef>
@@ -3895,9 +3895,14 @@
                         <a:buNone/>
                       </a:pPr>
                       <a:r>
-                        <a:rPr sz="1000">
-                          <a:latin typeface="Arial"/>
-                          <a:cs typeface="Arial"/>
+                        <a:rPr sz="1100">
+                          <a:solidFill>
+                            <a:srgbClr val="111111">
+                              <a:alpha val="100000"/>
+                            </a:srgbClr>
+                          </a:solidFill>
+                          <a:latin typeface="Roboto"/>
+                          <a:cs typeface="Roboto"/>
                           <a:highlight>
                             <a:srgbClr val="FFFFFF">
                               <a:alpha val="0"/>
@@ -3925,27 +3930,22 @@
                       </a:solidFill>
                       <a:prstDash val="solid"/>
                     </a:lnR>
-                    <a:lnT w="12700" cmpd="sng" algn="ctr" cap="flat">
-                      <a:solidFill>
-                        <a:srgbClr val="000000">
-                          <a:alpha val="100000"/>
+                    <a:lnT w="0" cmpd="sng" algn="ctr" cap="flat">
+                      <a:solidFill>
+                        <a:srgbClr val="FFFFFF">
+                          <a:alpha val="0"/>
                         </a:srgbClr>
                       </a:solidFill>
                       <a:prstDash val="solid"/>
                     </a:lnT>
-                    <a:lnB w="12700" cmpd="sng" algn="ctr" cap="flat">
-                      <a:solidFill>
-                        <a:srgbClr val="000000">
-                          <a:alpha val="100000"/>
+                    <a:lnB w="0" cmpd="sng" algn="ctr" cap="flat">
+                      <a:solidFill>
+                        <a:srgbClr val="FFFFFF">
+                          <a:alpha val="0"/>
                         </a:srgbClr>
                       </a:solidFill>
                       <a:prstDash val="solid"/>
                     </a:lnB>
-                    <a:solidFill>
-                      <a:srgbClr val="FFFFFF">
-                        <a:alpha val="0"/>
-                      </a:srgbClr>
-                    </a:solidFill>
                   </a:tcPr>
                 </a:tc>
                 <a:tc>
@@ -3953,7 +3953,7 @@
                     <a:bodyPr/>
                     <a:lstStyle/>
                     <a:p>
-                      <a:pPr algn="r" marL="25400" marR="25400">
+                      <a:pPr algn="r" marL="63500" marR="63500">
                         <a:spcBef>
                           <a:spcPts val="200"/>
                         </a:spcBef>
@@ -3963,9 +3963,14 @@
                         <a:buNone/>
                       </a:pPr>
                       <a:r>
-                        <a:rPr sz="1000">
-                          <a:latin typeface="Arial"/>
-                          <a:cs typeface="Arial"/>
+                        <a:rPr sz="1100">
+                          <a:solidFill>
+                            <a:srgbClr val="111111">
+                              <a:alpha val="100000"/>
+                            </a:srgbClr>
+                          </a:solidFill>
+                          <a:latin typeface="Roboto"/>
+                          <a:cs typeface="Roboto"/>
                           <a:highlight>
                             <a:srgbClr val="FFFFFF">
                               <a:alpha val="0"/>
@@ -3993,27 +3998,22 @@
                       </a:solidFill>
                       <a:prstDash val="solid"/>
                     </a:lnR>
-                    <a:lnT w="12700" cmpd="sng" algn="ctr" cap="flat">
-                      <a:solidFill>
-                        <a:srgbClr val="000000">
-                          <a:alpha val="100000"/>
+                    <a:lnT w="0" cmpd="sng" algn="ctr" cap="flat">
+                      <a:solidFill>
+                        <a:srgbClr val="FFFFFF">
+                          <a:alpha val="0"/>
                         </a:srgbClr>
                       </a:solidFill>
                       <a:prstDash val="solid"/>
                     </a:lnT>
-                    <a:lnB w="12700" cmpd="sng" algn="ctr" cap="flat">
-                      <a:solidFill>
-                        <a:srgbClr val="000000">
-                          <a:alpha val="100000"/>
+                    <a:lnB w="0" cmpd="sng" algn="ctr" cap="flat">
+                      <a:solidFill>
+                        <a:srgbClr val="FFFFFF">
+                          <a:alpha val="0"/>
                         </a:srgbClr>
                       </a:solidFill>
                       <a:prstDash val="solid"/>
                     </a:lnB>
-                    <a:solidFill>
-                      <a:srgbClr val="FFFFFF">
-                        <a:alpha val="0"/>
-                      </a:srgbClr>
-                    </a:solidFill>
                   </a:tcPr>
                 </a:tc>
                 <a:tc>
@@ -4021,7 +4021,7 @@
                     <a:bodyPr/>
                     <a:lstStyle/>
                     <a:p>
-                      <a:pPr algn="r" marL="25400" marR="25400">
+                      <a:pPr algn="r" marL="63500" marR="63500">
                         <a:spcBef>
                           <a:spcPts val="200"/>
                         </a:spcBef>
@@ -4031,9 +4031,14 @@
                         <a:buNone/>
                       </a:pPr>
                       <a:r>
-                        <a:rPr sz="1000">
-                          <a:latin typeface="Arial"/>
-                          <a:cs typeface="Arial"/>
+                        <a:rPr sz="1100">
+                          <a:solidFill>
+                            <a:srgbClr val="111111">
+                              <a:alpha val="100000"/>
+                            </a:srgbClr>
+                          </a:solidFill>
+                          <a:latin typeface="Roboto"/>
+                          <a:cs typeface="Roboto"/>
                           <a:highlight>
                             <a:srgbClr val="FFFFFF">
                               <a:alpha val="0"/>
@@ -4061,27 +4066,22 @@
                       </a:solidFill>
                       <a:prstDash val="solid"/>
                     </a:lnR>
-                    <a:lnT w="12700" cmpd="sng" algn="ctr" cap="flat">
-                      <a:solidFill>
-                        <a:srgbClr val="000000">
-                          <a:alpha val="100000"/>
+                    <a:lnT w="0" cmpd="sng" algn="ctr" cap="flat">
+                      <a:solidFill>
+                        <a:srgbClr val="FFFFFF">
+                          <a:alpha val="0"/>
                         </a:srgbClr>
                       </a:solidFill>
                       <a:prstDash val="solid"/>
                     </a:lnT>
-                    <a:lnB w="12700" cmpd="sng" algn="ctr" cap="flat">
-                      <a:solidFill>
-                        <a:srgbClr val="000000">
-                          <a:alpha val="100000"/>
+                    <a:lnB w="0" cmpd="sng" algn="ctr" cap="flat">
+                      <a:solidFill>
+                        <a:srgbClr val="FFFFFF">
+                          <a:alpha val="0"/>
                         </a:srgbClr>
                       </a:solidFill>
                       <a:prstDash val="solid"/>
                     </a:lnB>
-                    <a:solidFill>
-                      <a:srgbClr val="FFFFFF">
-                        <a:alpha val="0"/>
-                      </a:srgbClr>
-                    </a:solidFill>
                   </a:tcPr>
                 </a:tc>
                 <a:tc>
@@ -4089,7 +4089,7 @@
                     <a:bodyPr/>
                     <a:lstStyle/>
                     <a:p>
-                      <a:pPr algn="r" marL="25400" marR="25400">
+                      <a:pPr algn="r" marL="63500" marR="63500">
                         <a:spcBef>
                           <a:spcPts val="200"/>
                         </a:spcBef>
@@ -4099,9 +4099,14 @@
                         <a:buNone/>
                       </a:pPr>
                       <a:r>
-                        <a:rPr sz="1000">
-                          <a:latin typeface="Arial"/>
-                          <a:cs typeface="Arial"/>
+                        <a:rPr sz="1100">
+                          <a:solidFill>
+                            <a:srgbClr val="111111">
+                              <a:alpha val="100000"/>
+                            </a:srgbClr>
+                          </a:solidFill>
+                          <a:latin typeface="Roboto"/>
+                          <a:cs typeface="Roboto"/>
                           <a:highlight>
                             <a:srgbClr val="FFFFFF">
                               <a:alpha val="0"/>
@@ -4129,27 +4134,22 @@
                       </a:solidFill>
                       <a:prstDash val="solid"/>
                     </a:lnR>
-                    <a:lnT w="12700" cmpd="sng" algn="ctr" cap="flat">
-                      <a:solidFill>
-                        <a:srgbClr val="000000">
-                          <a:alpha val="100000"/>
+                    <a:lnT w="0" cmpd="sng" algn="ctr" cap="flat">
+                      <a:solidFill>
+                        <a:srgbClr val="FFFFFF">
+                          <a:alpha val="0"/>
                         </a:srgbClr>
                       </a:solidFill>
                       <a:prstDash val="solid"/>
                     </a:lnT>
-                    <a:lnB w="12700" cmpd="sng" algn="ctr" cap="flat">
-                      <a:solidFill>
-                        <a:srgbClr val="000000">
-                          <a:alpha val="100000"/>
+                    <a:lnB w="0" cmpd="sng" algn="ctr" cap="flat">
+                      <a:solidFill>
+                        <a:srgbClr val="FFFFFF">
+                          <a:alpha val="0"/>
                         </a:srgbClr>
                       </a:solidFill>
                       <a:prstDash val="solid"/>
                     </a:lnB>
-                    <a:solidFill>
-                      <a:srgbClr val="FFFFFF">
-                        <a:alpha val="0"/>
-                      </a:srgbClr>
-                    </a:solidFill>
                   </a:tcPr>
                 </a:tc>
                 <a:tc>
@@ -4157,7 +4157,7 @@
                     <a:bodyPr/>
                     <a:lstStyle/>
                     <a:p>
-                      <a:pPr algn="r" marL="25400" marR="25400">
+                      <a:pPr algn="r" marL="63500" marR="63500">
                         <a:spcBef>
                           <a:spcPts val="200"/>
                         </a:spcBef>
@@ -4167,9 +4167,14 @@
                         <a:buNone/>
                       </a:pPr>
                       <a:r>
-                        <a:rPr sz="1000">
-                          <a:latin typeface="Arial"/>
-                          <a:cs typeface="Arial"/>
+                        <a:rPr sz="1100">
+                          <a:solidFill>
+                            <a:srgbClr val="111111">
+                              <a:alpha val="100000"/>
+                            </a:srgbClr>
+                          </a:solidFill>
+                          <a:latin typeface="Roboto"/>
+                          <a:cs typeface="Roboto"/>
                           <a:highlight>
                             <a:srgbClr val="FFFFFF">
                               <a:alpha val="0"/>
@@ -4197,27 +4202,22 @@
                       </a:solidFill>
                       <a:prstDash val="solid"/>
                     </a:lnR>
-                    <a:lnT w="12700" cmpd="sng" algn="ctr" cap="flat">
-                      <a:solidFill>
-                        <a:srgbClr val="000000">
-                          <a:alpha val="100000"/>
+                    <a:lnT w="0" cmpd="sng" algn="ctr" cap="flat">
+                      <a:solidFill>
+                        <a:srgbClr val="FFFFFF">
+                          <a:alpha val="0"/>
                         </a:srgbClr>
                       </a:solidFill>
                       <a:prstDash val="solid"/>
                     </a:lnT>
-                    <a:lnB w="12700" cmpd="sng" algn="ctr" cap="flat">
-                      <a:solidFill>
-                        <a:srgbClr val="000000">
-                          <a:alpha val="100000"/>
+                    <a:lnB w="0" cmpd="sng" algn="ctr" cap="flat">
+                      <a:solidFill>
+                        <a:srgbClr val="FFFFFF">
+                          <a:alpha val="0"/>
                         </a:srgbClr>
                       </a:solidFill>
                       <a:prstDash val="solid"/>
                     </a:lnB>
-                    <a:solidFill>
-                      <a:srgbClr val="FFFFFF">
-                        <a:alpha val="0"/>
-                      </a:srgbClr>
-                    </a:solidFill>
                   </a:tcPr>
                 </a:tc>
                 <a:tc>
@@ -4225,7 +4225,7 @@
                     <a:bodyPr/>
                     <a:lstStyle/>
                     <a:p>
-                      <a:pPr algn="r" marL="25400" marR="25400">
+                      <a:pPr algn="r" marL="63500" marR="63500">
                         <a:spcBef>
                           <a:spcPts val="200"/>
                         </a:spcBef>
@@ -4235,9 +4235,14 @@
                         <a:buNone/>
                       </a:pPr>
                       <a:r>
-                        <a:rPr sz="1000">
-                          <a:latin typeface="Arial"/>
-                          <a:cs typeface="Arial"/>
+                        <a:rPr sz="1100">
+                          <a:solidFill>
+                            <a:srgbClr val="111111">
+                              <a:alpha val="100000"/>
+                            </a:srgbClr>
+                          </a:solidFill>
+                          <a:latin typeface="Roboto"/>
+                          <a:cs typeface="Roboto"/>
                           <a:highlight>
                             <a:srgbClr val="FFFFFF">
                               <a:alpha val="0"/>
@@ -4265,27 +4270,22 @@
                       </a:solidFill>
                       <a:prstDash val="solid"/>
                     </a:lnR>
-                    <a:lnT w="12700" cmpd="sng" algn="ctr" cap="flat">
-                      <a:solidFill>
-                        <a:srgbClr val="000000">
-                          <a:alpha val="100000"/>
+                    <a:lnT w="0" cmpd="sng" algn="ctr" cap="flat">
+                      <a:solidFill>
+                        <a:srgbClr val="FFFFFF">
+                          <a:alpha val="0"/>
                         </a:srgbClr>
                       </a:solidFill>
                       <a:prstDash val="solid"/>
                     </a:lnT>
-                    <a:lnB w="12700" cmpd="sng" algn="ctr" cap="flat">
-                      <a:solidFill>
-                        <a:srgbClr val="000000">
-                          <a:alpha val="100000"/>
+                    <a:lnB w="0" cmpd="sng" algn="ctr" cap="flat">
+                      <a:solidFill>
+                        <a:srgbClr val="FFFFFF">
+                          <a:alpha val="0"/>
                         </a:srgbClr>
                       </a:solidFill>
                       <a:prstDash val="solid"/>
                     </a:lnB>
-                    <a:solidFill>
-                      <a:srgbClr val="FFFFFF">
-                        <a:alpha val="0"/>
-                      </a:srgbClr>
-                    </a:solidFill>
                   </a:tcPr>
                 </a:tc>
                 <a:tc>
@@ -4293,7 +4293,7 @@
                     <a:bodyPr/>
                     <a:lstStyle/>
                     <a:p>
-                      <a:pPr algn="r" marL="25400" marR="25400">
+                      <a:pPr algn="r" marL="63500" marR="63500">
                         <a:spcBef>
                           <a:spcPts val="200"/>
                         </a:spcBef>
@@ -4303,9 +4303,14 @@
                         <a:buNone/>
                       </a:pPr>
                       <a:r>
-                        <a:rPr sz="1000">
-                          <a:latin typeface="Arial"/>
-                          <a:cs typeface="Arial"/>
+                        <a:rPr sz="1100">
+                          <a:solidFill>
+                            <a:srgbClr val="111111">
+                              <a:alpha val="100000"/>
+                            </a:srgbClr>
+                          </a:solidFill>
+                          <a:latin typeface="Roboto"/>
+                          <a:cs typeface="Roboto"/>
                           <a:highlight>
                             <a:srgbClr val="FFFFFF">
                               <a:alpha val="0"/>
@@ -4333,27 +4338,22 @@
                       </a:solidFill>
                       <a:prstDash val="solid"/>
                     </a:lnR>
-                    <a:lnT w="12700" cmpd="sng" algn="ctr" cap="flat">
-                      <a:solidFill>
-                        <a:srgbClr val="000000">
-                          <a:alpha val="100000"/>
+                    <a:lnT w="0" cmpd="sng" algn="ctr" cap="flat">
+                      <a:solidFill>
+                        <a:srgbClr val="FFFFFF">
+                          <a:alpha val="0"/>
                         </a:srgbClr>
                       </a:solidFill>
                       <a:prstDash val="solid"/>
                     </a:lnT>
-                    <a:lnB w="12700" cmpd="sng" algn="ctr" cap="flat">
-                      <a:solidFill>
-                        <a:srgbClr val="000000">
-                          <a:alpha val="100000"/>
+                    <a:lnB w="0" cmpd="sng" algn="ctr" cap="flat">
+                      <a:solidFill>
+                        <a:srgbClr val="FFFFFF">
+                          <a:alpha val="0"/>
                         </a:srgbClr>
                       </a:solidFill>
                       <a:prstDash val="solid"/>
                     </a:lnB>
-                    <a:solidFill>
-                      <a:srgbClr val="FFFFFF">
-                        <a:alpha val="0"/>
-                      </a:srgbClr>
-                    </a:solidFill>
                   </a:tcPr>
                 </a:tc>
                 <a:tc>
@@ -4361,7 +4361,7 @@
                     <a:bodyPr/>
                     <a:lstStyle/>
                     <a:p>
-                      <a:pPr algn="r" marL="25400" marR="25400">
+                      <a:pPr algn="r" marL="63500" marR="63500">
                         <a:spcBef>
                           <a:spcPts val="200"/>
                         </a:spcBef>
@@ -4371,9 +4371,14 @@
                         <a:buNone/>
                       </a:pPr>
                       <a:r>
-                        <a:rPr sz="1000">
-                          <a:latin typeface="Arial"/>
-                          <a:cs typeface="Arial"/>
+                        <a:rPr sz="1100">
+                          <a:solidFill>
+                            <a:srgbClr val="111111">
+                              <a:alpha val="100000"/>
+                            </a:srgbClr>
+                          </a:solidFill>
+                          <a:latin typeface="Roboto"/>
+                          <a:cs typeface="Roboto"/>
                           <a:highlight>
                             <a:srgbClr val="FFFFFF">
                               <a:alpha val="0"/>
@@ -4401,27 +4406,22 @@
                       </a:solidFill>
                       <a:prstDash val="solid"/>
                     </a:lnR>
-                    <a:lnT w="12700" cmpd="sng" algn="ctr" cap="flat">
-                      <a:solidFill>
-                        <a:srgbClr val="000000">
-                          <a:alpha val="100000"/>
+                    <a:lnT w="0" cmpd="sng" algn="ctr" cap="flat">
+                      <a:solidFill>
+                        <a:srgbClr val="FFFFFF">
+                          <a:alpha val="0"/>
                         </a:srgbClr>
                       </a:solidFill>
                       <a:prstDash val="solid"/>
                     </a:lnT>
-                    <a:lnB w="12700" cmpd="sng" algn="ctr" cap="flat">
-                      <a:solidFill>
-                        <a:srgbClr val="000000">
-                          <a:alpha val="100000"/>
+                    <a:lnB w="0" cmpd="sng" algn="ctr" cap="flat">
+                      <a:solidFill>
+                        <a:srgbClr val="FFFFFF">
+                          <a:alpha val="0"/>
                         </a:srgbClr>
                       </a:solidFill>
                       <a:prstDash val="solid"/>
                     </a:lnB>
-                    <a:solidFill>
-                      <a:srgbClr val="FFFFFF">
-                        <a:alpha val="0"/>
-                      </a:srgbClr>
-                    </a:solidFill>
                   </a:tcPr>
                 </a:tc>
                 <a:tc>
@@ -4429,7 +4429,7 @@
                     <a:bodyPr/>
                     <a:lstStyle/>
                     <a:p>
-                      <a:pPr algn="r" marL="25400" marR="25400">
+                      <a:pPr algn="r" marL="63500" marR="63500">
                         <a:spcBef>
                           <a:spcPts val="200"/>
                         </a:spcBef>
@@ -4439,9 +4439,14 @@
                         <a:buNone/>
                       </a:pPr>
                       <a:r>
-                        <a:rPr sz="1000">
-                          <a:latin typeface="Arial"/>
-                          <a:cs typeface="Arial"/>
+                        <a:rPr sz="1100">
+                          <a:solidFill>
+                            <a:srgbClr val="111111">
+                              <a:alpha val="100000"/>
+                            </a:srgbClr>
+                          </a:solidFill>
+                          <a:latin typeface="Roboto"/>
+                          <a:cs typeface="Roboto"/>
                           <a:highlight>
                             <a:srgbClr val="FFFFFF">
                               <a:alpha val="0"/>
@@ -4469,37 +4474,32 @@
                       </a:solidFill>
                       <a:prstDash val="solid"/>
                     </a:lnR>
-                    <a:lnT w="12700" cmpd="sng" algn="ctr" cap="flat">
-                      <a:solidFill>
-                        <a:srgbClr val="000000">
-                          <a:alpha val="100000"/>
+                    <a:lnT w="0" cmpd="sng" algn="ctr" cap="flat">
+                      <a:solidFill>
+                        <a:srgbClr val="FFFFFF">
+                          <a:alpha val="0"/>
                         </a:srgbClr>
                       </a:solidFill>
                       <a:prstDash val="solid"/>
                     </a:lnT>
-                    <a:lnB w="12700" cmpd="sng" algn="ctr" cap="flat">
-                      <a:solidFill>
-                        <a:srgbClr val="000000">
-                          <a:alpha val="100000"/>
+                    <a:lnB w="0" cmpd="sng" algn="ctr" cap="flat">
+                      <a:solidFill>
+                        <a:srgbClr val="FFFFFF">
+                          <a:alpha val="0"/>
                         </a:srgbClr>
                       </a:solidFill>
                       <a:prstDash val="solid"/>
                     </a:lnB>
-                    <a:solidFill>
-                      <a:srgbClr val="FFFFFF">
-                        <a:alpha val="0"/>
-                      </a:srgbClr>
-                    </a:solidFill>
                   </a:tcPr>
                 </a:tc>
               </a:tr>
-              <a:tr h="252067">
+              <a:tr h="261220">
                 <a:tc>
                   <a:txBody>
                     <a:bodyPr/>
                     <a:lstStyle/>
                     <a:p>
-                      <a:pPr algn="r" marL="25400" marR="25400">
+                      <a:pPr algn="r" marL="63500" marR="63500">
                         <a:spcBef>
                           <a:spcPts val="200"/>
                         </a:spcBef>
@@ -4509,9 +4509,14 @@
                         <a:buNone/>
                       </a:pPr>
                       <a:r>
-                        <a:rPr sz="1000">
-                          <a:latin typeface="Arial"/>
-                          <a:cs typeface="Arial"/>
+                        <a:rPr sz="1100">
+                          <a:solidFill>
+                            <a:srgbClr val="111111">
+                              <a:alpha val="100000"/>
+                            </a:srgbClr>
+                          </a:solidFill>
+                          <a:latin typeface="Roboto"/>
+                          <a:cs typeface="Roboto"/>
                           <a:highlight>
                             <a:srgbClr val="FFFFFF">
                               <a:alpha val="0"/>
@@ -4539,27 +4544,22 @@
                       </a:solidFill>
                       <a:prstDash val="solid"/>
                     </a:lnR>
-                    <a:lnT w="12700" cmpd="sng" algn="ctr" cap="flat">
-                      <a:solidFill>
-                        <a:srgbClr val="000000">
-                          <a:alpha val="100000"/>
+                    <a:lnT w="0" cmpd="sng" algn="ctr" cap="flat">
+                      <a:solidFill>
+                        <a:srgbClr val="FFFFFF">
+                          <a:alpha val="0"/>
                         </a:srgbClr>
                       </a:solidFill>
                       <a:prstDash val="solid"/>
                     </a:lnT>
-                    <a:lnB w="12700" cmpd="sng" algn="ctr" cap="flat">
-                      <a:solidFill>
-                        <a:srgbClr val="000000">
-                          <a:alpha val="100000"/>
+                    <a:lnB w="0" cmpd="sng" algn="ctr" cap="flat">
+                      <a:solidFill>
+                        <a:srgbClr val="FFFFFF">
+                          <a:alpha val="0"/>
                         </a:srgbClr>
                       </a:solidFill>
                       <a:prstDash val="solid"/>
                     </a:lnB>
-                    <a:solidFill>
-                      <a:srgbClr val="FFFFFF">
-                        <a:alpha val="0"/>
-                      </a:srgbClr>
-                    </a:solidFill>
                   </a:tcPr>
                 </a:tc>
                 <a:tc>
@@ -4567,7 +4567,7 @@
                     <a:bodyPr/>
                     <a:lstStyle/>
                     <a:p>
-                      <a:pPr algn="r" marL="25400" marR="25400">
+                      <a:pPr algn="r" marL="63500" marR="63500">
                         <a:spcBef>
                           <a:spcPts val="200"/>
                         </a:spcBef>
@@ -4577,9 +4577,14 @@
                         <a:buNone/>
                       </a:pPr>
                       <a:r>
-                        <a:rPr sz="1000">
-                          <a:latin typeface="Arial"/>
-                          <a:cs typeface="Arial"/>
+                        <a:rPr sz="1100">
+                          <a:solidFill>
+                            <a:srgbClr val="111111">
+                              <a:alpha val="100000"/>
+                            </a:srgbClr>
+                          </a:solidFill>
+                          <a:latin typeface="Roboto"/>
+                          <a:cs typeface="Roboto"/>
                           <a:highlight>
                             <a:srgbClr val="FFFFFF">
                               <a:alpha val="0"/>
@@ -4607,27 +4612,22 @@
                       </a:solidFill>
                       <a:prstDash val="solid"/>
                     </a:lnR>
-                    <a:lnT w="12700" cmpd="sng" algn="ctr" cap="flat">
-                      <a:solidFill>
-                        <a:srgbClr val="000000">
-                          <a:alpha val="100000"/>
+                    <a:lnT w="0" cmpd="sng" algn="ctr" cap="flat">
+                      <a:solidFill>
+                        <a:srgbClr val="FFFFFF">
+                          <a:alpha val="0"/>
                         </a:srgbClr>
                       </a:solidFill>
                       <a:prstDash val="solid"/>
                     </a:lnT>
-                    <a:lnB w="12700" cmpd="sng" algn="ctr" cap="flat">
-                      <a:solidFill>
-                        <a:srgbClr val="000000">
-                          <a:alpha val="100000"/>
+                    <a:lnB w="0" cmpd="sng" algn="ctr" cap="flat">
+                      <a:solidFill>
+                        <a:srgbClr val="FFFFFF">
+                          <a:alpha val="0"/>
                         </a:srgbClr>
                       </a:solidFill>
                       <a:prstDash val="solid"/>
                     </a:lnB>
-                    <a:solidFill>
-                      <a:srgbClr val="FFFFFF">
-                        <a:alpha val="0"/>
-                      </a:srgbClr>
-                    </a:solidFill>
                   </a:tcPr>
                 </a:tc>
                 <a:tc>
@@ -4635,7 +4635,7 @@
                     <a:bodyPr/>
                     <a:lstStyle/>
                     <a:p>
-                      <a:pPr algn="r" marL="25400" marR="25400">
+                      <a:pPr algn="r" marL="63500" marR="63500">
                         <a:spcBef>
                           <a:spcPts val="200"/>
                         </a:spcBef>
@@ -4645,9 +4645,14 @@
                         <a:buNone/>
                       </a:pPr>
                       <a:r>
-                        <a:rPr sz="1000">
-                          <a:latin typeface="Arial"/>
-                          <a:cs typeface="Arial"/>
+                        <a:rPr sz="1100">
+                          <a:solidFill>
+                            <a:srgbClr val="111111">
+                              <a:alpha val="100000"/>
+                            </a:srgbClr>
+                          </a:solidFill>
+                          <a:latin typeface="Roboto"/>
+                          <a:cs typeface="Roboto"/>
                           <a:highlight>
                             <a:srgbClr val="FFFFFF">
                               <a:alpha val="0"/>
@@ -4675,27 +4680,22 @@
                       </a:solidFill>
                       <a:prstDash val="solid"/>
                     </a:lnR>
-                    <a:lnT w="12700" cmpd="sng" algn="ctr" cap="flat">
-                      <a:solidFill>
-                        <a:srgbClr val="000000">
-                          <a:alpha val="100000"/>
+                    <a:lnT w="0" cmpd="sng" algn="ctr" cap="flat">
+                      <a:solidFill>
+                        <a:srgbClr val="FFFFFF">
+                          <a:alpha val="0"/>
                         </a:srgbClr>
                       </a:solidFill>
                       <a:prstDash val="solid"/>
                     </a:lnT>
-                    <a:lnB w="12700" cmpd="sng" algn="ctr" cap="flat">
-                      <a:solidFill>
-                        <a:srgbClr val="000000">
-                          <a:alpha val="100000"/>
+                    <a:lnB w="0" cmpd="sng" algn="ctr" cap="flat">
+                      <a:solidFill>
+                        <a:srgbClr val="FFFFFF">
+                          <a:alpha val="0"/>
                         </a:srgbClr>
                       </a:solidFill>
                       <a:prstDash val="solid"/>
                     </a:lnB>
-                    <a:solidFill>
-                      <a:srgbClr val="FFFFFF">
-                        <a:alpha val="0"/>
-                      </a:srgbClr>
-                    </a:solidFill>
                   </a:tcPr>
                 </a:tc>
                 <a:tc>
@@ -4703,7 +4703,7 @@
                     <a:bodyPr/>
                     <a:lstStyle/>
                     <a:p>
-                      <a:pPr algn="r" marL="25400" marR="25400">
+                      <a:pPr algn="r" marL="63500" marR="63500">
                         <a:spcBef>
                           <a:spcPts val="200"/>
                         </a:spcBef>
@@ -4713,9 +4713,14 @@
                         <a:buNone/>
                       </a:pPr>
                       <a:r>
-                        <a:rPr sz="1000">
-                          <a:latin typeface="Arial"/>
-                          <a:cs typeface="Arial"/>
+                        <a:rPr sz="1100">
+                          <a:solidFill>
+                            <a:srgbClr val="111111">
+                              <a:alpha val="100000"/>
+                            </a:srgbClr>
+                          </a:solidFill>
+                          <a:latin typeface="Roboto"/>
+                          <a:cs typeface="Roboto"/>
                           <a:highlight>
                             <a:srgbClr val="FFFFFF">
                               <a:alpha val="0"/>
@@ -4743,27 +4748,22 @@
                       </a:solidFill>
                       <a:prstDash val="solid"/>
                     </a:lnR>
-                    <a:lnT w="12700" cmpd="sng" algn="ctr" cap="flat">
-                      <a:solidFill>
-                        <a:srgbClr val="000000">
-                          <a:alpha val="100000"/>
+                    <a:lnT w="0" cmpd="sng" algn="ctr" cap="flat">
+                      <a:solidFill>
+                        <a:srgbClr val="FFFFFF">
+                          <a:alpha val="0"/>
                         </a:srgbClr>
                       </a:solidFill>
                       <a:prstDash val="solid"/>
                     </a:lnT>
-                    <a:lnB w="12700" cmpd="sng" algn="ctr" cap="flat">
-                      <a:solidFill>
-                        <a:srgbClr val="000000">
-                          <a:alpha val="100000"/>
+                    <a:lnB w="0" cmpd="sng" algn="ctr" cap="flat">
+                      <a:solidFill>
+                        <a:srgbClr val="FFFFFF">
+                          <a:alpha val="0"/>
                         </a:srgbClr>
                       </a:solidFill>
                       <a:prstDash val="solid"/>
                     </a:lnB>
-                    <a:solidFill>
-                      <a:srgbClr val="FFFFFF">
-                        <a:alpha val="0"/>
-                      </a:srgbClr>
-                    </a:solidFill>
                   </a:tcPr>
                 </a:tc>
                 <a:tc>
@@ -4771,7 +4771,7 @@
                     <a:bodyPr/>
                     <a:lstStyle/>
                     <a:p>
-                      <a:pPr algn="r" marL="25400" marR="25400">
+                      <a:pPr algn="r" marL="63500" marR="63500">
                         <a:spcBef>
                           <a:spcPts val="200"/>
                         </a:spcBef>
@@ -4781,9 +4781,14 @@
                         <a:buNone/>
                       </a:pPr>
                       <a:r>
-                        <a:rPr sz="1000">
-                          <a:latin typeface="Arial"/>
-                          <a:cs typeface="Arial"/>
+                        <a:rPr sz="1100">
+                          <a:solidFill>
+                            <a:srgbClr val="111111">
+                              <a:alpha val="100000"/>
+                            </a:srgbClr>
+                          </a:solidFill>
+                          <a:latin typeface="Roboto"/>
+                          <a:cs typeface="Roboto"/>
                           <a:highlight>
                             <a:srgbClr val="FFFFFF">
                               <a:alpha val="0"/>
@@ -4811,27 +4816,22 @@
                       </a:solidFill>
                       <a:prstDash val="solid"/>
                     </a:lnR>
-                    <a:lnT w="12700" cmpd="sng" algn="ctr" cap="flat">
-                      <a:solidFill>
-                        <a:srgbClr val="000000">
-                          <a:alpha val="100000"/>
+                    <a:lnT w="0" cmpd="sng" algn="ctr" cap="flat">
+                      <a:solidFill>
+                        <a:srgbClr val="FFFFFF">
+                          <a:alpha val="0"/>
                         </a:srgbClr>
                       </a:solidFill>
                       <a:prstDash val="solid"/>
                     </a:lnT>
-                    <a:lnB w="12700" cmpd="sng" algn="ctr" cap="flat">
-                      <a:solidFill>
-                        <a:srgbClr val="000000">
-                          <a:alpha val="100000"/>
+                    <a:lnB w="0" cmpd="sng" algn="ctr" cap="flat">
+                      <a:solidFill>
+                        <a:srgbClr val="FFFFFF">
+                          <a:alpha val="0"/>
                         </a:srgbClr>
                       </a:solidFill>
                       <a:prstDash val="solid"/>
                     </a:lnB>
-                    <a:solidFill>
-                      <a:srgbClr val="FFFFFF">
-                        <a:alpha val="0"/>
-                      </a:srgbClr>
-                    </a:solidFill>
                   </a:tcPr>
                 </a:tc>
                 <a:tc>
@@ -4839,7 +4839,7 @@
                     <a:bodyPr/>
                     <a:lstStyle/>
                     <a:p>
-                      <a:pPr algn="r" marL="25400" marR="25400">
+                      <a:pPr algn="r" marL="63500" marR="63500">
                         <a:spcBef>
                           <a:spcPts val="200"/>
                         </a:spcBef>
@@ -4849,9 +4849,14 @@
                         <a:buNone/>
                       </a:pPr>
                       <a:r>
-                        <a:rPr sz="1000">
-                          <a:latin typeface="Arial"/>
-                          <a:cs typeface="Arial"/>
+                        <a:rPr sz="1100">
+                          <a:solidFill>
+                            <a:srgbClr val="111111">
+                              <a:alpha val="100000"/>
+                            </a:srgbClr>
+                          </a:solidFill>
+                          <a:latin typeface="Roboto"/>
+                          <a:cs typeface="Roboto"/>
                           <a:highlight>
                             <a:srgbClr val="FFFFFF">
                               <a:alpha val="0"/>
@@ -4879,27 +4884,22 @@
                       </a:solidFill>
                       <a:prstDash val="solid"/>
                     </a:lnR>
-                    <a:lnT w="12700" cmpd="sng" algn="ctr" cap="flat">
-                      <a:solidFill>
-                        <a:srgbClr val="000000">
-                          <a:alpha val="100000"/>
+                    <a:lnT w="0" cmpd="sng" algn="ctr" cap="flat">
+                      <a:solidFill>
+                        <a:srgbClr val="FFFFFF">
+                          <a:alpha val="0"/>
                         </a:srgbClr>
                       </a:solidFill>
                       <a:prstDash val="solid"/>
                     </a:lnT>
-                    <a:lnB w="12700" cmpd="sng" algn="ctr" cap="flat">
-                      <a:solidFill>
-                        <a:srgbClr val="000000">
-                          <a:alpha val="100000"/>
+                    <a:lnB w="0" cmpd="sng" algn="ctr" cap="flat">
+                      <a:solidFill>
+                        <a:srgbClr val="FFFFFF">
+                          <a:alpha val="0"/>
                         </a:srgbClr>
                       </a:solidFill>
                       <a:prstDash val="solid"/>
                     </a:lnB>
-                    <a:solidFill>
-                      <a:srgbClr val="FFFFFF">
-                        <a:alpha val="0"/>
-                      </a:srgbClr>
-                    </a:solidFill>
                   </a:tcPr>
                 </a:tc>
                 <a:tc>
@@ -4907,7 +4907,7 @@
                     <a:bodyPr/>
                     <a:lstStyle/>
                     <a:p>
-                      <a:pPr algn="r" marL="25400" marR="25400">
+                      <a:pPr algn="r" marL="63500" marR="63500">
                         <a:spcBef>
                           <a:spcPts val="200"/>
                         </a:spcBef>
@@ -4917,9 +4917,14 @@
                         <a:buNone/>
                       </a:pPr>
                       <a:r>
-                        <a:rPr sz="1000">
-                          <a:latin typeface="Arial"/>
-                          <a:cs typeface="Arial"/>
+                        <a:rPr sz="1100">
+                          <a:solidFill>
+                            <a:srgbClr val="111111">
+                              <a:alpha val="100000"/>
+                            </a:srgbClr>
+                          </a:solidFill>
+                          <a:latin typeface="Roboto"/>
+                          <a:cs typeface="Roboto"/>
                           <a:highlight>
                             <a:srgbClr val="FFFFFF">
                               <a:alpha val="0"/>
@@ -4947,27 +4952,22 @@
                       </a:solidFill>
                       <a:prstDash val="solid"/>
                     </a:lnR>
-                    <a:lnT w="12700" cmpd="sng" algn="ctr" cap="flat">
-                      <a:solidFill>
-                        <a:srgbClr val="000000">
-                          <a:alpha val="100000"/>
+                    <a:lnT w="0" cmpd="sng" algn="ctr" cap="flat">
+                      <a:solidFill>
+                        <a:srgbClr val="FFFFFF">
+                          <a:alpha val="0"/>
                         </a:srgbClr>
                       </a:solidFill>
                       <a:prstDash val="solid"/>
                     </a:lnT>
-                    <a:lnB w="12700" cmpd="sng" algn="ctr" cap="flat">
-                      <a:solidFill>
-                        <a:srgbClr val="000000">
-                          <a:alpha val="100000"/>
+                    <a:lnB w="0" cmpd="sng" algn="ctr" cap="flat">
+                      <a:solidFill>
+                        <a:srgbClr val="FFFFFF">
+                          <a:alpha val="0"/>
                         </a:srgbClr>
                       </a:solidFill>
                       <a:prstDash val="solid"/>
                     </a:lnB>
-                    <a:solidFill>
-                      <a:srgbClr val="FFFFFF">
-                        <a:alpha val="0"/>
-                      </a:srgbClr>
-                    </a:solidFill>
                   </a:tcPr>
                 </a:tc>
                 <a:tc>
@@ -4975,7 +4975,7 @@
                     <a:bodyPr/>
                     <a:lstStyle/>
                     <a:p>
-                      <a:pPr algn="r" marL="25400" marR="25400">
+                      <a:pPr algn="r" marL="63500" marR="63500">
                         <a:spcBef>
                           <a:spcPts val="200"/>
                         </a:spcBef>
@@ -4985,9 +4985,14 @@
                         <a:buNone/>
                       </a:pPr>
                       <a:r>
-                        <a:rPr sz="1000">
-                          <a:latin typeface="Arial"/>
-                          <a:cs typeface="Arial"/>
+                        <a:rPr sz="1100">
+                          <a:solidFill>
+                            <a:srgbClr val="111111">
+                              <a:alpha val="100000"/>
+                            </a:srgbClr>
+                          </a:solidFill>
+                          <a:latin typeface="Roboto"/>
+                          <a:cs typeface="Roboto"/>
                           <a:highlight>
                             <a:srgbClr val="FFFFFF">
                               <a:alpha val="0"/>
@@ -5015,27 +5020,22 @@
                       </a:solidFill>
                       <a:prstDash val="solid"/>
                     </a:lnR>
-                    <a:lnT w="12700" cmpd="sng" algn="ctr" cap="flat">
-                      <a:solidFill>
-                        <a:srgbClr val="000000">
-                          <a:alpha val="100000"/>
+                    <a:lnT w="0" cmpd="sng" algn="ctr" cap="flat">
+                      <a:solidFill>
+                        <a:srgbClr val="FFFFFF">
+                          <a:alpha val="0"/>
                         </a:srgbClr>
                       </a:solidFill>
                       <a:prstDash val="solid"/>
                     </a:lnT>
-                    <a:lnB w="12700" cmpd="sng" algn="ctr" cap="flat">
-                      <a:solidFill>
-                        <a:srgbClr val="000000">
-                          <a:alpha val="100000"/>
+                    <a:lnB w="0" cmpd="sng" algn="ctr" cap="flat">
+                      <a:solidFill>
+                        <a:srgbClr val="FFFFFF">
+                          <a:alpha val="0"/>
                         </a:srgbClr>
                       </a:solidFill>
                       <a:prstDash val="solid"/>
                     </a:lnB>
-                    <a:solidFill>
-                      <a:srgbClr val="FFFFFF">
-                        <a:alpha val="0"/>
-                      </a:srgbClr>
-                    </a:solidFill>
                   </a:tcPr>
                 </a:tc>
                 <a:tc>
@@ -5043,7 +5043,7 @@
                     <a:bodyPr/>
                     <a:lstStyle/>
                     <a:p>
-                      <a:pPr algn="r" marL="25400" marR="25400">
+                      <a:pPr algn="r" marL="63500" marR="63500">
                         <a:spcBef>
                           <a:spcPts val="200"/>
                         </a:spcBef>
@@ -5053,9 +5053,14 @@
                         <a:buNone/>
                       </a:pPr>
                       <a:r>
-                        <a:rPr sz="1000">
-                          <a:latin typeface="Arial"/>
-                          <a:cs typeface="Arial"/>
+                        <a:rPr sz="1100">
+                          <a:solidFill>
+                            <a:srgbClr val="111111">
+                              <a:alpha val="100000"/>
+                            </a:srgbClr>
+                          </a:solidFill>
+                          <a:latin typeface="Roboto"/>
+                          <a:cs typeface="Roboto"/>
                           <a:highlight>
                             <a:srgbClr val="FFFFFF">
                               <a:alpha val="0"/>
@@ -5083,27 +5088,22 @@
                       </a:solidFill>
                       <a:prstDash val="solid"/>
                     </a:lnR>
-                    <a:lnT w="12700" cmpd="sng" algn="ctr" cap="flat">
-                      <a:solidFill>
-                        <a:srgbClr val="000000">
-                          <a:alpha val="100000"/>
+                    <a:lnT w="0" cmpd="sng" algn="ctr" cap="flat">
+                      <a:solidFill>
+                        <a:srgbClr val="FFFFFF">
+                          <a:alpha val="0"/>
                         </a:srgbClr>
                       </a:solidFill>
                       <a:prstDash val="solid"/>
                     </a:lnT>
-                    <a:lnB w="12700" cmpd="sng" algn="ctr" cap="flat">
-                      <a:solidFill>
-                        <a:srgbClr val="000000">
-                          <a:alpha val="100000"/>
+                    <a:lnB w="0" cmpd="sng" algn="ctr" cap="flat">
+                      <a:solidFill>
+                        <a:srgbClr val="FFFFFF">
+                          <a:alpha val="0"/>
                         </a:srgbClr>
                       </a:solidFill>
                       <a:prstDash val="solid"/>
                     </a:lnB>
-                    <a:solidFill>
-                      <a:srgbClr val="FFFFFF">
-                        <a:alpha val="0"/>
-                      </a:srgbClr>
-                    </a:solidFill>
                   </a:tcPr>
                 </a:tc>
                 <a:tc>
@@ -5111,7 +5111,7 @@
                     <a:bodyPr/>
                     <a:lstStyle/>
                     <a:p>
-                      <a:pPr algn="r" marL="25400" marR="25400">
+                      <a:pPr algn="r" marL="63500" marR="63500">
                         <a:spcBef>
                           <a:spcPts val="200"/>
                         </a:spcBef>
@@ -5121,9 +5121,14 @@
                         <a:buNone/>
                       </a:pPr>
                       <a:r>
-                        <a:rPr sz="1000">
-                          <a:latin typeface="Arial"/>
-                          <a:cs typeface="Arial"/>
+                        <a:rPr sz="1100">
+                          <a:solidFill>
+                            <a:srgbClr val="111111">
+                              <a:alpha val="100000"/>
+                            </a:srgbClr>
+                          </a:solidFill>
+                          <a:latin typeface="Roboto"/>
+                          <a:cs typeface="Roboto"/>
                           <a:highlight>
                             <a:srgbClr val="FFFFFF">
                               <a:alpha val="0"/>
@@ -5151,27 +5156,22 @@
                       </a:solidFill>
                       <a:prstDash val="solid"/>
                     </a:lnR>
-                    <a:lnT w="12700" cmpd="sng" algn="ctr" cap="flat">
-                      <a:solidFill>
-                        <a:srgbClr val="000000">
-                          <a:alpha val="100000"/>
+                    <a:lnT w="0" cmpd="sng" algn="ctr" cap="flat">
+                      <a:solidFill>
+                        <a:srgbClr val="FFFFFF">
+                          <a:alpha val="0"/>
                         </a:srgbClr>
                       </a:solidFill>
                       <a:prstDash val="solid"/>
                     </a:lnT>
-                    <a:lnB w="12700" cmpd="sng" algn="ctr" cap="flat">
-                      <a:solidFill>
-                        <a:srgbClr val="000000">
-                          <a:alpha val="100000"/>
+                    <a:lnB w="0" cmpd="sng" algn="ctr" cap="flat">
+                      <a:solidFill>
+                        <a:srgbClr val="FFFFFF">
+                          <a:alpha val="0"/>
                         </a:srgbClr>
                       </a:solidFill>
                       <a:prstDash val="solid"/>
                     </a:lnB>
-                    <a:solidFill>
-                      <a:srgbClr val="FFFFFF">
-                        <a:alpha val="0"/>
-                      </a:srgbClr>
-                    </a:solidFill>
                   </a:tcPr>
                 </a:tc>
                 <a:tc>
@@ -5179,7 +5179,7 @@
                     <a:bodyPr/>
                     <a:lstStyle/>
                     <a:p>
-                      <a:pPr algn="r" marL="25400" marR="25400">
+                      <a:pPr algn="r" marL="63500" marR="63500">
                         <a:spcBef>
                           <a:spcPts val="200"/>
                         </a:spcBef>
@@ -5189,9 +5189,14 @@
                         <a:buNone/>
                       </a:pPr>
                       <a:r>
-                        <a:rPr sz="1000">
-                          <a:latin typeface="Arial"/>
-                          <a:cs typeface="Arial"/>
+                        <a:rPr sz="1100">
+                          <a:solidFill>
+                            <a:srgbClr val="111111">
+                              <a:alpha val="100000"/>
+                            </a:srgbClr>
+                          </a:solidFill>
+                          <a:latin typeface="Roboto"/>
+                          <a:cs typeface="Roboto"/>
                           <a:highlight>
                             <a:srgbClr val="FFFFFF">
                               <a:alpha val="0"/>
@@ -5219,37 +5224,32 @@
                       </a:solidFill>
                       <a:prstDash val="solid"/>
                     </a:lnR>
-                    <a:lnT w="12700" cmpd="sng" algn="ctr" cap="flat">
-                      <a:solidFill>
-                        <a:srgbClr val="000000">
-                          <a:alpha val="100000"/>
+                    <a:lnT w="0" cmpd="sng" algn="ctr" cap="flat">
+                      <a:solidFill>
+                        <a:srgbClr val="FFFFFF">
+                          <a:alpha val="0"/>
                         </a:srgbClr>
                       </a:solidFill>
                       <a:prstDash val="solid"/>
                     </a:lnT>
-                    <a:lnB w="12700" cmpd="sng" algn="ctr" cap="flat">
-                      <a:solidFill>
-                        <a:srgbClr val="000000">
-                          <a:alpha val="100000"/>
+                    <a:lnB w="0" cmpd="sng" algn="ctr" cap="flat">
+                      <a:solidFill>
+                        <a:srgbClr val="FFFFFF">
+                          <a:alpha val="0"/>
                         </a:srgbClr>
                       </a:solidFill>
                       <a:prstDash val="solid"/>
                     </a:lnB>
-                    <a:solidFill>
-                      <a:srgbClr val="FFFFFF">
-                        <a:alpha val="0"/>
-                      </a:srgbClr>
-                    </a:solidFill>
                   </a:tcPr>
                 </a:tc>
               </a:tr>
-              <a:tr h="252067">
+              <a:tr h="261220">
                 <a:tc>
                   <a:txBody>
                     <a:bodyPr/>
                     <a:lstStyle/>
                     <a:p>
-                      <a:pPr algn="r" marL="25400" marR="25400">
+                      <a:pPr algn="r" marL="63500" marR="63500">
                         <a:spcBef>
                           <a:spcPts val="200"/>
                         </a:spcBef>
@@ -5259,9 +5259,14 @@
                         <a:buNone/>
                       </a:pPr>
                       <a:r>
-                        <a:rPr sz="1000">
-                          <a:latin typeface="Arial"/>
-                          <a:cs typeface="Arial"/>
+                        <a:rPr sz="1100">
+                          <a:solidFill>
+                            <a:srgbClr val="111111">
+                              <a:alpha val="100000"/>
+                            </a:srgbClr>
+                          </a:solidFill>
+                          <a:latin typeface="Roboto"/>
+                          <a:cs typeface="Roboto"/>
                           <a:highlight>
                             <a:srgbClr val="FFFFFF">
                               <a:alpha val="0"/>
@@ -5289,27 +5294,22 @@
                       </a:solidFill>
                       <a:prstDash val="solid"/>
                     </a:lnR>
-                    <a:lnT w="12700" cmpd="sng" algn="ctr" cap="flat">
-                      <a:solidFill>
-                        <a:srgbClr val="000000">
-                          <a:alpha val="100000"/>
+                    <a:lnT w="0" cmpd="sng" algn="ctr" cap="flat">
+                      <a:solidFill>
+                        <a:srgbClr val="FFFFFF">
+                          <a:alpha val="0"/>
                         </a:srgbClr>
                       </a:solidFill>
                       <a:prstDash val="solid"/>
                     </a:lnT>
-                    <a:lnB w="12700" cmpd="sng" algn="ctr" cap="flat">
-                      <a:solidFill>
-                        <a:srgbClr val="000000">
-                          <a:alpha val="100000"/>
+                    <a:lnB w="0" cmpd="sng" algn="ctr" cap="flat">
+                      <a:solidFill>
+                        <a:srgbClr val="FFFFFF">
+                          <a:alpha val="0"/>
                         </a:srgbClr>
                       </a:solidFill>
                       <a:prstDash val="solid"/>
                     </a:lnB>
-                    <a:solidFill>
-                      <a:srgbClr val="FFFFFF">
-                        <a:alpha val="0"/>
-                      </a:srgbClr>
-                    </a:solidFill>
                   </a:tcPr>
                 </a:tc>
                 <a:tc>
@@ -5317,7 +5317,7 @@
                     <a:bodyPr/>
                     <a:lstStyle/>
                     <a:p>
-                      <a:pPr algn="r" marL="25400" marR="25400">
+                      <a:pPr algn="r" marL="63500" marR="63500">
                         <a:spcBef>
                           <a:spcPts val="200"/>
                         </a:spcBef>
@@ -5327,9 +5327,14 @@
                         <a:buNone/>
                       </a:pPr>
                       <a:r>
-                        <a:rPr sz="1000">
-                          <a:latin typeface="Arial"/>
-                          <a:cs typeface="Arial"/>
+                        <a:rPr sz="1100">
+                          <a:solidFill>
+                            <a:srgbClr val="111111">
+                              <a:alpha val="100000"/>
+                            </a:srgbClr>
+                          </a:solidFill>
+                          <a:latin typeface="Roboto"/>
+                          <a:cs typeface="Roboto"/>
                           <a:highlight>
                             <a:srgbClr val="FFFFFF">
                               <a:alpha val="0"/>
@@ -5357,27 +5362,22 @@
                       </a:solidFill>
                       <a:prstDash val="solid"/>
                     </a:lnR>
-                    <a:lnT w="12700" cmpd="sng" algn="ctr" cap="flat">
-                      <a:solidFill>
-                        <a:srgbClr val="000000">
-                          <a:alpha val="100000"/>
+                    <a:lnT w="0" cmpd="sng" algn="ctr" cap="flat">
+                      <a:solidFill>
+                        <a:srgbClr val="FFFFFF">
+                          <a:alpha val="0"/>
                         </a:srgbClr>
                       </a:solidFill>
                       <a:prstDash val="solid"/>
                     </a:lnT>
-                    <a:lnB w="12700" cmpd="sng" algn="ctr" cap="flat">
-                      <a:solidFill>
-                        <a:srgbClr val="000000">
-                          <a:alpha val="100000"/>
+                    <a:lnB w="0" cmpd="sng" algn="ctr" cap="flat">
+                      <a:solidFill>
+                        <a:srgbClr val="FFFFFF">
+                          <a:alpha val="0"/>
                         </a:srgbClr>
                       </a:solidFill>
                       <a:prstDash val="solid"/>
                     </a:lnB>
-                    <a:solidFill>
-                      <a:srgbClr val="FFFFFF">
-                        <a:alpha val="0"/>
-                      </a:srgbClr>
-                    </a:solidFill>
                   </a:tcPr>
                 </a:tc>
                 <a:tc>
@@ -5385,7 +5385,7 @@
                     <a:bodyPr/>
                     <a:lstStyle/>
                     <a:p>
-                      <a:pPr algn="r" marL="25400" marR="25400">
+                      <a:pPr algn="r" marL="63500" marR="63500">
                         <a:spcBef>
                           <a:spcPts val="200"/>
                         </a:spcBef>
@@ -5395,9 +5395,14 @@
                         <a:buNone/>
                       </a:pPr>
                       <a:r>
-                        <a:rPr sz="1000">
-                          <a:latin typeface="Arial"/>
-                          <a:cs typeface="Arial"/>
+                        <a:rPr sz="1100">
+                          <a:solidFill>
+                            <a:srgbClr val="111111">
+                              <a:alpha val="100000"/>
+                            </a:srgbClr>
+                          </a:solidFill>
+                          <a:latin typeface="Roboto"/>
+                          <a:cs typeface="Roboto"/>
                           <a:highlight>
                             <a:srgbClr val="FFFFFF">
                               <a:alpha val="0"/>
@@ -5425,27 +5430,22 @@
                       </a:solidFill>
                       <a:prstDash val="solid"/>
                     </a:lnR>
-                    <a:lnT w="12700" cmpd="sng" algn="ctr" cap="flat">
-                      <a:solidFill>
-                        <a:srgbClr val="000000">
-                          <a:alpha val="100000"/>
+                    <a:lnT w="0" cmpd="sng" algn="ctr" cap="flat">
+                      <a:solidFill>
+                        <a:srgbClr val="FFFFFF">
+                          <a:alpha val="0"/>
                         </a:srgbClr>
                       </a:solidFill>
                       <a:prstDash val="solid"/>
                     </a:lnT>
-                    <a:lnB w="12700" cmpd="sng" algn="ctr" cap="flat">
-                      <a:solidFill>
-                        <a:srgbClr val="000000">
-                          <a:alpha val="100000"/>
+                    <a:lnB w="0" cmpd="sng" algn="ctr" cap="flat">
+                      <a:solidFill>
+                        <a:srgbClr val="FFFFFF">
+                          <a:alpha val="0"/>
                         </a:srgbClr>
                       </a:solidFill>
                       <a:prstDash val="solid"/>
                     </a:lnB>
-                    <a:solidFill>
-                      <a:srgbClr val="FFFFFF">
-                        <a:alpha val="0"/>
-                      </a:srgbClr>
-                    </a:solidFill>
                   </a:tcPr>
                 </a:tc>
                 <a:tc>
@@ -5453,7 +5453,7 @@
                     <a:bodyPr/>
                     <a:lstStyle/>
                     <a:p>
-                      <a:pPr algn="r" marL="25400" marR="25400">
+                      <a:pPr algn="r" marL="63500" marR="63500">
                         <a:spcBef>
                           <a:spcPts val="200"/>
                         </a:spcBef>
@@ -5463,9 +5463,14 @@
                         <a:buNone/>
                       </a:pPr>
                       <a:r>
-                        <a:rPr sz="1000">
-                          <a:latin typeface="Arial"/>
-                          <a:cs typeface="Arial"/>
+                        <a:rPr sz="1100">
+                          <a:solidFill>
+                            <a:srgbClr val="111111">
+                              <a:alpha val="100000"/>
+                            </a:srgbClr>
+                          </a:solidFill>
+                          <a:latin typeface="Roboto"/>
+                          <a:cs typeface="Roboto"/>
                           <a:highlight>
                             <a:srgbClr val="FFFFFF">
                               <a:alpha val="0"/>
@@ -5493,27 +5498,22 @@
                       </a:solidFill>
                       <a:prstDash val="solid"/>
                     </a:lnR>
-                    <a:lnT w="12700" cmpd="sng" algn="ctr" cap="flat">
-                      <a:solidFill>
-                        <a:srgbClr val="000000">
-                          <a:alpha val="100000"/>
+                    <a:lnT w="0" cmpd="sng" algn="ctr" cap="flat">
+                      <a:solidFill>
+                        <a:srgbClr val="FFFFFF">
+                          <a:alpha val="0"/>
                         </a:srgbClr>
                       </a:solidFill>
                       <a:prstDash val="solid"/>
                     </a:lnT>
-                    <a:lnB w="12700" cmpd="sng" algn="ctr" cap="flat">
-                      <a:solidFill>
-                        <a:srgbClr val="000000">
-                          <a:alpha val="100000"/>
+                    <a:lnB w="0" cmpd="sng" algn="ctr" cap="flat">
+                      <a:solidFill>
+                        <a:srgbClr val="FFFFFF">
+                          <a:alpha val="0"/>
                         </a:srgbClr>
                       </a:solidFill>
                       <a:prstDash val="solid"/>
                     </a:lnB>
-                    <a:solidFill>
-                      <a:srgbClr val="FFFFFF">
-                        <a:alpha val="0"/>
-                      </a:srgbClr>
-                    </a:solidFill>
                   </a:tcPr>
                 </a:tc>
                 <a:tc>
@@ -5521,7 +5521,7 @@
                     <a:bodyPr/>
                     <a:lstStyle/>
                     <a:p>
-                      <a:pPr algn="r" marL="25400" marR="25400">
+                      <a:pPr algn="r" marL="63500" marR="63500">
                         <a:spcBef>
                           <a:spcPts val="200"/>
                         </a:spcBef>
@@ -5531,9 +5531,14 @@
                         <a:buNone/>
                       </a:pPr>
                       <a:r>
-                        <a:rPr sz="1000">
-                          <a:latin typeface="Arial"/>
-                          <a:cs typeface="Arial"/>
+                        <a:rPr sz="1100">
+                          <a:solidFill>
+                            <a:srgbClr val="111111">
+                              <a:alpha val="100000"/>
+                            </a:srgbClr>
+                          </a:solidFill>
+                          <a:latin typeface="Roboto"/>
+                          <a:cs typeface="Roboto"/>
                           <a:highlight>
                             <a:srgbClr val="FFFFFF">
                               <a:alpha val="0"/>
@@ -5561,27 +5566,22 @@
                       </a:solidFill>
                       <a:prstDash val="solid"/>
                     </a:lnR>
-                    <a:lnT w="12700" cmpd="sng" algn="ctr" cap="flat">
-                      <a:solidFill>
-                        <a:srgbClr val="000000">
-                          <a:alpha val="100000"/>
+                    <a:lnT w="0" cmpd="sng" algn="ctr" cap="flat">
+                      <a:solidFill>
+                        <a:srgbClr val="FFFFFF">
+                          <a:alpha val="0"/>
                         </a:srgbClr>
                       </a:solidFill>
                       <a:prstDash val="solid"/>
                     </a:lnT>
-                    <a:lnB w="12700" cmpd="sng" algn="ctr" cap="flat">
-                      <a:solidFill>
-                        <a:srgbClr val="000000">
-                          <a:alpha val="100000"/>
+                    <a:lnB w="0" cmpd="sng" algn="ctr" cap="flat">
+                      <a:solidFill>
+                        <a:srgbClr val="FFFFFF">
+                          <a:alpha val="0"/>
                         </a:srgbClr>
                       </a:solidFill>
                       <a:prstDash val="solid"/>
                     </a:lnB>
-                    <a:solidFill>
-                      <a:srgbClr val="FFFFFF">
-                        <a:alpha val="0"/>
-                      </a:srgbClr>
-                    </a:solidFill>
                   </a:tcPr>
                 </a:tc>
                 <a:tc>
@@ -5589,7 +5589,7 @@
                     <a:bodyPr/>
                     <a:lstStyle/>
                     <a:p>
-                      <a:pPr algn="r" marL="25400" marR="25400">
+                      <a:pPr algn="r" marL="63500" marR="63500">
                         <a:spcBef>
                           <a:spcPts val="200"/>
                         </a:spcBef>
@@ -5599,9 +5599,14 @@
                         <a:buNone/>
                       </a:pPr>
                       <a:r>
-                        <a:rPr sz="1000">
-                          <a:latin typeface="Arial"/>
-                          <a:cs typeface="Arial"/>
+                        <a:rPr sz="1100">
+                          <a:solidFill>
+                            <a:srgbClr val="111111">
+                              <a:alpha val="100000"/>
+                            </a:srgbClr>
+                          </a:solidFill>
+                          <a:latin typeface="Roboto"/>
+                          <a:cs typeface="Roboto"/>
                           <a:highlight>
                             <a:srgbClr val="FFFFFF">
                               <a:alpha val="0"/>
@@ -5629,27 +5634,22 @@
                       </a:solidFill>
                       <a:prstDash val="solid"/>
                     </a:lnR>
-                    <a:lnT w="12700" cmpd="sng" algn="ctr" cap="flat">
-                      <a:solidFill>
-                        <a:srgbClr val="000000">
-                          <a:alpha val="100000"/>
+                    <a:lnT w="0" cmpd="sng" algn="ctr" cap="flat">
+                      <a:solidFill>
+                        <a:srgbClr val="FFFFFF">
+                          <a:alpha val="0"/>
                         </a:srgbClr>
                       </a:solidFill>
                       <a:prstDash val="solid"/>
                     </a:lnT>
-                    <a:lnB w="12700" cmpd="sng" algn="ctr" cap="flat">
-                      <a:solidFill>
-                        <a:srgbClr val="000000">
-                          <a:alpha val="100000"/>
+                    <a:lnB w="0" cmpd="sng" algn="ctr" cap="flat">
+                      <a:solidFill>
+                        <a:srgbClr val="FFFFFF">
+                          <a:alpha val="0"/>
                         </a:srgbClr>
                       </a:solidFill>
                       <a:prstDash val="solid"/>
                     </a:lnB>
-                    <a:solidFill>
-                      <a:srgbClr val="FFFFFF">
-                        <a:alpha val="0"/>
-                      </a:srgbClr>
-                    </a:solidFill>
                   </a:tcPr>
                 </a:tc>
                 <a:tc>
@@ -5657,7 +5657,7 @@
                     <a:bodyPr/>
                     <a:lstStyle/>
                     <a:p>
-                      <a:pPr algn="r" marL="25400" marR="25400">
+                      <a:pPr algn="r" marL="63500" marR="63500">
                         <a:spcBef>
                           <a:spcPts val="200"/>
                         </a:spcBef>
@@ -5667,9 +5667,14 @@
                         <a:buNone/>
                       </a:pPr>
                       <a:r>
-                        <a:rPr sz="1000">
-                          <a:latin typeface="Arial"/>
-                          <a:cs typeface="Arial"/>
+                        <a:rPr sz="1100">
+                          <a:solidFill>
+                            <a:srgbClr val="111111">
+                              <a:alpha val="100000"/>
+                            </a:srgbClr>
+                          </a:solidFill>
+                          <a:latin typeface="Roboto"/>
+                          <a:cs typeface="Roboto"/>
                           <a:highlight>
                             <a:srgbClr val="FFFFFF">
                               <a:alpha val="0"/>
@@ -5697,27 +5702,22 @@
                       </a:solidFill>
                       <a:prstDash val="solid"/>
                     </a:lnR>
-                    <a:lnT w="12700" cmpd="sng" algn="ctr" cap="flat">
-                      <a:solidFill>
-                        <a:srgbClr val="000000">
-                          <a:alpha val="100000"/>
+                    <a:lnT w="0" cmpd="sng" algn="ctr" cap="flat">
+                      <a:solidFill>
+                        <a:srgbClr val="FFFFFF">
+                          <a:alpha val="0"/>
                         </a:srgbClr>
                       </a:solidFill>
                       <a:prstDash val="solid"/>
                     </a:lnT>
-                    <a:lnB w="12700" cmpd="sng" algn="ctr" cap="flat">
-                      <a:solidFill>
-                        <a:srgbClr val="000000">
-                          <a:alpha val="100000"/>
+                    <a:lnB w="0" cmpd="sng" algn="ctr" cap="flat">
+                      <a:solidFill>
+                        <a:srgbClr val="FFFFFF">
+                          <a:alpha val="0"/>
                         </a:srgbClr>
                       </a:solidFill>
                       <a:prstDash val="solid"/>
                     </a:lnB>
-                    <a:solidFill>
-                      <a:srgbClr val="FFFFFF">
-                        <a:alpha val="0"/>
-                      </a:srgbClr>
-                    </a:solidFill>
                   </a:tcPr>
                 </a:tc>
                 <a:tc>
@@ -5725,7 +5725,7 @@
                     <a:bodyPr/>
                     <a:lstStyle/>
                     <a:p>
-                      <a:pPr algn="r" marL="25400" marR="25400">
+                      <a:pPr algn="r" marL="63500" marR="63500">
                         <a:spcBef>
                           <a:spcPts val="200"/>
                         </a:spcBef>
@@ -5735,9 +5735,14 @@
                         <a:buNone/>
                       </a:pPr>
                       <a:r>
-                        <a:rPr sz="1000">
-                          <a:latin typeface="Arial"/>
-                          <a:cs typeface="Arial"/>
+                        <a:rPr sz="1100">
+                          <a:solidFill>
+                            <a:srgbClr val="111111">
+                              <a:alpha val="100000"/>
+                            </a:srgbClr>
+                          </a:solidFill>
+                          <a:latin typeface="Roboto"/>
+                          <a:cs typeface="Roboto"/>
                           <a:highlight>
                             <a:srgbClr val="FFFFFF">
                               <a:alpha val="0"/>
@@ -5765,27 +5770,22 @@
                       </a:solidFill>
                       <a:prstDash val="solid"/>
                     </a:lnR>
-                    <a:lnT w="12700" cmpd="sng" algn="ctr" cap="flat">
-                      <a:solidFill>
-                        <a:srgbClr val="000000">
-                          <a:alpha val="100000"/>
+                    <a:lnT w="0" cmpd="sng" algn="ctr" cap="flat">
+                      <a:solidFill>
+                        <a:srgbClr val="FFFFFF">
+                          <a:alpha val="0"/>
                         </a:srgbClr>
                       </a:solidFill>
                       <a:prstDash val="solid"/>
                     </a:lnT>
-                    <a:lnB w="12700" cmpd="sng" algn="ctr" cap="flat">
-                      <a:solidFill>
-                        <a:srgbClr val="000000">
-                          <a:alpha val="100000"/>
+                    <a:lnB w="0" cmpd="sng" algn="ctr" cap="flat">
+                      <a:solidFill>
+                        <a:srgbClr val="FFFFFF">
+                          <a:alpha val="0"/>
                         </a:srgbClr>
                       </a:solidFill>
                       <a:prstDash val="solid"/>
                     </a:lnB>
-                    <a:solidFill>
-                      <a:srgbClr val="FFFFFF">
-                        <a:alpha val="0"/>
-                      </a:srgbClr>
-                    </a:solidFill>
                   </a:tcPr>
                 </a:tc>
                 <a:tc>
@@ -5793,7 +5793,7 @@
                     <a:bodyPr/>
                     <a:lstStyle/>
                     <a:p>
-                      <a:pPr algn="r" marL="25400" marR="25400">
+                      <a:pPr algn="r" marL="63500" marR="63500">
                         <a:spcBef>
                           <a:spcPts val="200"/>
                         </a:spcBef>
@@ -5803,9 +5803,14 @@
                         <a:buNone/>
                       </a:pPr>
                       <a:r>
-                        <a:rPr sz="1000">
-                          <a:latin typeface="Arial"/>
-                          <a:cs typeface="Arial"/>
+                        <a:rPr sz="1100">
+                          <a:solidFill>
+                            <a:srgbClr val="111111">
+                              <a:alpha val="100000"/>
+                            </a:srgbClr>
+                          </a:solidFill>
+                          <a:latin typeface="Roboto"/>
+                          <a:cs typeface="Roboto"/>
                           <a:highlight>
                             <a:srgbClr val="FFFFFF">
                               <a:alpha val="0"/>
@@ -5833,27 +5838,22 @@
                       </a:solidFill>
                       <a:prstDash val="solid"/>
                     </a:lnR>
-                    <a:lnT w="12700" cmpd="sng" algn="ctr" cap="flat">
-                      <a:solidFill>
-                        <a:srgbClr val="000000">
-                          <a:alpha val="100000"/>
+                    <a:lnT w="0" cmpd="sng" algn="ctr" cap="flat">
+                      <a:solidFill>
+                        <a:srgbClr val="FFFFFF">
+                          <a:alpha val="0"/>
                         </a:srgbClr>
                       </a:solidFill>
                       <a:prstDash val="solid"/>
                     </a:lnT>
-                    <a:lnB w="12700" cmpd="sng" algn="ctr" cap="flat">
-                      <a:solidFill>
-                        <a:srgbClr val="000000">
-                          <a:alpha val="100000"/>
+                    <a:lnB w="0" cmpd="sng" algn="ctr" cap="flat">
+                      <a:solidFill>
+                        <a:srgbClr val="FFFFFF">
+                          <a:alpha val="0"/>
                         </a:srgbClr>
                       </a:solidFill>
                       <a:prstDash val="solid"/>
                     </a:lnB>
-                    <a:solidFill>
-                      <a:srgbClr val="FFFFFF">
-                        <a:alpha val="0"/>
-                      </a:srgbClr>
-                    </a:solidFill>
                   </a:tcPr>
                 </a:tc>
                 <a:tc>
@@ -5861,7 +5861,7 @@
                     <a:bodyPr/>
                     <a:lstStyle/>
                     <a:p>
-                      <a:pPr algn="r" marL="25400" marR="25400">
+                      <a:pPr algn="r" marL="63500" marR="63500">
                         <a:spcBef>
                           <a:spcPts val="200"/>
                         </a:spcBef>
@@ -5871,9 +5871,14 @@
                         <a:buNone/>
                       </a:pPr>
                       <a:r>
-                        <a:rPr sz="1000">
-                          <a:latin typeface="Arial"/>
-                          <a:cs typeface="Arial"/>
+                        <a:rPr sz="1100">
+                          <a:solidFill>
+                            <a:srgbClr val="111111">
+                              <a:alpha val="100000"/>
+                            </a:srgbClr>
+                          </a:solidFill>
+                          <a:latin typeface="Roboto"/>
+                          <a:cs typeface="Roboto"/>
                           <a:highlight>
                             <a:srgbClr val="FFFFFF">
                               <a:alpha val="0"/>
@@ -5901,27 +5906,22 @@
                       </a:solidFill>
                       <a:prstDash val="solid"/>
                     </a:lnR>
-                    <a:lnT w="12700" cmpd="sng" algn="ctr" cap="flat">
-                      <a:solidFill>
-                        <a:srgbClr val="000000">
-                          <a:alpha val="100000"/>
+                    <a:lnT w="0" cmpd="sng" algn="ctr" cap="flat">
+                      <a:solidFill>
+                        <a:srgbClr val="FFFFFF">
+                          <a:alpha val="0"/>
                         </a:srgbClr>
                       </a:solidFill>
                       <a:prstDash val="solid"/>
                     </a:lnT>
-                    <a:lnB w="12700" cmpd="sng" algn="ctr" cap="flat">
-                      <a:solidFill>
-                        <a:srgbClr val="000000">
-                          <a:alpha val="100000"/>
+                    <a:lnB w="0" cmpd="sng" algn="ctr" cap="flat">
+                      <a:solidFill>
+                        <a:srgbClr val="FFFFFF">
+                          <a:alpha val="0"/>
                         </a:srgbClr>
                       </a:solidFill>
                       <a:prstDash val="solid"/>
                     </a:lnB>
-                    <a:solidFill>
-                      <a:srgbClr val="FFFFFF">
-                        <a:alpha val="0"/>
-                      </a:srgbClr>
-                    </a:solidFill>
                   </a:tcPr>
                 </a:tc>
                 <a:tc>
@@ -5929,7 +5929,7 @@
                     <a:bodyPr/>
                     <a:lstStyle/>
                     <a:p>
-                      <a:pPr algn="r" marL="25400" marR="25400">
+                      <a:pPr algn="r" marL="63500" marR="63500">
                         <a:spcBef>
                           <a:spcPts val="200"/>
                         </a:spcBef>
@@ -5939,9 +5939,14 @@
                         <a:buNone/>
                       </a:pPr>
                       <a:r>
-                        <a:rPr sz="1000">
-                          <a:latin typeface="Arial"/>
-                          <a:cs typeface="Arial"/>
+                        <a:rPr sz="1100">
+                          <a:solidFill>
+                            <a:srgbClr val="111111">
+                              <a:alpha val="100000"/>
+                            </a:srgbClr>
+                          </a:solidFill>
+                          <a:latin typeface="Roboto"/>
+                          <a:cs typeface="Roboto"/>
                           <a:highlight>
                             <a:srgbClr val="FFFFFF">
                               <a:alpha val="0"/>
@@ -5969,37 +5974,32 @@
                       </a:solidFill>
                       <a:prstDash val="solid"/>
                     </a:lnR>
-                    <a:lnT w="12700" cmpd="sng" algn="ctr" cap="flat">
-                      <a:solidFill>
-                        <a:srgbClr val="000000">
-                          <a:alpha val="100000"/>
+                    <a:lnT w="0" cmpd="sng" algn="ctr" cap="flat">
+                      <a:solidFill>
+                        <a:srgbClr val="FFFFFF">
+                          <a:alpha val="0"/>
                         </a:srgbClr>
                       </a:solidFill>
                       <a:prstDash val="solid"/>
                     </a:lnT>
-                    <a:lnB w="12700" cmpd="sng" algn="ctr" cap="flat">
-                      <a:solidFill>
-                        <a:srgbClr val="000000">
-                          <a:alpha val="100000"/>
+                    <a:lnB w="0" cmpd="sng" algn="ctr" cap="flat">
+                      <a:solidFill>
+                        <a:srgbClr val="FFFFFF">
+                          <a:alpha val="0"/>
                         </a:srgbClr>
                       </a:solidFill>
                       <a:prstDash val="solid"/>
                     </a:lnB>
-                    <a:solidFill>
-                      <a:srgbClr val="FFFFFF">
-                        <a:alpha val="0"/>
-                      </a:srgbClr>
-                    </a:solidFill>
                   </a:tcPr>
                 </a:tc>
               </a:tr>
-              <a:tr h="252067">
+              <a:tr h="261220">
                 <a:tc>
                   <a:txBody>
                     <a:bodyPr/>
                     <a:lstStyle/>
                     <a:p>
-                      <a:pPr algn="r" marL="25400" marR="25400">
+                      <a:pPr algn="r" marL="63500" marR="63500">
                         <a:spcBef>
                           <a:spcPts val="200"/>
                         </a:spcBef>
@@ -6009,9 +6009,14 @@
                         <a:buNone/>
                       </a:pPr>
                       <a:r>
-                        <a:rPr sz="1000">
-                          <a:latin typeface="Arial"/>
-                          <a:cs typeface="Arial"/>
+                        <a:rPr sz="1100">
+                          <a:solidFill>
+                            <a:srgbClr val="111111">
+                              <a:alpha val="100000"/>
+                            </a:srgbClr>
+                          </a:solidFill>
+                          <a:latin typeface="Roboto"/>
+                          <a:cs typeface="Roboto"/>
                           <a:highlight>
                             <a:srgbClr val="FFFFFF">
                               <a:alpha val="0"/>
@@ -6039,27 +6044,22 @@
                       </a:solidFill>
                       <a:prstDash val="solid"/>
                     </a:lnR>
-                    <a:lnT w="12700" cmpd="sng" algn="ctr" cap="flat">
-                      <a:solidFill>
-                        <a:srgbClr val="000000">
-                          <a:alpha val="100000"/>
+                    <a:lnT w="0" cmpd="sng" algn="ctr" cap="flat">
+                      <a:solidFill>
+                        <a:srgbClr val="FFFFFF">
+                          <a:alpha val="0"/>
                         </a:srgbClr>
                       </a:solidFill>
                       <a:prstDash val="solid"/>
                     </a:lnT>
-                    <a:lnB w="12700" cmpd="sng" algn="ctr" cap="flat">
-                      <a:solidFill>
-                        <a:srgbClr val="000000">
-                          <a:alpha val="100000"/>
+                    <a:lnB w="0" cmpd="sng" algn="ctr" cap="flat">
+                      <a:solidFill>
+                        <a:srgbClr val="FFFFFF">
+                          <a:alpha val="0"/>
                         </a:srgbClr>
                       </a:solidFill>
                       <a:prstDash val="solid"/>
                     </a:lnB>
-                    <a:solidFill>
-                      <a:srgbClr val="FFFFFF">
-                        <a:alpha val="0"/>
-                      </a:srgbClr>
-                    </a:solidFill>
                   </a:tcPr>
                 </a:tc>
                 <a:tc>
@@ -6067,7 +6067,7 @@
                     <a:bodyPr/>
                     <a:lstStyle/>
                     <a:p>
-                      <a:pPr algn="r" marL="25400" marR="25400">
+                      <a:pPr algn="r" marL="63500" marR="63500">
                         <a:spcBef>
                           <a:spcPts val="200"/>
                         </a:spcBef>
@@ -6077,9 +6077,14 @@
                         <a:buNone/>
                       </a:pPr>
                       <a:r>
-                        <a:rPr sz="1000">
-                          <a:latin typeface="Arial"/>
-                          <a:cs typeface="Arial"/>
+                        <a:rPr sz="1100">
+                          <a:solidFill>
+                            <a:srgbClr val="111111">
+                              <a:alpha val="100000"/>
+                            </a:srgbClr>
+                          </a:solidFill>
+                          <a:latin typeface="Roboto"/>
+                          <a:cs typeface="Roboto"/>
                           <a:highlight>
                             <a:srgbClr val="FFFFFF">
                               <a:alpha val="0"/>
@@ -6107,27 +6112,22 @@
                       </a:solidFill>
                       <a:prstDash val="solid"/>
                     </a:lnR>
-                    <a:lnT w="12700" cmpd="sng" algn="ctr" cap="flat">
-                      <a:solidFill>
-                        <a:srgbClr val="000000">
-                          <a:alpha val="100000"/>
+                    <a:lnT w="0" cmpd="sng" algn="ctr" cap="flat">
+                      <a:solidFill>
+                        <a:srgbClr val="FFFFFF">
+                          <a:alpha val="0"/>
                         </a:srgbClr>
                       </a:solidFill>
                       <a:prstDash val="solid"/>
                     </a:lnT>
-                    <a:lnB w="12700" cmpd="sng" algn="ctr" cap="flat">
-                      <a:solidFill>
-                        <a:srgbClr val="000000">
-                          <a:alpha val="100000"/>
+                    <a:lnB w="0" cmpd="sng" algn="ctr" cap="flat">
+                      <a:solidFill>
+                        <a:srgbClr val="FFFFFF">
+                          <a:alpha val="0"/>
                         </a:srgbClr>
                       </a:solidFill>
                       <a:prstDash val="solid"/>
                     </a:lnB>
-                    <a:solidFill>
-                      <a:srgbClr val="FFFFFF">
-                        <a:alpha val="0"/>
-                      </a:srgbClr>
-                    </a:solidFill>
                   </a:tcPr>
                 </a:tc>
                 <a:tc>
@@ -6135,7 +6135,7 @@
                     <a:bodyPr/>
                     <a:lstStyle/>
                     <a:p>
-                      <a:pPr algn="r" marL="25400" marR="25400">
+                      <a:pPr algn="r" marL="63500" marR="63500">
                         <a:spcBef>
                           <a:spcPts val="200"/>
                         </a:spcBef>
@@ -6145,9 +6145,14 @@
                         <a:buNone/>
                       </a:pPr>
                       <a:r>
-                        <a:rPr sz="1000">
-                          <a:latin typeface="Arial"/>
-                          <a:cs typeface="Arial"/>
+                        <a:rPr sz="1100">
+                          <a:solidFill>
+                            <a:srgbClr val="111111">
+                              <a:alpha val="100000"/>
+                            </a:srgbClr>
+                          </a:solidFill>
+                          <a:latin typeface="Roboto"/>
+                          <a:cs typeface="Roboto"/>
                           <a:highlight>
                             <a:srgbClr val="FFFFFF">
                               <a:alpha val="0"/>
@@ -6175,27 +6180,22 @@
                       </a:solidFill>
                       <a:prstDash val="solid"/>
                     </a:lnR>
-                    <a:lnT w="12700" cmpd="sng" algn="ctr" cap="flat">
-                      <a:solidFill>
-                        <a:srgbClr val="000000">
-                          <a:alpha val="100000"/>
+                    <a:lnT w="0" cmpd="sng" algn="ctr" cap="flat">
+                      <a:solidFill>
+                        <a:srgbClr val="FFFFFF">
+                          <a:alpha val="0"/>
                         </a:srgbClr>
                       </a:solidFill>
                       <a:prstDash val="solid"/>
                     </a:lnT>
-                    <a:lnB w="12700" cmpd="sng" algn="ctr" cap="flat">
-                      <a:solidFill>
-                        <a:srgbClr val="000000">
-                          <a:alpha val="100000"/>
+                    <a:lnB w="0" cmpd="sng" algn="ctr" cap="flat">
+                      <a:solidFill>
+                        <a:srgbClr val="FFFFFF">
+                          <a:alpha val="0"/>
                         </a:srgbClr>
                       </a:solidFill>
                       <a:prstDash val="solid"/>
                     </a:lnB>
-                    <a:solidFill>
-                      <a:srgbClr val="FFFFFF">
-                        <a:alpha val="0"/>
-                      </a:srgbClr>
-                    </a:solidFill>
                   </a:tcPr>
                 </a:tc>
                 <a:tc>
@@ -6203,7 +6203,7 @@
                     <a:bodyPr/>
                     <a:lstStyle/>
                     <a:p>
-                      <a:pPr algn="r" marL="25400" marR="25400">
+                      <a:pPr algn="r" marL="63500" marR="63500">
                         <a:spcBef>
                           <a:spcPts val="200"/>
                         </a:spcBef>
@@ -6213,9 +6213,14 @@
                         <a:buNone/>
                       </a:pPr>
                       <a:r>
-                        <a:rPr sz="1000">
-                          <a:latin typeface="Arial"/>
-                          <a:cs typeface="Arial"/>
+                        <a:rPr sz="1100">
+                          <a:solidFill>
+                            <a:srgbClr val="111111">
+                              <a:alpha val="100000"/>
+                            </a:srgbClr>
+                          </a:solidFill>
+                          <a:latin typeface="Roboto"/>
+                          <a:cs typeface="Roboto"/>
                           <a:highlight>
                             <a:srgbClr val="FFFFFF">
                               <a:alpha val="0"/>
@@ -6243,27 +6248,22 @@
                       </a:solidFill>
                       <a:prstDash val="solid"/>
                     </a:lnR>
-                    <a:lnT w="12700" cmpd="sng" algn="ctr" cap="flat">
-                      <a:solidFill>
-                        <a:srgbClr val="000000">
-                          <a:alpha val="100000"/>
+                    <a:lnT w="0" cmpd="sng" algn="ctr" cap="flat">
+                      <a:solidFill>
+                        <a:srgbClr val="FFFFFF">
+                          <a:alpha val="0"/>
                         </a:srgbClr>
                       </a:solidFill>
                       <a:prstDash val="solid"/>
                     </a:lnT>
-                    <a:lnB w="12700" cmpd="sng" algn="ctr" cap="flat">
-                      <a:solidFill>
-                        <a:srgbClr val="000000">
-                          <a:alpha val="100000"/>
+                    <a:lnB w="0" cmpd="sng" algn="ctr" cap="flat">
+                      <a:solidFill>
+                        <a:srgbClr val="FFFFFF">
+                          <a:alpha val="0"/>
                         </a:srgbClr>
                       </a:solidFill>
                       <a:prstDash val="solid"/>
                     </a:lnB>
-                    <a:solidFill>
-                      <a:srgbClr val="FFFFFF">
-                        <a:alpha val="0"/>
-                      </a:srgbClr>
-                    </a:solidFill>
                   </a:tcPr>
                 </a:tc>
                 <a:tc>
@@ -6271,7 +6271,7 @@
                     <a:bodyPr/>
                     <a:lstStyle/>
                     <a:p>
-                      <a:pPr algn="r" marL="25400" marR="25400">
+                      <a:pPr algn="r" marL="63500" marR="63500">
                         <a:spcBef>
                           <a:spcPts val="200"/>
                         </a:spcBef>
@@ -6281,9 +6281,14 @@
                         <a:buNone/>
                       </a:pPr>
                       <a:r>
-                        <a:rPr sz="1000">
-                          <a:latin typeface="Arial"/>
-                          <a:cs typeface="Arial"/>
+                        <a:rPr sz="1100">
+                          <a:solidFill>
+                            <a:srgbClr val="111111">
+                              <a:alpha val="100000"/>
+                            </a:srgbClr>
+                          </a:solidFill>
+                          <a:latin typeface="Roboto"/>
+                          <a:cs typeface="Roboto"/>
                           <a:highlight>
                             <a:srgbClr val="FFFFFF">
                               <a:alpha val="0"/>
@@ -6311,27 +6316,22 @@
                       </a:solidFill>
                       <a:prstDash val="solid"/>
                     </a:lnR>
-                    <a:lnT w="12700" cmpd="sng" algn="ctr" cap="flat">
-                      <a:solidFill>
-                        <a:srgbClr val="000000">
-                          <a:alpha val="100000"/>
+                    <a:lnT w="0" cmpd="sng" algn="ctr" cap="flat">
+                      <a:solidFill>
+                        <a:srgbClr val="FFFFFF">
+                          <a:alpha val="0"/>
                         </a:srgbClr>
                       </a:solidFill>
                       <a:prstDash val="solid"/>
                     </a:lnT>
-                    <a:lnB w="12700" cmpd="sng" algn="ctr" cap="flat">
-                      <a:solidFill>
-                        <a:srgbClr val="000000">
-                          <a:alpha val="100000"/>
+                    <a:lnB w="0" cmpd="sng" algn="ctr" cap="flat">
+                      <a:solidFill>
+                        <a:srgbClr val="FFFFFF">
+                          <a:alpha val="0"/>
                         </a:srgbClr>
                       </a:solidFill>
                       <a:prstDash val="solid"/>
                     </a:lnB>
-                    <a:solidFill>
-                      <a:srgbClr val="FFFFFF">
-                        <a:alpha val="0"/>
-                      </a:srgbClr>
-                    </a:solidFill>
                   </a:tcPr>
                 </a:tc>
                 <a:tc>
@@ -6339,7 +6339,7 @@
                     <a:bodyPr/>
                     <a:lstStyle/>
                     <a:p>
-                      <a:pPr algn="r" marL="25400" marR="25400">
+                      <a:pPr algn="r" marL="63500" marR="63500">
                         <a:spcBef>
                           <a:spcPts val="200"/>
                         </a:spcBef>
@@ -6349,9 +6349,14 @@
                         <a:buNone/>
                       </a:pPr>
                       <a:r>
-                        <a:rPr sz="1000">
-                          <a:latin typeface="Arial"/>
-                          <a:cs typeface="Arial"/>
+                        <a:rPr sz="1100">
+                          <a:solidFill>
+                            <a:srgbClr val="111111">
+                              <a:alpha val="100000"/>
+                            </a:srgbClr>
+                          </a:solidFill>
+                          <a:latin typeface="Roboto"/>
+                          <a:cs typeface="Roboto"/>
                           <a:highlight>
                             <a:srgbClr val="FFFFFF">
                               <a:alpha val="0"/>
@@ -6379,27 +6384,22 @@
                       </a:solidFill>
                       <a:prstDash val="solid"/>
                     </a:lnR>
-                    <a:lnT w="12700" cmpd="sng" algn="ctr" cap="flat">
-                      <a:solidFill>
-                        <a:srgbClr val="000000">
-                          <a:alpha val="100000"/>
+                    <a:lnT w="0" cmpd="sng" algn="ctr" cap="flat">
+                      <a:solidFill>
+                        <a:srgbClr val="FFFFFF">
+                          <a:alpha val="0"/>
                         </a:srgbClr>
                       </a:solidFill>
                       <a:prstDash val="solid"/>
                     </a:lnT>
-                    <a:lnB w="12700" cmpd="sng" algn="ctr" cap="flat">
-                      <a:solidFill>
-                        <a:srgbClr val="000000">
-                          <a:alpha val="100000"/>
+                    <a:lnB w="0" cmpd="sng" algn="ctr" cap="flat">
+                      <a:solidFill>
+                        <a:srgbClr val="FFFFFF">
+                          <a:alpha val="0"/>
                         </a:srgbClr>
                       </a:solidFill>
                       <a:prstDash val="solid"/>
                     </a:lnB>
-                    <a:solidFill>
-                      <a:srgbClr val="FFFFFF">
-                        <a:alpha val="0"/>
-                      </a:srgbClr>
-                    </a:solidFill>
                   </a:tcPr>
                 </a:tc>
                 <a:tc>
@@ -6407,7 +6407,7 @@
                     <a:bodyPr/>
                     <a:lstStyle/>
                     <a:p>
-                      <a:pPr algn="r" marL="25400" marR="25400">
+                      <a:pPr algn="r" marL="63500" marR="63500">
                         <a:spcBef>
                           <a:spcPts val="200"/>
                         </a:spcBef>
@@ -6417,9 +6417,14 @@
                         <a:buNone/>
                       </a:pPr>
                       <a:r>
-                        <a:rPr sz="1000">
-                          <a:latin typeface="Arial"/>
-                          <a:cs typeface="Arial"/>
+                        <a:rPr sz="1100">
+                          <a:solidFill>
+                            <a:srgbClr val="111111">
+                              <a:alpha val="100000"/>
+                            </a:srgbClr>
+                          </a:solidFill>
+                          <a:latin typeface="Roboto"/>
+                          <a:cs typeface="Roboto"/>
                           <a:highlight>
                             <a:srgbClr val="FFFFFF">
                               <a:alpha val="0"/>
@@ -6447,27 +6452,22 @@
                       </a:solidFill>
                       <a:prstDash val="solid"/>
                     </a:lnR>
-                    <a:lnT w="12700" cmpd="sng" algn="ctr" cap="flat">
-                      <a:solidFill>
-                        <a:srgbClr val="000000">
-                          <a:alpha val="100000"/>
+                    <a:lnT w="0" cmpd="sng" algn="ctr" cap="flat">
+                      <a:solidFill>
+                        <a:srgbClr val="FFFFFF">
+                          <a:alpha val="0"/>
                         </a:srgbClr>
                       </a:solidFill>
                       <a:prstDash val="solid"/>
                     </a:lnT>
-                    <a:lnB w="12700" cmpd="sng" algn="ctr" cap="flat">
-                      <a:solidFill>
-                        <a:srgbClr val="000000">
-                          <a:alpha val="100000"/>
+                    <a:lnB w="0" cmpd="sng" algn="ctr" cap="flat">
+                      <a:solidFill>
+                        <a:srgbClr val="FFFFFF">
+                          <a:alpha val="0"/>
                         </a:srgbClr>
                       </a:solidFill>
                       <a:prstDash val="solid"/>
                     </a:lnB>
-                    <a:solidFill>
-                      <a:srgbClr val="FFFFFF">
-                        <a:alpha val="0"/>
-                      </a:srgbClr>
-                    </a:solidFill>
                   </a:tcPr>
                 </a:tc>
                 <a:tc>
@@ -6475,7 +6475,7 @@
                     <a:bodyPr/>
                     <a:lstStyle/>
                     <a:p>
-                      <a:pPr algn="r" marL="25400" marR="25400">
+                      <a:pPr algn="r" marL="63500" marR="63500">
                         <a:spcBef>
                           <a:spcPts val="200"/>
                         </a:spcBef>
@@ -6485,9 +6485,14 @@
                         <a:buNone/>
                       </a:pPr>
                       <a:r>
-                        <a:rPr sz="1000">
-                          <a:latin typeface="Arial"/>
-                          <a:cs typeface="Arial"/>
+                        <a:rPr sz="1100">
+                          <a:solidFill>
+                            <a:srgbClr val="111111">
+                              <a:alpha val="100000"/>
+                            </a:srgbClr>
+                          </a:solidFill>
+                          <a:latin typeface="Roboto"/>
+                          <a:cs typeface="Roboto"/>
                           <a:highlight>
                             <a:srgbClr val="FFFFFF">
                               <a:alpha val="0"/>
@@ -6515,27 +6520,22 @@
                       </a:solidFill>
                       <a:prstDash val="solid"/>
                     </a:lnR>
-                    <a:lnT w="12700" cmpd="sng" algn="ctr" cap="flat">
-                      <a:solidFill>
-                        <a:srgbClr val="000000">
-                          <a:alpha val="100000"/>
+                    <a:lnT w="0" cmpd="sng" algn="ctr" cap="flat">
+                      <a:solidFill>
+                        <a:srgbClr val="FFFFFF">
+                          <a:alpha val="0"/>
                         </a:srgbClr>
                       </a:solidFill>
                       <a:prstDash val="solid"/>
                     </a:lnT>
-                    <a:lnB w="12700" cmpd="sng" algn="ctr" cap="flat">
-                      <a:solidFill>
-                        <a:srgbClr val="000000">
-                          <a:alpha val="100000"/>
+                    <a:lnB w="0" cmpd="sng" algn="ctr" cap="flat">
+                      <a:solidFill>
+                        <a:srgbClr val="FFFFFF">
+                          <a:alpha val="0"/>
                         </a:srgbClr>
                       </a:solidFill>
                       <a:prstDash val="solid"/>
                     </a:lnB>
-                    <a:solidFill>
-                      <a:srgbClr val="FFFFFF">
-                        <a:alpha val="0"/>
-                      </a:srgbClr>
-                    </a:solidFill>
                   </a:tcPr>
                 </a:tc>
                 <a:tc>
@@ -6543,7 +6543,7 @@
                     <a:bodyPr/>
                     <a:lstStyle/>
                     <a:p>
-                      <a:pPr algn="r" marL="25400" marR="25400">
+                      <a:pPr algn="r" marL="63500" marR="63500">
                         <a:spcBef>
                           <a:spcPts val="200"/>
                         </a:spcBef>
@@ -6553,9 +6553,14 @@
                         <a:buNone/>
                       </a:pPr>
                       <a:r>
-                        <a:rPr sz="1000">
-                          <a:latin typeface="Arial"/>
-                          <a:cs typeface="Arial"/>
+                        <a:rPr sz="1100">
+                          <a:solidFill>
+                            <a:srgbClr val="111111">
+                              <a:alpha val="100000"/>
+                            </a:srgbClr>
+                          </a:solidFill>
+                          <a:latin typeface="Roboto"/>
+                          <a:cs typeface="Roboto"/>
                           <a:highlight>
                             <a:srgbClr val="FFFFFF">
                               <a:alpha val="0"/>
@@ -6583,27 +6588,22 @@
                       </a:solidFill>
                       <a:prstDash val="solid"/>
                     </a:lnR>
-                    <a:lnT w="12700" cmpd="sng" algn="ctr" cap="flat">
-                      <a:solidFill>
-                        <a:srgbClr val="000000">
-                          <a:alpha val="100000"/>
+                    <a:lnT w="0" cmpd="sng" algn="ctr" cap="flat">
+                      <a:solidFill>
+                        <a:srgbClr val="FFFFFF">
+                          <a:alpha val="0"/>
                         </a:srgbClr>
                       </a:solidFill>
                       <a:prstDash val="solid"/>
                     </a:lnT>
-                    <a:lnB w="12700" cmpd="sng" algn="ctr" cap="flat">
-                      <a:solidFill>
-                        <a:srgbClr val="000000">
-                          <a:alpha val="100000"/>
+                    <a:lnB w="0" cmpd="sng" algn="ctr" cap="flat">
+                      <a:solidFill>
+                        <a:srgbClr val="FFFFFF">
+                          <a:alpha val="0"/>
                         </a:srgbClr>
                       </a:solidFill>
                       <a:prstDash val="solid"/>
                     </a:lnB>
-                    <a:solidFill>
-                      <a:srgbClr val="FFFFFF">
-                        <a:alpha val="0"/>
-                      </a:srgbClr>
-                    </a:solidFill>
                   </a:tcPr>
                 </a:tc>
                 <a:tc>
@@ -6611,7 +6611,7 @@
                     <a:bodyPr/>
                     <a:lstStyle/>
                     <a:p>
-                      <a:pPr algn="r" marL="25400" marR="25400">
+                      <a:pPr algn="r" marL="63500" marR="63500">
                         <a:spcBef>
                           <a:spcPts val="200"/>
                         </a:spcBef>
@@ -6621,9 +6621,14 @@
                         <a:buNone/>
                       </a:pPr>
                       <a:r>
-                        <a:rPr sz="1000">
-                          <a:latin typeface="Arial"/>
-                          <a:cs typeface="Arial"/>
+                        <a:rPr sz="1100">
+                          <a:solidFill>
+                            <a:srgbClr val="111111">
+                              <a:alpha val="100000"/>
+                            </a:srgbClr>
+                          </a:solidFill>
+                          <a:latin typeface="Roboto"/>
+                          <a:cs typeface="Roboto"/>
                           <a:highlight>
                             <a:srgbClr val="FFFFFF">
                               <a:alpha val="0"/>
@@ -6651,27 +6656,22 @@
                       </a:solidFill>
                       <a:prstDash val="solid"/>
                     </a:lnR>
-                    <a:lnT w="12700" cmpd="sng" algn="ctr" cap="flat">
-                      <a:solidFill>
-                        <a:srgbClr val="000000">
-                          <a:alpha val="100000"/>
+                    <a:lnT w="0" cmpd="sng" algn="ctr" cap="flat">
+                      <a:solidFill>
+                        <a:srgbClr val="FFFFFF">
+                          <a:alpha val="0"/>
                         </a:srgbClr>
                       </a:solidFill>
                       <a:prstDash val="solid"/>
                     </a:lnT>
-                    <a:lnB w="12700" cmpd="sng" algn="ctr" cap="flat">
-                      <a:solidFill>
-                        <a:srgbClr val="000000">
-                          <a:alpha val="100000"/>
+                    <a:lnB w="0" cmpd="sng" algn="ctr" cap="flat">
+                      <a:solidFill>
+                        <a:srgbClr val="FFFFFF">
+                          <a:alpha val="0"/>
                         </a:srgbClr>
                       </a:solidFill>
                       <a:prstDash val="solid"/>
                     </a:lnB>
-                    <a:solidFill>
-                      <a:srgbClr val="FFFFFF">
-                        <a:alpha val="0"/>
-                      </a:srgbClr>
-                    </a:solidFill>
                   </a:tcPr>
                 </a:tc>
                 <a:tc>
@@ -6679,7 +6679,7 @@
                     <a:bodyPr/>
                     <a:lstStyle/>
                     <a:p>
-                      <a:pPr algn="r" marL="25400" marR="25400">
+                      <a:pPr algn="r" marL="63500" marR="63500">
                         <a:spcBef>
                           <a:spcPts val="200"/>
                         </a:spcBef>
@@ -6689,9 +6689,14 @@
                         <a:buNone/>
                       </a:pPr>
                       <a:r>
-                        <a:rPr sz="1000">
-                          <a:latin typeface="Arial"/>
-                          <a:cs typeface="Arial"/>
+                        <a:rPr sz="1100">
+                          <a:solidFill>
+                            <a:srgbClr val="111111">
+                              <a:alpha val="100000"/>
+                            </a:srgbClr>
+                          </a:solidFill>
+                          <a:latin typeface="Roboto"/>
+                          <a:cs typeface="Roboto"/>
                           <a:highlight>
                             <a:srgbClr val="FFFFFF">
                               <a:alpha val="0"/>
@@ -6719,37 +6724,32 @@
                       </a:solidFill>
                       <a:prstDash val="solid"/>
                     </a:lnR>
-                    <a:lnT w="12700" cmpd="sng" algn="ctr" cap="flat">
-                      <a:solidFill>
-                        <a:srgbClr val="000000">
-                          <a:alpha val="100000"/>
+                    <a:lnT w="0" cmpd="sng" algn="ctr" cap="flat">
+                      <a:solidFill>
+                        <a:srgbClr val="FFFFFF">
+                          <a:alpha val="0"/>
                         </a:srgbClr>
                       </a:solidFill>
                       <a:prstDash val="solid"/>
                     </a:lnT>
-                    <a:lnB w="12700" cmpd="sng" algn="ctr" cap="flat">
-                      <a:solidFill>
-                        <a:srgbClr val="000000">
-                          <a:alpha val="100000"/>
+                    <a:lnB w="0" cmpd="sng" algn="ctr" cap="flat">
+                      <a:solidFill>
+                        <a:srgbClr val="FFFFFF">
+                          <a:alpha val="0"/>
                         </a:srgbClr>
                       </a:solidFill>
                       <a:prstDash val="solid"/>
                     </a:lnB>
-                    <a:solidFill>
-                      <a:srgbClr val="FFFFFF">
-                        <a:alpha val="0"/>
-                      </a:srgbClr>
-                    </a:solidFill>
                   </a:tcPr>
                 </a:tc>
               </a:tr>
-              <a:tr h="252067">
+              <a:tr h="261220">
                 <a:tc>
                   <a:txBody>
                     <a:bodyPr/>
                     <a:lstStyle/>
                     <a:p>
-                      <a:pPr algn="r" marL="25400" marR="25400">
+                      <a:pPr algn="r" marL="63500" marR="63500">
                         <a:spcBef>
                           <a:spcPts val="200"/>
                         </a:spcBef>
@@ -6759,9 +6759,14 @@
                         <a:buNone/>
                       </a:pPr>
                       <a:r>
-                        <a:rPr sz="1000">
-                          <a:latin typeface="Arial"/>
-                          <a:cs typeface="Arial"/>
+                        <a:rPr sz="1100">
+                          <a:solidFill>
+                            <a:srgbClr val="111111">
+                              <a:alpha val="100000"/>
+                            </a:srgbClr>
+                          </a:solidFill>
+                          <a:latin typeface="Roboto"/>
+                          <a:cs typeface="Roboto"/>
                           <a:highlight>
                             <a:srgbClr val="FFFFFF">
                               <a:alpha val="0"/>
@@ -6805,11 +6810,6 @@
                       </a:solidFill>
                       <a:prstDash val="solid"/>
                     </a:lnB>
-                    <a:solidFill>
-                      <a:srgbClr val="FFFFFF">
-                        <a:alpha val="0"/>
-                      </a:srgbClr>
-                    </a:solidFill>
                   </a:tcPr>
                 </a:tc>
                 <a:tc>
@@ -6817,7 +6817,7 @@
                     <a:bodyPr/>
                     <a:lstStyle/>
                     <a:p>
-                      <a:pPr algn="r" marL="25400" marR="25400">
+                      <a:pPr algn="r" marL="63500" marR="63500">
                         <a:spcBef>
                           <a:spcPts val="200"/>
                         </a:spcBef>
@@ -6827,9 +6827,14 @@
                         <a:buNone/>
                       </a:pPr>
                       <a:r>
-                        <a:rPr sz="1000">
-                          <a:latin typeface="Arial"/>
-                          <a:cs typeface="Arial"/>
+                        <a:rPr sz="1100">
+                          <a:solidFill>
+                            <a:srgbClr val="111111">
+                              <a:alpha val="100000"/>
+                            </a:srgbClr>
+                          </a:solidFill>
+                          <a:latin typeface="Roboto"/>
+                          <a:cs typeface="Roboto"/>
                           <a:highlight>
                             <a:srgbClr val="FFFFFF">
                               <a:alpha val="0"/>
@@ -6873,11 +6878,6 @@
                       </a:solidFill>
                       <a:prstDash val="solid"/>
                     </a:lnB>
-                    <a:solidFill>
-                      <a:srgbClr val="FFFFFF">
-                        <a:alpha val="0"/>
-                      </a:srgbClr>
-                    </a:solidFill>
                   </a:tcPr>
                 </a:tc>
                 <a:tc>
@@ -6885,7 +6885,7 @@
                     <a:bodyPr/>
                     <a:lstStyle/>
                     <a:p>
-                      <a:pPr algn="r" marL="25400" marR="25400">
+                      <a:pPr algn="r" marL="63500" marR="63500">
                         <a:spcBef>
                           <a:spcPts val="200"/>
                         </a:spcBef>
@@ -6895,9 +6895,14 @@
                         <a:buNone/>
                       </a:pPr>
                       <a:r>
-                        <a:rPr sz="1000">
-                          <a:latin typeface="Arial"/>
-                          <a:cs typeface="Arial"/>
+                        <a:rPr sz="1100">
+                          <a:solidFill>
+                            <a:srgbClr val="111111">
+                              <a:alpha val="100000"/>
+                            </a:srgbClr>
+                          </a:solidFill>
+                          <a:latin typeface="Roboto"/>
+                          <a:cs typeface="Roboto"/>
                           <a:highlight>
                             <a:srgbClr val="FFFFFF">
                               <a:alpha val="0"/>
@@ -6941,11 +6946,6 @@
                       </a:solidFill>
                       <a:prstDash val="solid"/>
                     </a:lnB>
-                    <a:solidFill>
-                      <a:srgbClr val="FFFFFF">
-                        <a:alpha val="0"/>
-                      </a:srgbClr>
-                    </a:solidFill>
                   </a:tcPr>
                 </a:tc>
                 <a:tc>
@@ -6953,7 +6953,7 @@
                     <a:bodyPr/>
                     <a:lstStyle/>
                     <a:p>
-                      <a:pPr algn="r" marL="25400" marR="25400">
+                      <a:pPr algn="r" marL="63500" marR="63500">
                         <a:spcBef>
                           <a:spcPts val="200"/>
                         </a:spcBef>
@@ -6963,9 +6963,14 @@
                         <a:buNone/>
                       </a:pPr>
                       <a:r>
-                        <a:rPr sz="1000">
-                          <a:latin typeface="Arial"/>
-                          <a:cs typeface="Arial"/>
+                        <a:rPr sz="1100">
+                          <a:solidFill>
+                            <a:srgbClr val="111111">
+                              <a:alpha val="100000"/>
+                            </a:srgbClr>
+                          </a:solidFill>
+                          <a:latin typeface="Roboto"/>
+                          <a:cs typeface="Roboto"/>
                           <a:highlight>
                             <a:srgbClr val="FFFFFF">
                               <a:alpha val="0"/>
@@ -7009,11 +7014,6 @@
                       </a:solidFill>
                       <a:prstDash val="solid"/>
                     </a:lnB>
-                    <a:solidFill>
-                      <a:srgbClr val="FFFFFF">
-                        <a:alpha val="0"/>
-                      </a:srgbClr>
-                    </a:solidFill>
                   </a:tcPr>
                 </a:tc>
                 <a:tc>
@@ -7021,7 +7021,7 @@
                     <a:bodyPr/>
                     <a:lstStyle/>
                     <a:p>
-                      <a:pPr algn="r" marL="25400" marR="25400">
+                      <a:pPr algn="r" marL="63500" marR="63500">
                         <a:spcBef>
                           <a:spcPts val="200"/>
                         </a:spcBef>
@@ -7031,9 +7031,14 @@
                         <a:buNone/>
                       </a:pPr>
                       <a:r>
-                        <a:rPr sz="1000">
-                          <a:latin typeface="Arial"/>
-                          <a:cs typeface="Arial"/>
+                        <a:rPr sz="1100">
+                          <a:solidFill>
+                            <a:srgbClr val="111111">
+                              <a:alpha val="100000"/>
+                            </a:srgbClr>
+                          </a:solidFill>
+                          <a:latin typeface="Roboto"/>
+                          <a:cs typeface="Roboto"/>
                           <a:highlight>
                             <a:srgbClr val="FFFFFF">
                               <a:alpha val="0"/>
@@ -7077,11 +7082,6 @@
                       </a:solidFill>
                       <a:prstDash val="solid"/>
                     </a:lnB>
-                    <a:solidFill>
-                      <a:srgbClr val="FFFFFF">
-                        <a:alpha val="0"/>
-                      </a:srgbClr>
-                    </a:solidFill>
                   </a:tcPr>
                 </a:tc>
                 <a:tc>
@@ -7089,7 +7089,7 @@
                     <a:bodyPr/>
                     <a:lstStyle/>
                     <a:p>
-                      <a:pPr algn="r" marL="25400" marR="25400">
+                      <a:pPr algn="r" marL="63500" marR="63500">
                         <a:spcBef>
                           <a:spcPts val="200"/>
                         </a:spcBef>
@@ -7099,9 +7099,14 @@
                         <a:buNone/>
                       </a:pPr>
                       <a:r>
-                        <a:rPr sz="1000">
-                          <a:latin typeface="Arial"/>
-                          <a:cs typeface="Arial"/>
+                        <a:rPr sz="1100">
+                          <a:solidFill>
+                            <a:srgbClr val="111111">
+                              <a:alpha val="100000"/>
+                            </a:srgbClr>
+                          </a:solidFill>
+                          <a:latin typeface="Roboto"/>
+                          <a:cs typeface="Roboto"/>
                           <a:highlight>
                             <a:srgbClr val="FFFFFF">
                               <a:alpha val="0"/>
@@ -7145,11 +7150,6 @@
                       </a:solidFill>
                       <a:prstDash val="solid"/>
                     </a:lnB>
-                    <a:solidFill>
-                      <a:srgbClr val="FFFFFF">
-                        <a:alpha val="0"/>
-                      </a:srgbClr>
-                    </a:solidFill>
                   </a:tcPr>
                 </a:tc>
                 <a:tc>
@@ -7157,7 +7157,7 @@
                     <a:bodyPr/>
                     <a:lstStyle/>
                     <a:p>
-                      <a:pPr algn="r" marL="25400" marR="25400">
+                      <a:pPr algn="r" marL="63500" marR="63500">
                         <a:spcBef>
                           <a:spcPts val="200"/>
                         </a:spcBef>
@@ -7167,9 +7167,14 @@
                         <a:buNone/>
                       </a:pPr>
                       <a:r>
-                        <a:rPr sz="1000">
-                          <a:latin typeface="Arial"/>
-                          <a:cs typeface="Arial"/>
+                        <a:rPr sz="1100">
+                          <a:solidFill>
+                            <a:srgbClr val="111111">
+                              <a:alpha val="100000"/>
+                            </a:srgbClr>
+                          </a:solidFill>
+                          <a:latin typeface="Roboto"/>
+                          <a:cs typeface="Roboto"/>
                           <a:highlight>
                             <a:srgbClr val="FFFFFF">
                               <a:alpha val="0"/>
@@ -7213,11 +7218,6 @@
                       </a:solidFill>
                       <a:prstDash val="solid"/>
                     </a:lnB>
-                    <a:solidFill>
-                      <a:srgbClr val="FFFFFF">
-                        <a:alpha val="0"/>
-                      </a:srgbClr>
-                    </a:solidFill>
                   </a:tcPr>
                 </a:tc>
                 <a:tc>
@@ -7225,7 +7225,7 @@
                     <a:bodyPr/>
                     <a:lstStyle/>
                     <a:p>
-                      <a:pPr algn="r" marL="25400" marR="25400">
+                      <a:pPr algn="r" marL="63500" marR="63500">
                         <a:spcBef>
                           <a:spcPts val="200"/>
                         </a:spcBef>
@@ -7235,9 +7235,14 @@
                         <a:buNone/>
                       </a:pPr>
                       <a:r>
-                        <a:rPr sz="1000">
-                          <a:latin typeface="Arial"/>
-                          <a:cs typeface="Arial"/>
+                        <a:rPr sz="1100">
+                          <a:solidFill>
+                            <a:srgbClr val="111111">
+                              <a:alpha val="100000"/>
+                            </a:srgbClr>
+                          </a:solidFill>
+                          <a:latin typeface="Roboto"/>
+                          <a:cs typeface="Roboto"/>
                           <a:highlight>
                             <a:srgbClr val="FFFFFF">
                               <a:alpha val="0"/>
@@ -7281,11 +7286,6 @@
                       </a:solidFill>
                       <a:prstDash val="solid"/>
                     </a:lnB>
-                    <a:solidFill>
-                      <a:srgbClr val="FFFFFF">
-                        <a:alpha val="0"/>
-                      </a:srgbClr>
-                    </a:solidFill>
                   </a:tcPr>
                 </a:tc>
                 <a:tc>
@@ -7293,7 +7293,7 @@
                     <a:bodyPr/>
                     <a:lstStyle/>
                     <a:p>
-                      <a:pPr algn="r" marL="25400" marR="25400">
+                      <a:pPr algn="r" marL="63500" marR="63500">
                         <a:spcBef>
                           <a:spcPts val="200"/>
                         </a:spcBef>
@@ -7303,9 +7303,14 @@
                         <a:buNone/>
                       </a:pPr>
                       <a:r>
-                        <a:rPr sz="1000">
-                          <a:latin typeface="Arial"/>
-                          <a:cs typeface="Arial"/>
+                        <a:rPr sz="1100">
+                          <a:solidFill>
+                            <a:srgbClr val="111111">
+                              <a:alpha val="100000"/>
+                            </a:srgbClr>
+                          </a:solidFill>
+                          <a:latin typeface="Roboto"/>
+                          <a:cs typeface="Roboto"/>
                           <a:highlight>
                             <a:srgbClr val="FFFFFF">
                               <a:alpha val="0"/>
@@ -7349,11 +7354,6 @@
                       </a:solidFill>
                       <a:prstDash val="solid"/>
                     </a:lnB>
-                    <a:solidFill>
-                      <a:srgbClr val="FFFFFF">
-                        <a:alpha val="0"/>
-                      </a:srgbClr>
-                    </a:solidFill>
                   </a:tcPr>
                 </a:tc>
                 <a:tc>
@@ -7361,7 +7361,7 @@
                     <a:bodyPr/>
                     <a:lstStyle/>
                     <a:p>
-                      <a:pPr algn="r" marL="25400" marR="25400">
+                      <a:pPr algn="r" marL="63500" marR="63500">
                         <a:spcBef>
                           <a:spcPts val="200"/>
                         </a:spcBef>
@@ -7371,9 +7371,14 @@
                         <a:buNone/>
                       </a:pPr>
                       <a:r>
-                        <a:rPr sz="1000">
-                          <a:latin typeface="Arial"/>
-                          <a:cs typeface="Arial"/>
+                        <a:rPr sz="1100">
+                          <a:solidFill>
+                            <a:srgbClr val="111111">
+                              <a:alpha val="100000"/>
+                            </a:srgbClr>
+                          </a:solidFill>
+                          <a:latin typeface="Roboto"/>
+                          <a:cs typeface="Roboto"/>
                           <a:highlight>
                             <a:srgbClr val="FFFFFF">
                               <a:alpha val="0"/>
@@ -7417,11 +7422,6 @@
                       </a:solidFill>
                       <a:prstDash val="solid"/>
                     </a:lnB>
-                    <a:solidFill>
-                      <a:srgbClr val="FFFFFF">
-                        <a:alpha val="0"/>
-                      </a:srgbClr>
-                    </a:solidFill>
                   </a:tcPr>
                 </a:tc>
                 <a:tc>
@@ -7429,7 +7429,7 @@
                     <a:bodyPr/>
                     <a:lstStyle/>
                     <a:p>
-                      <a:pPr algn="r" marL="25400" marR="25400">
+                      <a:pPr algn="r" marL="63500" marR="63500">
                         <a:spcBef>
                           <a:spcPts val="200"/>
                         </a:spcBef>
@@ -7439,9 +7439,14 @@
                         <a:buNone/>
                       </a:pPr>
                       <a:r>
-                        <a:rPr sz="1000">
-                          <a:latin typeface="Arial"/>
-                          <a:cs typeface="Arial"/>
+                        <a:rPr sz="1100">
+                          <a:solidFill>
+                            <a:srgbClr val="111111">
+                              <a:alpha val="100000"/>
+                            </a:srgbClr>
+                          </a:solidFill>
+                          <a:latin typeface="Roboto"/>
+                          <a:cs typeface="Roboto"/>
                           <a:highlight>
                             <a:srgbClr val="FFFFFF">
                               <a:alpha val="0"/>
@@ -7485,11 +7490,6 @@
                       </a:solidFill>
                       <a:prstDash val="solid"/>
                     </a:lnB>
-                    <a:solidFill>
-                      <a:srgbClr val="FFFFFF">
-                        <a:alpha val="0"/>
-                      </a:srgbClr>
-                    </a:solidFill>
                   </a:tcPr>
                 </a:tc>
               </a:tr>
